--- a/Präsentation.pptx
+++ b/Präsentation.pptx
@@ -2898,89 +2898,171 @@
             <p:ph type="ctrTitle"/>
           </p:nvPr>
         </p:nvSpPr>
+        <p:spPr>
+          <a:xfrm>
+            <a:off x="1143000" y="2850958"/>
+            <a:ext cx="7101408" cy="1531947"/>
+          </a:xfrm>
+        </p:spPr>
+        <p:txBody>
+          <a:bodyPr>
+            <a:normAutofit/>
+          </a:bodyPr>
+          <a:lstStyle/>
+          <a:p>
+            <a:pPr algn="ctr"/>
+            <a:r>
+              <a:rPr lang="de-DE" sz="3100" dirty="0"/>
+              <a:t>MGMM - </a:t>
+            </a:r>
+            <a:r>
+              <a:rPr lang="de-DE" sz="3100" dirty="0" err="1"/>
+              <a:t>Nanopore</a:t>
+            </a:r>
+            <a:r>
+              <a:rPr lang="de-DE" sz="3100" dirty="0"/>
+              <a:t> </a:t>
+            </a:r>
+            <a:r>
+              <a:rPr lang="de-DE" sz="3100" dirty="0" err="1"/>
+              <a:t>Sequencing</a:t>
+            </a:r>
+            <a:r>
+              <a:rPr lang="de-DE" sz="3100" dirty="0"/>
+              <a:t> Mapper</a:t>
+            </a:r>
+            <a:r>
+              <a:rPr lang="de-DE" dirty="0"/>
+              <a:t/>
+            </a:r>
+            <a:br>
+              <a:rPr lang="de-DE" dirty="0"/>
+            </a:br>
+            <a:r>
+              <a:rPr lang="de-DE" dirty="0" smtClean="0"/>
+              <a:t/>
+            </a:r>
+            <a:br>
+              <a:rPr lang="de-DE" dirty="0" smtClean="0"/>
+            </a:br>
+            <a:r>
+              <a:rPr lang="de-DE" sz="2400" dirty="0" smtClean="0"/>
+              <a:t>A </a:t>
+            </a:r>
+            <a:r>
+              <a:rPr lang="de-DE" sz="2400" dirty="0" err="1"/>
+              <a:t>new</a:t>
+            </a:r>
+            <a:r>
+              <a:rPr lang="de-DE" sz="2400" dirty="0"/>
+              <a:t> </a:t>
+            </a:r>
+            <a:r>
+              <a:rPr lang="de-DE" sz="2400" dirty="0" err="1"/>
+              <a:t>Bowtie-based</a:t>
+            </a:r>
+            <a:r>
+              <a:rPr lang="de-DE" sz="2400" dirty="0"/>
+              <a:t> Mapper </a:t>
+            </a:r>
+            <a:r>
+              <a:rPr lang="de-DE" sz="2400" dirty="0" err="1"/>
+              <a:t>for</a:t>
+            </a:r>
+            <a:r>
+              <a:rPr lang="de-DE" sz="2400" dirty="0"/>
+              <a:t> </a:t>
+            </a:r>
+            <a:r>
+              <a:rPr lang="de-DE" sz="2400" dirty="0" err="1"/>
+              <a:t>long</a:t>
+            </a:r>
+            <a:r>
+              <a:rPr lang="de-DE" sz="2400" dirty="0"/>
+              <a:t> </a:t>
+            </a:r>
+            <a:r>
+              <a:rPr lang="de-DE" sz="2400" dirty="0" err="1"/>
+              <a:t>reads</a:t>
+            </a:r>
+            <a:r>
+              <a:rPr lang="de-DE" sz="2400" dirty="0"/>
+              <a:t> </a:t>
+            </a:r>
+            <a:r>
+              <a:rPr lang="de-DE" sz="2400" dirty="0" err="1"/>
+              <a:t>with</a:t>
+            </a:r>
+            <a:r>
+              <a:rPr lang="de-DE" sz="2400" dirty="0"/>
+              <a:t> high </a:t>
+            </a:r>
+            <a:r>
+              <a:rPr lang="de-DE" sz="2400" dirty="0" err="1"/>
+              <a:t>error</a:t>
+            </a:r>
+            <a:r>
+              <a:rPr lang="de-DE" sz="2400" dirty="0"/>
+              <a:t> rate </a:t>
+            </a:r>
+          </a:p>
+        </p:txBody>
+      </p:sp>
+      <p:sp>
+        <p:nvSpPr>
+          <p:cNvPr id="11" name="Textplatzhalter 10"/>
+          <p:cNvSpPr>
+            <a:spLocks noGrp="1"/>
+          </p:cNvSpPr>
+          <p:nvPr>
+            <p:ph type="body" sz="quarter" idx="10"/>
+          </p:nvPr>
+        </p:nvSpPr>
         <p:spPr/>
         <p:txBody>
           <a:bodyPr/>
           <a:lstStyle/>
           <a:p>
+            <a:pPr algn="ctr"/>
+            <a:r>
+              <a:rPr lang="de-DE" dirty="0"/>
+              <a:t>Ron </a:t>
+            </a:r>
             <a:r>
               <a:rPr lang="de-DE" dirty="0" smtClean="0"/>
-              <a:t>MGMM </a:t>
-            </a:r>
-            <a:r>
-              <a:rPr lang="mr-IN" dirty="0" smtClean="0"/>
-              <a:t>–</a:t>
+              <a:t>Fechtner / </a:t>
+            </a:r>
+            <a:r>
+              <a:rPr lang="de-DE" dirty="0"/>
+              <a:t>Jonas </a:t>
+            </a:r>
+            <a:r>
+              <a:rPr lang="de-DE" dirty="0" err="1"/>
+              <a:t>Galli</a:t>
+            </a:r>
+            <a:r>
+              <a:rPr lang="de-DE" dirty="0"/>
+              <a:t> </a:t>
             </a:r>
             <a:r>
               <a:rPr lang="de-DE" dirty="0" smtClean="0"/>
-              <a:t> A </a:t>
+              <a:t>/ </a:t>
+            </a:r>
+            <a:r>
+              <a:rPr lang="de-DE" dirty="0"/>
+              <a:t>Felix </a:t>
             </a:r>
             <a:r>
               <a:rPr lang="de-DE" dirty="0" err="1" smtClean="0"/>
-              <a:t>long</a:t>
+              <a:t>Offensperger</a:t>
             </a:r>
             <a:r>
               <a:rPr lang="de-DE" dirty="0" smtClean="0"/>
-              <a:t> </a:t>
-            </a:r>
-            <a:r>
-              <a:rPr lang="de-DE" dirty="0" err="1" smtClean="0"/>
-              <a:t>read</a:t>
-            </a:r>
-            <a:r>
-              <a:rPr lang="de-DE" dirty="0" smtClean="0"/>
-              <a:t> </a:t>
-            </a:r>
-            <a:r>
-              <a:rPr lang="de-DE" smtClean="0"/>
-              <a:t>mapper</a:t>
-            </a:r>
-            <a:endParaRPr lang="de-DE" dirty="0"/>
-          </a:p>
-        </p:txBody>
-      </p:sp>
-      <p:sp>
-        <p:nvSpPr>
-          <p:cNvPr id="11" name="Textplatzhalter 10"/>
-          <p:cNvSpPr>
-            <a:spLocks noGrp="1"/>
-          </p:cNvSpPr>
-          <p:nvPr>
-            <p:ph type="body" sz="quarter" idx="10"/>
-          </p:nvPr>
-        </p:nvSpPr>
-        <p:spPr/>
-        <p:txBody>
-          <a:bodyPr/>
-          <a:lstStyle/>
-          <a:p>
-            <a:r>
-              <a:rPr lang="de-DE" dirty="0" smtClean="0"/>
-              <a:t>Florian </a:t>
+              <a:t> / Florian </a:t>
             </a:r>
             <a:r>
               <a:rPr lang="de-DE" dirty="0" err="1" smtClean="0"/>
               <a:t>Tichawa</a:t>
-            </a:r>
-            <a:r>
-              <a:rPr lang="de-DE" dirty="0" smtClean="0"/>
-              <a:t> / Felix </a:t>
-            </a:r>
-            <a:r>
-              <a:rPr lang="de-DE" dirty="0" err="1" smtClean="0"/>
-              <a:t>Offensperger</a:t>
-            </a:r>
-            <a:r>
-              <a:rPr lang="de-DE" dirty="0" smtClean="0"/>
-              <a:t> / Jonas </a:t>
-            </a:r>
-            <a:r>
-              <a:rPr lang="de-DE" dirty="0" err="1" smtClean="0"/>
-              <a:t>Galli</a:t>
-            </a:r>
-            <a:r>
-              <a:rPr lang="de-DE" dirty="0" smtClean="0"/>
-              <a:t> / Ron Fechtner</a:t>
             </a:r>
             <a:endParaRPr lang="de-DE" dirty="0"/>
           </a:p>
@@ -3361,12 +3443,8 @@
           <a:lstStyle/>
           <a:p>
             <a:r>
-              <a:rPr lang="en-US" dirty="0" err="1" smtClean="0"/>
-              <a:t>Nanopore</a:t>
-            </a:r>
-            <a:r>
-              <a:rPr lang="en-US" dirty="0" smtClean="0"/>
-              <a:t> sequencing</a:t>
+              <a:rPr lang="en-US" dirty="0" smtClean="0"/>
+              <a:t>Overview</a:t>
             </a:r>
             <a:endParaRPr lang="en-US" dirty="0"/>
           </a:p>
@@ -3686,8 +3764,12 @@
           <a:lstStyle/>
           <a:p>
             <a:r>
-              <a:rPr lang="en-US" dirty="0" smtClean="0"/>
-              <a:t>Overview</a:t>
+              <a:rPr lang="en-US" dirty="0" err="1"/>
+              <a:t>Nanopore</a:t>
+            </a:r>
+            <a:r>
+              <a:rPr lang="en-US" dirty="0"/>
+              <a:t> sequencing [Ron]</a:t>
             </a:r>
             <a:endParaRPr lang="en-US" dirty="0"/>
           </a:p>

--- a/Präsentation.pptx
+++ b/Präsentation.pptx
@@ -5,22 +5,32 @@
     <p:sldMasterId id="2147483652" r:id="rId1"/>
   </p:sldMasterIdLst>
   <p:notesMasterIdLst>
-    <p:notesMasterId r:id="rId12"/>
+    <p:notesMasterId r:id="rId22"/>
   </p:notesMasterIdLst>
   <p:handoutMasterIdLst>
-    <p:handoutMasterId r:id="rId13"/>
+    <p:handoutMasterId r:id="rId23"/>
   </p:handoutMasterIdLst>
   <p:sldIdLst>
     <p:sldId id="836" r:id="rId2"/>
     <p:sldId id="891" r:id="rId3"/>
     <p:sldId id="894" r:id="rId4"/>
-    <p:sldId id="892" r:id="rId5"/>
-    <p:sldId id="893" r:id="rId6"/>
-    <p:sldId id="896" r:id="rId7"/>
-    <p:sldId id="897" r:id="rId8"/>
-    <p:sldId id="898" r:id="rId9"/>
-    <p:sldId id="899" r:id="rId10"/>
-    <p:sldId id="895" r:id="rId11"/>
+    <p:sldId id="904" r:id="rId5"/>
+    <p:sldId id="910" r:id="rId6"/>
+    <p:sldId id="911" r:id="rId7"/>
+    <p:sldId id="903" r:id="rId8"/>
+    <p:sldId id="906" r:id="rId9"/>
+    <p:sldId id="907" r:id="rId10"/>
+    <p:sldId id="909" r:id="rId11"/>
+    <p:sldId id="892" r:id="rId12"/>
+    <p:sldId id="900" r:id="rId13"/>
+    <p:sldId id="901" r:id="rId14"/>
+    <p:sldId id="902" r:id="rId15"/>
+    <p:sldId id="893" r:id="rId16"/>
+    <p:sldId id="896" r:id="rId17"/>
+    <p:sldId id="897" r:id="rId18"/>
+    <p:sldId id="898" r:id="rId19"/>
+    <p:sldId id="899" r:id="rId20"/>
+    <p:sldId id="895" r:id="rId21"/>
   </p:sldIdLst>
   <p:sldSz cx="9144000" cy="6858000" type="screen4x3"/>
   <p:notesSz cx="6781800" cy="9855200"/>
@@ -765,6 +775,982 @@
 </p:notes>
 </file>
 
+<file path=ppt/notesSlides/notesSlide10.xml><?xml version="1.0" encoding="utf-8"?>
+<p:notes xmlns:a="http://schemas.openxmlformats.org/drawingml/2006/main" xmlns:r="http://schemas.openxmlformats.org/officeDocument/2006/relationships" xmlns:p="http://schemas.openxmlformats.org/presentationml/2006/main">
+  <p:cSld>
+    <p:spTree>
+      <p:nvGrpSpPr>
+        <p:cNvPr id="1" name=""/>
+        <p:cNvGrpSpPr/>
+        <p:nvPr/>
+      </p:nvGrpSpPr>
+      <p:grpSpPr>
+        <a:xfrm>
+          <a:off x="0" y="0"/>
+          <a:ext cx="0" cy="0"/>
+          <a:chOff x="0" y="0"/>
+          <a:chExt cx="0" cy="0"/>
+        </a:xfrm>
+      </p:grpSpPr>
+      <p:sp>
+        <p:nvSpPr>
+          <p:cNvPr id="2" name="Folienbildplatzhalter 1"/>
+          <p:cNvSpPr>
+            <a:spLocks noGrp="1" noRot="1" noChangeAspect="1"/>
+          </p:cNvSpPr>
+          <p:nvPr>
+            <p:ph type="sldImg"/>
+          </p:nvPr>
+        </p:nvSpPr>
+        <p:spPr/>
+      </p:sp>
+      <p:sp>
+        <p:nvSpPr>
+          <p:cNvPr id="3" name="Notizenplatzhalter 2"/>
+          <p:cNvSpPr>
+            <a:spLocks noGrp="1"/>
+          </p:cNvSpPr>
+          <p:nvPr>
+            <p:ph type="body" idx="1"/>
+          </p:nvPr>
+        </p:nvSpPr>
+        <p:spPr/>
+        <p:txBody>
+          <a:bodyPr/>
+          <a:lstStyle/>
+          <a:p>
+            <a:endParaRPr lang="en-US" dirty="0"/>
+          </a:p>
+        </p:txBody>
+      </p:sp>
+      <p:sp>
+        <p:nvSpPr>
+          <p:cNvPr id="4" name="Foliennummernplatzhalter 3"/>
+          <p:cNvSpPr>
+            <a:spLocks noGrp="1"/>
+          </p:cNvSpPr>
+          <p:nvPr>
+            <p:ph type="sldNum" sz="quarter" idx="10"/>
+          </p:nvPr>
+        </p:nvSpPr>
+        <p:spPr/>
+        <p:txBody>
+          <a:bodyPr/>
+          <a:lstStyle/>
+          <a:p>
+            <a:fld id="{87E9C61A-9B5E-4580-98DD-1AC874081FFB}" type="slidenum">
+              <a:rPr lang="de-DE" smtClean="0"/>
+              <a:pPr/>
+              <a:t>11</a:t>
+            </a:fld>
+            <a:endParaRPr lang="de-DE"/>
+          </a:p>
+        </p:txBody>
+      </p:sp>
+    </p:spTree>
+    <p:extLst>
+      <p:ext uri="{BB962C8B-B14F-4D97-AF65-F5344CB8AC3E}">
+        <p14:creationId xmlns:p14="http://schemas.microsoft.com/office/powerpoint/2010/main" val="1389364891"/>
+      </p:ext>
+    </p:extLst>
+  </p:cSld>
+  <p:clrMapOvr>
+    <a:masterClrMapping/>
+  </p:clrMapOvr>
+</p:notes>
+</file>
+
+<file path=ppt/notesSlides/notesSlide11.xml><?xml version="1.0" encoding="utf-8"?>
+<p:notes xmlns:a="http://schemas.openxmlformats.org/drawingml/2006/main" xmlns:r="http://schemas.openxmlformats.org/officeDocument/2006/relationships" xmlns:p="http://schemas.openxmlformats.org/presentationml/2006/main">
+  <p:cSld>
+    <p:spTree>
+      <p:nvGrpSpPr>
+        <p:cNvPr id="1" name=""/>
+        <p:cNvGrpSpPr/>
+        <p:nvPr/>
+      </p:nvGrpSpPr>
+      <p:grpSpPr>
+        <a:xfrm>
+          <a:off x="0" y="0"/>
+          <a:ext cx="0" cy="0"/>
+          <a:chOff x="0" y="0"/>
+          <a:chExt cx="0" cy="0"/>
+        </a:xfrm>
+      </p:grpSpPr>
+      <p:sp>
+        <p:nvSpPr>
+          <p:cNvPr id="171" name="PlaceHolder 1"/>
+          <p:cNvSpPr>
+            <a:spLocks noGrp="1"/>
+          </p:cNvSpPr>
+          <p:nvPr>
+            <p:ph type="body"/>
+          </p:nvPr>
+        </p:nvSpPr>
+        <p:spPr>
+          <a:xfrm>
+            <a:off x="905040" y="4681440"/>
+            <a:ext cx="4971600" cy="1226880"/>
+          </a:xfrm>
+          <a:prstGeom prst="rect">
+            <a:avLst/>
+          </a:prstGeom>
+        </p:spPr>
+        <p:txBody>
+          <a:bodyPr lIns="92160" tIns="46080" rIns="92160" bIns="46080"/>
+          <a:lstStyle/>
+          <a:p>
+            <a:endParaRPr lang="de-DE" sz="2000" b="0" strike="noStrike" spc="-1">
+              <a:solidFill>
+                <a:srgbClr val="000000"/>
+              </a:solidFill>
+              <a:uFill>
+                <a:solidFill>
+                  <a:srgbClr val="FFFFFF"/>
+                </a:solidFill>
+              </a:uFill>
+              <a:latin typeface="Arial"/>
+            </a:endParaRPr>
+          </a:p>
+        </p:txBody>
+      </p:sp>
+      <p:sp>
+        <p:nvSpPr>
+          <p:cNvPr id="172" name="TextShape 2"/>
+          <p:cNvSpPr txBox="1"/>
+          <p:nvPr/>
+        </p:nvSpPr>
+        <p:spPr>
+          <a:xfrm>
+            <a:off x="3841920" y="9580680"/>
+            <a:ext cx="2939760" cy="277560"/>
+          </a:xfrm>
+          <a:prstGeom prst="rect">
+            <a:avLst/>
+          </a:prstGeom>
+          <a:noFill/>
+          <a:ln w="9360">
+            <a:noFill/>
+          </a:ln>
+        </p:spPr>
+        <p:txBody>
+          <a:bodyPr lIns="92160" tIns="46080" rIns="92160" bIns="46080" anchor="b"/>
+          <a:lstStyle/>
+          <a:p>
+            <a:pPr algn="r">
+              <a:lnSpc>
+                <a:spcPct val="100000"/>
+              </a:lnSpc>
+              <a:spcBef>
+                <a:spcPts val="601"/>
+              </a:spcBef>
+            </a:pPr>
+            <a:fld id="{30CA40CD-0CAE-4AD0-BB36-054013C5BE56}" type="slidenum">
+              <a:rPr lang="de-DE" sz="1200" b="0" strike="noStrike" spc="-1">
+                <a:solidFill>
+                  <a:srgbClr val="000000"/>
+                </a:solidFill>
+                <a:uFill>
+                  <a:solidFill>
+                    <a:srgbClr val="FFFFFF"/>
+                  </a:solidFill>
+                </a:uFill>
+                <a:latin typeface="LMU SabonNext Demi"/>
+                <a:ea typeface="+mn-ea"/>
+              </a:rPr>
+              <a:t>12</a:t>
+            </a:fld>
+            <a:endParaRPr lang="de-DE" sz="1200" b="0" strike="noStrike" spc="-1">
+              <a:solidFill>
+                <a:srgbClr val="000000"/>
+              </a:solidFill>
+              <a:uFill>
+                <a:solidFill>
+                  <a:srgbClr val="FFFFFF"/>
+                </a:solidFill>
+              </a:uFill>
+              <a:latin typeface="Times New Roman"/>
+            </a:endParaRPr>
+          </a:p>
+        </p:txBody>
+      </p:sp>
+    </p:spTree>
+    <p:extLst>
+      <p:ext uri="{BB962C8B-B14F-4D97-AF65-F5344CB8AC3E}">
+        <p14:creationId xmlns:p14="http://schemas.microsoft.com/office/powerpoint/2010/main" val="567680477"/>
+      </p:ext>
+    </p:extLst>
+  </p:cSld>
+  <p:clrMapOvr>
+    <a:masterClrMapping/>
+  </p:clrMapOvr>
+</p:notes>
+</file>
+
+<file path=ppt/notesSlides/notesSlide12.xml><?xml version="1.0" encoding="utf-8"?>
+<p:notes xmlns:a="http://schemas.openxmlformats.org/drawingml/2006/main" xmlns:r="http://schemas.openxmlformats.org/officeDocument/2006/relationships" xmlns:p="http://schemas.openxmlformats.org/presentationml/2006/main">
+  <p:cSld>
+    <p:spTree>
+      <p:nvGrpSpPr>
+        <p:cNvPr id="1" name=""/>
+        <p:cNvGrpSpPr/>
+        <p:nvPr/>
+      </p:nvGrpSpPr>
+      <p:grpSpPr>
+        <a:xfrm>
+          <a:off x="0" y="0"/>
+          <a:ext cx="0" cy="0"/>
+          <a:chOff x="0" y="0"/>
+          <a:chExt cx="0" cy="0"/>
+        </a:xfrm>
+      </p:grpSpPr>
+      <p:sp>
+        <p:nvSpPr>
+          <p:cNvPr id="173" name="PlaceHolder 1"/>
+          <p:cNvSpPr>
+            <a:spLocks noGrp="1"/>
+          </p:cNvSpPr>
+          <p:nvPr>
+            <p:ph type="body"/>
+          </p:nvPr>
+        </p:nvSpPr>
+        <p:spPr>
+          <a:xfrm>
+            <a:off x="905040" y="4681440"/>
+            <a:ext cx="4971600" cy="1226880"/>
+          </a:xfrm>
+          <a:prstGeom prst="rect">
+            <a:avLst/>
+          </a:prstGeom>
+        </p:spPr>
+        <p:txBody>
+          <a:bodyPr lIns="92160" tIns="46080" rIns="92160" bIns="46080"/>
+          <a:lstStyle/>
+          <a:p>
+            <a:endParaRPr lang="de-DE" sz="2000" b="0" strike="noStrike" spc="-1">
+              <a:solidFill>
+                <a:srgbClr val="000000"/>
+              </a:solidFill>
+              <a:uFill>
+                <a:solidFill>
+                  <a:srgbClr val="FFFFFF"/>
+                </a:solidFill>
+              </a:uFill>
+              <a:latin typeface="Arial"/>
+            </a:endParaRPr>
+          </a:p>
+        </p:txBody>
+      </p:sp>
+      <p:sp>
+        <p:nvSpPr>
+          <p:cNvPr id="174" name="TextShape 2"/>
+          <p:cNvSpPr txBox="1"/>
+          <p:nvPr/>
+        </p:nvSpPr>
+        <p:spPr>
+          <a:xfrm>
+            <a:off x="3841920" y="9580680"/>
+            <a:ext cx="2939760" cy="277560"/>
+          </a:xfrm>
+          <a:prstGeom prst="rect">
+            <a:avLst/>
+          </a:prstGeom>
+          <a:noFill/>
+          <a:ln w="9360">
+            <a:noFill/>
+          </a:ln>
+        </p:spPr>
+        <p:txBody>
+          <a:bodyPr lIns="92160" tIns="46080" rIns="92160" bIns="46080" anchor="b"/>
+          <a:lstStyle/>
+          <a:p>
+            <a:pPr algn="r">
+              <a:lnSpc>
+                <a:spcPct val="100000"/>
+              </a:lnSpc>
+              <a:spcBef>
+                <a:spcPts val="601"/>
+              </a:spcBef>
+            </a:pPr>
+            <a:fld id="{F62DE5FB-C76C-49C7-92B6-4482EE40C809}" type="slidenum">
+              <a:rPr lang="de-DE" sz="1200" b="0" strike="noStrike" spc="-1">
+                <a:solidFill>
+                  <a:srgbClr val="000000"/>
+                </a:solidFill>
+                <a:uFill>
+                  <a:solidFill>
+                    <a:srgbClr val="FFFFFF"/>
+                  </a:solidFill>
+                </a:uFill>
+                <a:latin typeface="LMU SabonNext Demi"/>
+                <a:ea typeface="+mn-ea"/>
+              </a:rPr>
+              <a:t>13</a:t>
+            </a:fld>
+            <a:endParaRPr lang="de-DE" sz="1200" b="0" strike="noStrike" spc="-1">
+              <a:solidFill>
+                <a:srgbClr val="000000"/>
+              </a:solidFill>
+              <a:uFill>
+                <a:solidFill>
+                  <a:srgbClr val="FFFFFF"/>
+                </a:solidFill>
+              </a:uFill>
+              <a:latin typeface="Times New Roman"/>
+            </a:endParaRPr>
+          </a:p>
+        </p:txBody>
+      </p:sp>
+    </p:spTree>
+    <p:extLst>
+      <p:ext uri="{BB962C8B-B14F-4D97-AF65-F5344CB8AC3E}">
+        <p14:creationId xmlns:p14="http://schemas.microsoft.com/office/powerpoint/2010/main" val="679973975"/>
+      </p:ext>
+    </p:extLst>
+  </p:cSld>
+  <p:clrMapOvr>
+    <a:masterClrMapping/>
+  </p:clrMapOvr>
+</p:notes>
+</file>
+
+<file path=ppt/notesSlides/notesSlide13.xml><?xml version="1.0" encoding="utf-8"?>
+<p:notes xmlns:a="http://schemas.openxmlformats.org/drawingml/2006/main" xmlns:r="http://schemas.openxmlformats.org/officeDocument/2006/relationships" xmlns:p="http://schemas.openxmlformats.org/presentationml/2006/main">
+  <p:cSld>
+    <p:spTree>
+      <p:nvGrpSpPr>
+        <p:cNvPr id="1" name=""/>
+        <p:cNvGrpSpPr/>
+        <p:nvPr/>
+      </p:nvGrpSpPr>
+      <p:grpSpPr>
+        <a:xfrm>
+          <a:off x="0" y="0"/>
+          <a:ext cx="0" cy="0"/>
+          <a:chOff x="0" y="0"/>
+          <a:chExt cx="0" cy="0"/>
+        </a:xfrm>
+      </p:grpSpPr>
+      <p:sp>
+        <p:nvSpPr>
+          <p:cNvPr id="175" name="PlaceHolder 1"/>
+          <p:cNvSpPr>
+            <a:spLocks noGrp="1"/>
+          </p:cNvSpPr>
+          <p:nvPr>
+            <p:ph type="body"/>
+          </p:nvPr>
+        </p:nvSpPr>
+        <p:spPr>
+          <a:xfrm>
+            <a:off x="905040" y="4681440"/>
+            <a:ext cx="4971600" cy="1226880"/>
+          </a:xfrm>
+          <a:prstGeom prst="rect">
+            <a:avLst/>
+          </a:prstGeom>
+        </p:spPr>
+        <p:txBody>
+          <a:bodyPr lIns="92160" tIns="46080" rIns="92160" bIns="46080"/>
+          <a:lstStyle/>
+          <a:p>
+            <a:endParaRPr lang="de-DE" sz="2000" b="0" strike="noStrike" spc="-1">
+              <a:solidFill>
+                <a:srgbClr val="000000"/>
+              </a:solidFill>
+              <a:uFill>
+                <a:solidFill>
+                  <a:srgbClr val="FFFFFF"/>
+                </a:solidFill>
+              </a:uFill>
+              <a:latin typeface="Arial"/>
+            </a:endParaRPr>
+          </a:p>
+        </p:txBody>
+      </p:sp>
+      <p:sp>
+        <p:nvSpPr>
+          <p:cNvPr id="176" name="TextShape 2"/>
+          <p:cNvSpPr txBox="1"/>
+          <p:nvPr/>
+        </p:nvSpPr>
+        <p:spPr>
+          <a:xfrm>
+            <a:off x="3841920" y="9580680"/>
+            <a:ext cx="2939760" cy="277560"/>
+          </a:xfrm>
+          <a:prstGeom prst="rect">
+            <a:avLst/>
+          </a:prstGeom>
+          <a:noFill/>
+          <a:ln w="9360">
+            <a:noFill/>
+          </a:ln>
+        </p:spPr>
+        <p:txBody>
+          <a:bodyPr lIns="92160" tIns="46080" rIns="92160" bIns="46080" anchor="b"/>
+          <a:lstStyle/>
+          <a:p>
+            <a:pPr algn="r">
+              <a:lnSpc>
+                <a:spcPct val="100000"/>
+              </a:lnSpc>
+              <a:spcBef>
+                <a:spcPts val="601"/>
+              </a:spcBef>
+            </a:pPr>
+            <a:fld id="{1AC35E22-B50B-4CC2-B1BD-9ECD93A73183}" type="slidenum">
+              <a:rPr lang="de-DE" sz="1200" b="0" strike="noStrike" spc="-1">
+                <a:solidFill>
+                  <a:srgbClr val="000000"/>
+                </a:solidFill>
+                <a:uFill>
+                  <a:solidFill>
+                    <a:srgbClr val="FFFFFF"/>
+                  </a:solidFill>
+                </a:uFill>
+                <a:latin typeface="LMU SabonNext Demi"/>
+                <a:ea typeface="+mn-ea"/>
+              </a:rPr>
+              <a:t>14</a:t>
+            </a:fld>
+            <a:endParaRPr lang="de-DE" sz="1200" b="0" strike="noStrike" spc="-1">
+              <a:solidFill>
+                <a:srgbClr val="000000"/>
+              </a:solidFill>
+              <a:uFill>
+                <a:solidFill>
+                  <a:srgbClr val="FFFFFF"/>
+                </a:solidFill>
+              </a:uFill>
+              <a:latin typeface="Times New Roman"/>
+            </a:endParaRPr>
+          </a:p>
+        </p:txBody>
+      </p:sp>
+    </p:spTree>
+    <p:extLst>
+      <p:ext uri="{BB962C8B-B14F-4D97-AF65-F5344CB8AC3E}">
+        <p14:creationId xmlns:p14="http://schemas.microsoft.com/office/powerpoint/2010/main" val="1431118791"/>
+      </p:ext>
+    </p:extLst>
+  </p:cSld>
+  <p:clrMapOvr>
+    <a:masterClrMapping/>
+  </p:clrMapOvr>
+</p:notes>
+</file>
+
+<file path=ppt/notesSlides/notesSlide14.xml><?xml version="1.0" encoding="utf-8"?>
+<p:notes xmlns:a="http://schemas.openxmlformats.org/drawingml/2006/main" xmlns:r="http://schemas.openxmlformats.org/officeDocument/2006/relationships" xmlns:p="http://schemas.openxmlformats.org/presentationml/2006/main">
+  <p:cSld>
+    <p:spTree>
+      <p:nvGrpSpPr>
+        <p:cNvPr id="1" name=""/>
+        <p:cNvGrpSpPr/>
+        <p:nvPr/>
+      </p:nvGrpSpPr>
+      <p:grpSpPr>
+        <a:xfrm>
+          <a:off x="0" y="0"/>
+          <a:ext cx="0" cy="0"/>
+          <a:chOff x="0" y="0"/>
+          <a:chExt cx="0" cy="0"/>
+        </a:xfrm>
+      </p:grpSpPr>
+      <p:sp>
+        <p:nvSpPr>
+          <p:cNvPr id="2" name="Folienbildplatzhalter 1"/>
+          <p:cNvSpPr>
+            <a:spLocks noGrp="1" noRot="1" noChangeAspect="1"/>
+          </p:cNvSpPr>
+          <p:nvPr>
+            <p:ph type="sldImg"/>
+          </p:nvPr>
+        </p:nvSpPr>
+        <p:spPr/>
+      </p:sp>
+      <p:sp>
+        <p:nvSpPr>
+          <p:cNvPr id="3" name="Notizenplatzhalter 2"/>
+          <p:cNvSpPr>
+            <a:spLocks noGrp="1"/>
+          </p:cNvSpPr>
+          <p:nvPr>
+            <p:ph type="body" idx="1"/>
+          </p:nvPr>
+        </p:nvSpPr>
+        <p:spPr/>
+        <p:txBody>
+          <a:bodyPr/>
+          <a:lstStyle/>
+          <a:p>
+            <a:endParaRPr lang="en-US" dirty="0"/>
+          </a:p>
+        </p:txBody>
+      </p:sp>
+      <p:sp>
+        <p:nvSpPr>
+          <p:cNvPr id="4" name="Foliennummernplatzhalter 3"/>
+          <p:cNvSpPr>
+            <a:spLocks noGrp="1"/>
+          </p:cNvSpPr>
+          <p:nvPr>
+            <p:ph type="sldNum" sz="quarter" idx="10"/>
+          </p:nvPr>
+        </p:nvSpPr>
+        <p:spPr/>
+        <p:txBody>
+          <a:bodyPr/>
+          <a:lstStyle/>
+          <a:p>
+            <a:fld id="{87E9C61A-9B5E-4580-98DD-1AC874081FFB}" type="slidenum">
+              <a:rPr lang="de-DE" smtClean="0"/>
+              <a:pPr/>
+              <a:t>15</a:t>
+            </a:fld>
+            <a:endParaRPr lang="de-DE"/>
+          </a:p>
+        </p:txBody>
+      </p:sp>
+    </p:spTree>
+    <p:extLst>
+      <p:ext uri="{BB962C8B-B14F-4D97-AF65-F5344CB8AC3E}">
+        <p14:creationId xmlns:p14="http://schemas.microsoft.com/office/powerpoint/2010/main" val="1472983211"/>
+      </p:ext>
+    </p:extLst>
+  </p:cSld>
+  <p:clrMapOvr>
+    <a:masterClrMapping/>
+  </p:clrMapOvr>
+</p:notes>
+</file>
+
+<file path=ppt/notesSlides/notesSlide15.xml><?xml version="1.0" encoding="utf-8"?>
+<p:notes xmlns:a="http://schemas.openxmlformats.org/drawingml/2006/main" xmlns:r="http://schemas.openxmlformats.org/officeDocument/2006/relationships" xmlns:p="http://schemas.openxmlformats.org/presentationml/2006/main">
+  <p:cSld>
+    <p:spTree>
+      <p:nvGrpSpPr>
+        <p:cNvPr id="1" name=""/>
+        <p:cNvGrpSpPr/>
+        <p:nvPr/>
+      </p:nvGrpSpPr>
+      <p:grpSpPr>
+        <a:xfrm>
+          <a:off x="0" y="0"/>
+          <a:ext cx="0" cy="0"/>
+          <a:chOff x="0" y="0"/>
+          <a:chExt cx="0" cy="0"/>
+        </a:xfrm>
+      </p:grpSpPr>
+      <p:sp>
+        <p:nvSpPr>
+          <p:cNvPr id="2" name="Folienbildplatzhalter 1"/>
+          <p:cNvSpPr>
+            <a:spLocks noGrp="1" noRot="1" noChangeAspect="1"/>
+          </p:cNvSpPr>
+          <p:nvPr>
+            <p:ph type="sldImg"/>
+          </p:nvPr>
+        </p:nvSpPr>
+        <p:spPr/>
+      </p:sp>
+      <p:sp>
+        <p:nvSpPr>
+          <p:cNvPr id="3" name="Notizenplatzhalter 2"/>
+          <p:cNvSpPr>
+            <a:spLocks noGrp="1"/>
+          </p:cNvSpPr>
+          <p:nvPr>
+            <p:ph type="body" idx="1"/>
+          </p:nvPr>
+        </p:nvSpPr>
+        <p:spPr/>
+        <p:txBody>
+          <a:bodyPr/>
+          <a:lstStyle/>
+          <a:p>
+            <a:endParaRPr lang="en-US" dirty="0"/>
+          </a:p>
+        </p:txBody>
+      </p:sp>
+      <p:sp>
+        <p:nvSpPr>
+          <p:cNvPr id="4" name="Foliennummernplatzhalter 3"/>
+          <p:cNvSpPr>
+            <a:spLocks noGrp="1"/>
+          </p:cNvSpPr>
+          <p:nvPr>
+            <p:ph type="sldNum" sz="quarter" idx="10"/>
+          </p:nvPr>
+        </p:nvSpPr>
+        <p:spPr/>
+        <p:txBody>
+          <a:bodyPr/>
+          <a:lstStyle/>
+          <a:p>
+            <a:fld id="{87E9C61A-9B5E-4580-98DD-1AC874081FFB}" type="slidenum">
+              <a:rPr lang="de-DE" smtClean="0"/>
+              <a:pPr/>
+              <a:t>16</a:t>
+            </a:fld>
+            <a:endParaRPr lang="de-DE"/>
+          </a:p>
+        </p:txBody>
+      </p:sp>
+    </p:spTree>
+    <p:extLst>
+      <p:ext uri="{BB962C8B-B14F-4D97-AF65-F5344CB8AC3E}">
+        <p14:creationId xmlns:p14="http://schemas.microsoft.com/office/powerpoint/2010/main" val="750539522"/>
+      </p:ext>
+    </p:extLst>
+  </p:cSld>
+  <p:clrMapOvr>
+    <a:masterClrMapping/>
+  </p:clrMapOvr>
+</p:notes>
+</file>
+
+<file path=ppt/notesSlides/notesSlide16.xml><?xml version="1.0" encoding="utf-8"?>
+<p:notes xmlns:a="http://schemas.openxmlformats.org/drawingml/2006/main" xmlns:r="http://schemas.openxmlformats.org/officeDocument/2006/relationships" xmlns:p="http://schemas.openxmlformats.org/presentationml/2006/main">
+  <p:cSld>
+    <p:spTree>
+      <p:nvGrpSpPr>
+        <p:cNvPr id="1" name=""/>
+        <p:cNvGrpSpPr/>
+        <p:nvPr/>
+      </p:nvGrpSpPr>
+      <p:grpSpPr>
+        <a:xfrm>
+          <a:off x="0" y="0"/>
+          <a:ext cx="0" cy="0"/>
+          <a:chOff x="0" y="0"/>
+          <a:chExt cx="0" cy="0"/>
+        </a:xfrm>
+      </p:grpSpPr>
+      <p:sp>
+        <p:nvSpPr>
+          <p:cNvPr id="2" name="Folienbildplatzhalter 1"/>
+          <p:cNvSpPr>
+            <a:spLocks noGrp="1" noRot="1" noChangeAspect="1"/>
+          </p:cNvSpPr>
+          <p:nvPr>
+            <p:ph type="sldImg"/>
+          </p:nvPr>
+        </p:nvSpPr>
+        <p:spPr/>
+      </p:sp>
+      <p:sp>
+        <p:nvSpPr>
+          <p:cNvPr id="3" name="Notizenplatzhalter 2"/>
+          <p:cNvSpPr>
+            <a:spLocks noGrp="1"/>
+          </p:cNvSpPr>
+          <p:nvPr>
+            <p:ph type="body" idx="1"/>
+          </p:nvPr>
+        </p:nvSpPr>
+        <p:spPr/>
+        <p:txBody>
+          <a:bodyPr/>
+          <a:lstStyle/>
+          <a:p>
+            <a:endParaRPr lang="en-US" dirty="0"/>
+          </a:p>
+        </p:txBody>
+      </p:sp>
+      <p:sp>
+        <p:nvSpPr>
+          <p:cNvPr id="4" name="Foliennummernplatzhalter 3"/>
+          <p:cNvSpPr>
+            <a:spLocks noGrp="1"/>
+          </p:cNvSpPr>
+          <p:nvPr>
+            <p:ph type="sldNum" sz="quarter" idx="10"/>
+          </p:nvPr>
+        </p:nvSpPr>
+        <p:spPr/>
+        <p:txBody>
+          <a:bodyPr/>
+          <a:lstStyle/>
+          <a:p>
+            <a:fld id="{87E9C61A-9B5E-4580-98DD-1AC874081FFB}" type="slidenum">
+              <a:rPr lang="de-DE" smtClean="0"/>
+              <a:pPr/>
+              <a:t>17</a:t>
+            </a:fld>
+            <a:endParaRPr lang="de-DE"/>
+          </a:p>
+        </p:txBody>
+      </p:sp>
+    </p:spTree>
+    <p:extLst>
+      <p:ext uri="{BB962C8B-B14F-4D97-AF65-F5344CB8AC3E}">
+        <p14:creationId xmlns:p14="http://schemas.microsoft.com/office/powerpoint/2010/main" val="1733467771"/>
+      </p:ext>
+    </p:extLst>
+  </p:cSld>
+  <p:clrMapOvr>
+    <a:masterClrMapping/>
+  </p:clrMapOvr>
+</p:notes>
+</file>
+
+<file path=ppt/notesSlides/notesSlide17.xml><?xml version="1.0" encoding="utf-8"?>
+<p:notes xmlns:a="http://schemas.openxmlformats.org/drawingml/2006/main" xmlns:r="http://schemas.openxmlformats.org/officeDocument/2006/relationships" xmlns:p="http://schemas.openxmlformats.org/presentationml/2006/main">
+  <p:cSld>
+    <p:spTree>
+      <p:nvGrpSpPr>
+        <p:cNvPr id="1" name=""/>
+        <p:cNvGrpSpPr/>
+        <p:nvPr/>
+      </p:nvGrpSpPr>
+      <p:grpSpPr>
+        <a:xfrm>
+          <a:off x="0" y="0"/>
+          <a:ext cx="0" cy="0"/>
+          <a:chOff x="0" y="0"/>
+          <a:chExt cx="0" cy="0"/>
+        </a:xfrm>
+      </p:grpSpPr>
+      <p:sp>
+        <p:nvSpPr>
+          <p:cNvPr id="2" name="Folienbildplatzhalter 1"/>
+          <p:cNvSpPr>
+            <a:spLocks noGrp="1" noRot="1" noChangeAspect="1"/>
+          </p:cNvSpPr>
+          <p:nvPr>
+            <p:ph type="sldImg"/>
+          </p:nvPr>
+        </p:nvSpPr>
+        <p:spPr/>
+      </p:sp>
+      <p:sp>
+        <p:nvSpPr>
+          <p:cNvPr id="3" name="Notizenplatzhalter 2"/>
+          <p:cNvSpPr>
+            <a:spLocks noGrp="1"/>
+          </p:cNvSpPr>
+          <p:nvPr>
+            <p:ph type="body" idx="1"/>
+          </p:nvPr>
+        </p:nvSpPr>
+        <p:spPr/>
+        <p:txBody>
+          <a:bodyPr/>
+          <a:lstStyle/>
+          <a:p>
+            <a:endParaRPr lang="en-US" dirty="0"/>
+          </a:p>
+        </p:txBody>
+      </p:sp>
+      <p:sp>
+        <p:nvSpPr>
+          <p:cNvPr id="4" name="Foliennummernplatzhalter 3"/>
+          <p:cNvSpPr>
+            <a:spLocks noGrp="1"/>
+          </p:cNvSpPr>
+          <p:nvPr>
+            <p:ph type="sldNum" sz="quarter" idx="10"/>
+          </p:nvPr>
+        </p:nvSpPr>
+        <p:spPr/>
+        <p:txBody>
+          <a:bodyPr/>
+          <a:lstStyle/>
+          <a:p>
+            <a:fld id="{87E9C61A-9B5E-4580-98DD-1AC874081FFB}" type="slidenum">
+              <a:rPr lang="de-DE" smtClean="0"/>
+              <a:pPr/>
+              <a:t>18</a:t>
+            </a:fld>
+            <a:endParaRPr lang="de-DE"/>
+          </a:p>
+        </p:txBody>
+      </p:sp>
+    </p:spTree>
+    <p:extLst>
+      <p:ext uri="{BB962C8B-B14F-4D97-AF65-F5344CB8AC3E}">
+        <p14:creationId xmlns:p14="http://schemas.microsoft.com/office/powerpoint/2010/main" val="1927579773"/>
+      </p:ext>
+    </p:extLst>
+  </p:cSld>
+  <p:clrMapOvr>
+    <a:masterClrMapping/>
+  </p:clrMapOvr>
+</p:notes>
+</file>
+
+<file path=ppt/notesSlides/notesSlide18.xml><?xml version="1.0" encoding="utf-8"?>
+<p:notes xmlns:a="http://schemas.openxmlformats.org/drawingml/2006/main" xmlns:r="http://schemas.openxmlformats.org/officeDocument/2006/relationships" xmlns:p="http://schemas.openxmlformats.org/presentationml/2006/main">
+  <p:cSld>
+    <p:spTree>
+      <p:nvGrpSpPr>
+        <p:cNvPr id="1" name=""/>
+        <p:cNvGrpSpPr/>
+        <p:nvPr/>
+      </p:nvGrpSpPr>
+      <p:grpSpPr>
+        <a:xfrm>
+          <a:off x="0" y="0"/>
+          <a:ext cx="0" cy="0"/>
+          <a:chOff x="0" y="0"/>
+          <a:chExt cx="0" cy="0"/>
+        </a:xfrm>
+      </p:grpSpPr>
+      <p:sp>
+        <p:nvSpPr>
+          <p:cNvPr id="2" name="Folienbildplatzhalter 1"/>
+          <p:cNvSpPr>
+            <a:spLocks noGrp="1" noRot="1" noChangeAspect="1"/>
+          </p:cNvSpPr>
+          <p:nvPr>
+            <p:ph type="sldImg"/>
+          </p:nvPr>
+        </p:nvSpPr>
+        <p:spPr/>
+      </p:sp>
+      <p:sp>
+        <p:nvSpPr>
+          <p:cNvPr id="3" name="Notizenplatzhalter 2"/>
+          <p:cNvSpPr>
+            <a:spLocks noGrp="1"/>
+          </p:cNvSpPr>
+          <p:nvPr>
+            <p:ph type="body" idx="1"/>
+          </p:nvPr>
+        </p:nvSpPr>
+        <p:spPr/>
+        <p:txBody>
+          <a:bodyPr/>
+          <a:lstStyle/>
+          <a:p>
+            <a:endParaRPr lang="en-US" dirty="0"/>
+          </a:p>
+        </p:txBody>
+      </p:sp>
+      <p:sp>
+        <p:nvSpPr>
+          <p:cNvPr id="4" name="Foliennummernplatzhalter 3"/>
+          <p:cNvSpPr>
+            <a:spLocks noGrp="1"/>
+          </p:cNvSpPr>
+          <p:nvPr>
+            <p:ph type="sldNum" sz="quarter" idx="10"/>
+          </p:nvPr>
+        </p:nvSpPr>
+        <p:spPr/>
+        <p:txBody>
+          <a:bodyPr/>
+          <a:lstStyle/>
+          <a:p>
+            <a:fld id="{87E9C61A-9B5E-4580-98DD-1AC874081FFB}" type="slidenum">
+              <a:rPr lang="de-DE" smtClean="0"/>
+              <a:pPr/>
+              <a:t>19</a:t>
+            </a:fld>
+            <a:endParaRPr lang="de-DE"/>
+          </a:p>
+        </p:txBody>
+      </p:sp>
+    </p:spTree>
+    <p:extLst>
+      <p:ext uri="{BB962C8B-B14F-4D97-AF65-F5344CB8AC3E}">
+        <p14:creationId xmlns:p14="http://schemas.microsoft.com/office/powerpoint/2010/main" val="1807985224"/>
+      </p:ext>
+    </p:extLst>
+  </p:cSld>
+  <p:clrMapOvr>
+    <a:masterClrMapping/>
+  </p:clrMapOvr>
+</p:notes>
+</file>
+
+<file path=ppt/notesSlides/notesSlide19.xml><?xml version="1.0" encoding="utf-8"?>
+<p:notes xmlns:a="http://schemas.openxmlformats.org/drawingml/2006/main" xmlns:r="http://schemas.openxmlformats.org/officeDocument/2006/relationships" xmlns:p="http://schemas.openxmlformats.org/presentationml/2006/main">
+  <p:cSld>
+    <p:spTree>
+      <p:nvGrpSpPr>
+        <p:cNvPr id="1" name=""/>
+        <p:cNvGrpSpPr/>
+        <p:nvPr/>
+      </p:nvGrpSpPr>
+      <p:grpSpPr>
+        <a:xfrm>
+          <a:off x="0" y="0"/>
+          <a:ext cx="0" cy="0"/>
+          <a:chOff x="0" y="0"/>
+          <a:chExt cx="0" cy="0"/>
+        </a:xfrm>
+      </p:grpSpPr>
+      <p:sp>
+        <p:nvSpPr>
+          <p:cNvPr id="2" name="Folienbildplatzhalter 1"/>
+          <p:cNvSpPr>
+            <a:spLocks noGrp="1" noRot="1" noChangeAspect="1"/>
+          </p:cNvSpPr>
+          <p:nvPr>
+            <p:ph type="sldImg"/>
+          </p:nvPr>
+        </p:nvSpPr>
+        <p:spPr/>
+      </p:sp>
+      <p:sp>
+        <p:nvSpPr>
+          <p:cNvPr id="3" name="Notizenplatzhalter 2"/>
+          <p:cNvSpPr>
+            <a:spLocks noGrp="1"/>
+          </p:cNvSpPr>
+          <p:nvPr>
+            <p:ph type="body" idx="1"/>
+          </p:nvPr>
+        </p:nvSpPr>
+        <p:spPr/>
+        <p:txBody>
+          <a:bodyPr/>
+          <a:lstStyle/>
+          <a:p>
+            <a:endParaRPr lang="en-US" dirty="0"/>
+          </a:p>
+        </p:txBody>
+      </p:sp>
+      <p:sp>
+        <p:nvSpPr>
+          <p:cNvPr id="4" name="Foliennummernplatzhalter 3"/>
+          <p:cNvSpPr>
+            <a:spLocks noGrp="1"/>
+          </p:cNvSpPr>
+          <p:nvPr>
+            <p:ph type="sldNum" sz="quarter" idx="10"/>
+          </p:nvPr>
+        </p:nvSpPr>
+        <p:spPr/>
+        <p:txBody>
+          <a:bodyPr/>
+          <a:lstStyle/>
+          <a:p>
+            <a:fld id="{87E9C61A-9B5E-4580-98DD-1AC874081FFB}" type="slidenum">
+              <a:rPr lang="de-DE" smtClean="0"/>
+              <a:pPr/>
+              <a:t>20</a:t>
+            </a:fld>
+            <a:endParaRPr lang="de-DE"/>
+          </a:p>
+        </p:txBody>
+      </p:sp>
+    </p:spTree>
+    <p:extLst>
+      <p:ext uri="{BB962C8B-B14F-4D97-AF65-F5344CB8AC3E}">
+        <p14:creationId xmlns:p14="http://schemas.microsoft.com/office/powerpoint/2010/main" val="99162070"/>
+      </p:ext>
+    </p:extLst>
+  </p:cSld>
+  <p:clrMapOvr>
+    <a:masterClrMapping/>
+  </p:clrMapOvr>
+</p:notes>
+</file>
+
 <file path=ppt/notesSlides/notesSlide2.xml><?xml version="1.0" encoding="utf-8"?>
 <p:notes xmlns:a="http://schemas.openxmlformats.org/drawingml/2006/main" xmlns:r="http://schemas.openxmlformats.org/officeDocument/2006/relationships" xmlns:p="http://schemas.openxmlformats.org/presentationml/2006/main">
   <p:cSld>
@@ -925,7 +1911,7 @@
     </p:spTree>
     <p:extLst>
       <p:ext uri="{BB962C8B-B14F-4D97-AF65-F5344CB8AC3E}">
-        <p14:creationId xmlns:p14="http://schemas.microsoft.com/office/powerpoint/2010/main" val="1389364891"/>
+        <p14:creationId xmlns:p14="http://schemas.microsoft.com/office/powerpoint/2010/main" val="667668995"/>
       </p:ext>
     </p:extLst>
   </p:cSld>
@@ -1010,7 +1996,7 @@
     </p:spTree>
     <p:extLst>
       <p:ext uri="{BB962C8B-B14F-4D97-AF65-F5344CB8AC3E}">
-        <p14:creationId xmlns:p14="http://schemas.microsoft.com/office/powerpoint/2010/main" val="1472983211"/>
+        <p14:creationId xmlns:p14="http://schemas.microsoft.com/office/powerpoint/2010/main" val="2002574164"/>
       </p:ext>
     </p:extLst>
   </p:cSld>
@@ -1095,7 +2081,7 @@
     </p:spTree>
     <p:extLst>
       <p:ext uri="{BB962C8B-B14F-4D97-AF65-F5344CB8AC3E}">
-        <p14:creationId xmlns:p14="http://schemas.microsoft.com/office/powerpoint/2010/main" val="750539522"/>
+        <p14:creationId xmlns:p14="http://schemas.microsoft.com/office/powerpoint/2010/main" val="1511266986"/>
       </p:ext>
     </p:extLst>
   </p:cSld>
@@ -1180,7 +2166,7 @@
     </p:spTree>
     <p:extLst>
       <p:ext uri="{BB962C8B-B14F-4D97-AF65-F5344CB8AC3E}">
-        <p14:creationId xmlns:p14="http://schemas.microsoft.com/office/powerpoint/2010/main" val="1733467771"/>
+        <p14:creationId xmlns:p14="http://schemas.microsoft.com/office/powerpoint/2010/main" val="777566213"/>
       </p:ext>
     </p:extLst>
   </p:cSld>
@@ -1265,7 +2251,7 @@
     </p:spTree>
     <p:extLst>
       <p:ext uri="{BB962C8B-B14F-4D97-AF65-F5344CB8AC3E}">
-        <p14:creationId xmlns:p14="http://schemas.microsoft.com/office/powerpoint/2010/main" val="1927579773"/>
+        <p14:creationId xmlns:p14="http://schemas.microsoft.com/office/powerpoint/2010/main" val="1986041701"/>
       </p:ext>
     </p:extLst>
   </p:cSld>
@@ -1350,7 +2336,7 @@
     </p:spTree>
     <p:extLst>
       <p:ext uri="{BB962C8B-B14F-4D97-AF65-F5344CB8AC3E}">
-        <p14:creationId xmlns:p14="http://schemas.microsoft.com/office/powerpoint/2010/main" val="1807985224"/>
+        <p14:creationId xmlns:p14="http://schemas.microsoft.com/office/powerpoint/2010/main" val="1094425345"/>
       </p:ext>
     </p:extLst>
   </p:cSld>
@@ -1435,7 +2421,7 @@
     </p:spTree>
     <p:extLst>
       <p:ext uri="{BB962C8B-B14F-4D97-AF65-F5344CB8AC3E}">
-        <p14:creationId xmlns:p14="http://schemas.microsoft.com/office/powerpoint/2010/main" val="99162070"/>
+        <p14:creationId xmlns:p14="http://schemas.microsoft.com/office/powerpoint/2010/main" val="1884765851"/>
       </p:ext>
     </p:extLst>
   </p:cSld>
@@ -1979,6 +2965,36 @@
 </p:sldLayout>
 </file>
 
+<file path=ppt/slideLayouts/slideLayout3.xml><?xml version="1.0" encoding="utf-8"?>
+<p:sldLayout xmlns:a="http://schemas.openxmlformats.org/drawingml/2006/main" xmlns:r="http://schemas.openxmlformats.org/officeDocument/2006/relationships" xmlns:p="http://schemas.openxmlformats.org/presentationml/2006/main" type="blank">
+  <p:cSld name="Blank Slide">
+    <p:spTree>
+      <p:nvGrpSpPr>
+        <p:cNvPr id="1" name=""/>
+        <p:cNvGrpSpPr/>
+        <p:nvPr/>
+      </p:nvGrpSpPr>
+      <p:grpSpPr>
+        <a:xfrm>
+          <a:off x="0" y="0"/>
+          <a:ext cx="0" cy="0"/>
+          <a:chOff x="0" y="0"/>
+          <a:chExt cx="0" cy="0"/>
+        </a:xfrm>
+      </p:grpSpPr>
+    </p:spTree>
+    <p:extLst>
+      <p:ext uri="{BB962C8B-B14F-4D97-AF65-F5344CB8AC3E}">
+        <p14:creationId xmlns:p14="http://schemas.microsoft.com/office/powerpoint/2010/main" val="1019004114"/>
+      </p:ext>
+    </p:extLst>
+  </p:cSld>
+  <p:clrMapOvr>
+    <a:masterClrMapping/>
+  </p:clrMapOvr>
+</p:sldLayout>
+</file>
+
 <file path=ppt/slideMasters/slideMaster1.xml><?xml version="1.0" encoding="utf-8"?>
 <p:sldMaster xmlns:a="http://schemas.openxmlformats.org/drawingml/2006/main" xmlns:r="http://schemas.openxmlformats.org/officeDocument/2006/relationships" xmlns:p="http://schemas.openxmlformats.org/presentationml/2006/main">
   <p:cSld>
@@ -2013,7 +3029,7 @@
           <p:nvPr/>
         </p:nvPicPr>
         <p:blipFill>
-          <a:blip r:embed="rId4"/>
+          <a:blip r:embed="rId5"/>
           <a:srcRect/>
           <a:stretch>
             <a:fillRect/>
@@ -2144,7 +3160,7 @@
           <p:nvPr/>
         </p:nvPicPr>
         <p:blipFill>
-          <a:blip r:embed="rId5"/>
+          <a:blip r:embed="rId6"/>
           <a:srcRect/>
           <a:stretch>
             <a:fillRect/>
@@ -2176,7 +3192,7 @@
           <p:nvPr/>
         </p:nvPicPr>
         <p:blipFill>
-          <a:blip r:embed="rId6"/>
+          <a:blip r:embed="rId7"/>
           <a:srcRect/>
           <a:stretch>
             <a:fillRect/>
@@ -2394,6 +3410,7 @@
   <p:sldLayoutIdLst>
     <p:sldLayoutId id="2147483688" r:id="rId1"/>
     <p:sldLayoutId id="2147483677" r:id="rId2"/>
+    <p:sldLayoutId id="2147483689" r:id="rId3"/>
   </p:sldLayoutIdLst>
   <p:transition spd="med"/>
   <p:timing>
@@ -3122,8 +4139,313 @@
           <a:lstStyle/>
           <a:p>
             <a:r>
+              <a:rPr lang="en-US" dirty="0" err="1" smtClean="0"/>
+              <a:t>Nanopore</a:t>
+            </a:r>
+            <a:r>
               <a:rPr lang="en-US" dirty="0" smtClean="0"/>
-              <a:t>Results &amp; comparisons</a:t>
+              <a:t> Sequencing </a:t>
+            </a:r>
+            <a:r>
+              <a:rPr lang="mr-IN" dirty="0" smtClean="0"/>
+              <a:t>–</a:t>
+            </a:r>
+            <a:r>
+              <a:rPr lang="en-US" dirty="0" smtClean="0"/>
+              <a:t> Defining the Problem</a:t>
+            </a:r>
+            <a:endParaRPr lang="en-US" dirty="0"/>
+          </a:p>
+        </p:txBody>
+      </p:sp>
+      <p:sp>
+        <p:nvSpPr>
+          <p:cNvPr id="4" name="Foliennummernplatzhalter 3"/>
+          <p:cNvSpPr>
+            <a:spLocks noGrp="1"/>
+          </p:cNvSpPr>
+          <p:nvPr>
+            <p:ph type="sldNum" sz="quarter" idx="4"/>
+          </p:nvPr>
+        </p:nvSpPr>
+        <p:spPr/>
+        <p:txBody>
+          <a:bodyPr/>
+          <a:lstStyle/>
+          <a:p>
+            <a:pPr>
+              <a:defRPr/>
+            </a:pPr>
+            <a:fld id="{70BFFA52-4234-45F6-B1A6-074E24FF43A2}" type="slidenum">
+              <a:rPr lang="de-DE" smtClean="0"/>
+              <a:pPr>
+                <a:defRPr/>
+              </a:pPr>
+              <a:t>10</a:t>
+            </a:fld>
+            <a:endParaRPr lang="de-DE" dirty="0"/>
+          </a:p>
+        </p:txBody>
+      </p:sp>
+      <p:sp>
+        <p:nvSpPr>
+          <p:cNvPr id="5" name="Fußzeilenplatzhalter 4"/>
+          <p:cNvSpPr>
+            <a:spLocks noGrp="1"/>
+          </p:cNvSpPr>
+          <p:nvPr>
+            <p:ph type="ftr" sz="quarter" idx="3"/>
+          </p:nvPr>
+        </p:nvSpPr>
+        <p:spPr/>
+        <p:txBody>
+          <a:bodyPr/>
+          <a:lstStyle/>
+          <a:p>
+            <a:r>
+              <a:rPr lang="de-DE" dirty="0"/>
+              <a:t>MGMM </a:t>
+            </a:r>
+            <a:r>
+              <a:rPr lang="mr-IN" dirty="0"/>
+              <a:t>–</a:t>
+            </a:r>
+            <a:r>
+              <a:rPr lang="de-DE" dirty="0"/>
+              <a:t> A </a:t>
+            </a:r>
+            <a:r>
+              <a:rPr lang="de-DE" dirty="0" err="1"/>
+              <a:t>long</a:t>
+            </a:r>
+            <a:r>
+              <a:rPr lang="de-DE" dirty="0"/>
+              <a:t> </a:t>
+            </a:r>
+            <a:r>
+              <a:rPr lang="de-DE" dirty="0" err="1"/>
+              <a:t>read</a:t>
+            </a:r>
+            <a:r>
+              <a:rPr lang="de-DE" dirty="0"/>
+              <a:t> Mapper</a:t>
+            </a:r>
+          </a:p>
+        </p:txBody>
+      </p:sp>
+      <p:pic>
+        <p:nvPicPr>
+          <p:cNvPr id="7" name="Bild 6"/>
+          <p:cNvPicPr>
+            <a:picLocks noChangeAspect="1"/>
+          </p:cNvPicPr>
+          <p:nvPr/>
+        </p:nvPicPr>
+        <p:blipFill>
+          <a:blip r:embed="rId3">
+            <a:extLst>
+              <a:ext uri="{28A0092B-C50C-407E-A947-70E740481C1C}">
+                <a14:useLocalDpi xmlns:a14="http://schemas.microsoft.com/office/drawing/2010/main" val="0"/>
+              </a:ext>
+            </a:extLst>
+          </a:blip>
+          <a:stretch>
+            <a:fillRect/>
+          </a:stretch>
+        </p:blipFill>
+        <p:spPr>
+          <a:xfrm>
+            <a:off x="6120172" y="75190"/>
+            <a:ext cx="2915878" cy="1010780"/>
+          </a:xfrm>
+          <a:prstGeom prst="rect">
+            <a:avLst/>
+          </a:prstGeom>
+        </p:spPr>
+      </p:pic>
+      <p:pic>
+        <p:nvPicPr>
+          <p:cNvPr id="15" name="Picture 2" descr="Risultati immagini per nanopore"/>
+          <p:cNvPicPr>
+            <a:picLocks noChangeAspect="1" noChangeArrowheads="1"/>
+          </p:cNvPicPr>
+          <p:nvPr/>
+        </p:nvPicPr>
+        <p:blipFill>
+          <a:blip r:embed="rId4">
+            <a:extLst>
+              <a:ext uri="{28A0092B-C50C-407E-A947-70E740481C1C}">
+                <a14:useLocalDpi xmlns:a14="http://schemas.microsoft.com/office/drawing/2010/main" val="0"/>
+              </a:ext>
+            </a:extLst>
+          </a:blip>
+          <a:srcRect/>
+          <a:stretch>
+            <a:fillRect/>
+          </a:stretch>
+        </p:blipFill>
+        <p:spPr bwMode="auto">
+          <a:xfrm>
+            <a:off x="818927" y="12966194"/>
+            <a:ext cx="4421726" cy="2677656"/>
+          </a:xfrm>
+          <a:prstGeom prst="rect">
+            <a:avLst/>
+          </a:prstGeom>
+          <a:noFill/>
+          <a:extLst>
+            <a:ext uri="{909E8E84-426E-40DD-AFC4-6F175D3DCCD1}">
+              <a14:hiddenFill xmlns:a14="http://schemas.microsoft.com/office/drawing/2010/main">
+                <a:solidFill>
+                  <a:srgbClr val="FFFFFF"/>
+                </a:solidFill>
+              </a14:hiddenFill>
+            </a:ext>
+          </a:extLst>
+        </p:spPr>
+      </p:pic>
+      <p:pic>
+        <p:nvPicPr>
+          <p:cNvPr id="16" name="Picture 2" descr="Risultati immagini per nanopore"/>
+          <p:cNvPicPr>
+            <a:picLocks noChangeAspect="1" noChangeArrowheads="1"/>
+          </p:cNvPicPr>
+          <p:nvPr/>
+        </p:nvPicPr>
+        <p:blipFill>
+          <a:blip r:embed="rId4">
+            <a:extLst>
+              <a:ext uri="{28A0092B-C50C-407E-A947-70E740481C1C}">
+                <a14:useLocalDpi xmlns:a14="http://schemas.microsoft.com/office/drawing/2010/main" val="0"/>
+              </a:ext>
+            </a:extLst>
+          </a:blip>
+          <a:srcRect/>
+          <a:stretch>
+            <a:fillRect/>
+          </a:stretch>
+        </p:blipFill>
+        <p:spPr bwMode="auto">
+          <a:xfrm>
+            <a:off x="971327" y="13118594"/>
+            <a:ext cx="4421726" cy="2677656"/>
+          </a:xfrm>
+          <a:prstGeom prst="rect">
+            <a:avLst/>
+          </a:prstGeom>
+          <a:noFill/>
+          <a:extLst>
+            <a:ext uri="{909E8E84-426E-40DD-AFC4-6F175D3DCCD1}">
+              <a14:hiddenFill xmlns:a14="http://schemas.microsoft.com/office/drawing/2010/main">
+                <a:solidFill>
+                  <a:srgbClr val="FFFFFF"/>
+                </a:solidFill>
+              </a14:hiddenFill>
+            </a:ext>
+          </a:extLst>
+        </p:spPr>
+      </p:pic>
+      <p:pic>
+        <p:nvPicPr>
+          <p:cNvPr id="18" name="Picture 2" descr="Risultati immagini per nanopore"/>
+          <p:cNvPicPr>
+            <a:picLocks noChangeAspect="1" noChangeArrowheads="1"/>
+          </p:cNvPicPr>
+          <p:nvPr/>
+        </p:nvPicPr>
+        <p:blipFill>
+          <a:blip r:embed="rId4">
+            <a:extLst>
+              <a:ext uri="{28A0092B-C50C-407E-A947-70E740481C1C}">
+                <a14:useLocalDpi xmlns:a14="http://schemas.microsoft.com/office/drawing/2010/main" val="0"/>
+              </a:ext>
+            </a:extLst>
+          </a:blip>
+          <a:srcRect/>
+          <a:stretch>
+            <a:fillRect/>
+          </a:stretch>
+        </p:blipFill>
+        <p:spPr bwMode="auto">
+          <a:xfrm>
+            <a:off x="1123727" y="13270994"/>
+            <a:ext cx="4421726" cy="2677656"/>
+          </a:xfrm>
+          <a:prstGeom prst="rect">
+            <a:avLst/>
+          </a:prstGeom>
+          <a:noFill/>
+          <a:extLst>
+            <a:ext uri="{909E8E84-426E-40DD-AFC4-6F175D3DCCD1}">
+              <a14:hiddenFill xmlns:a14="http://schemas.microsoft.com/office/drawing/2010/main">
+                <a:solidFill>
+                  <a:srgbClr val="FFFFFF"/>
+                </a:solidFill>
+              </a14:hiddenFill>
+            </a:ext>
+          </a:extLst>
+        </p:spPr>
+      </p:pic>
+    </p:spTree>
+    <p:extLst>
+      <p:ext uri="{BB962C8B-B14F-4D97-AF65-F5344CB8AC3E}">
+        <p14:creationId xmlns:p14="http://schemas.microsoft.com/office/powerpoint/2010/main" val="2062243312"/>
+      </p:ext>
+    </p:extLst>
+  </p:cSld>
+  <p:clrMapOvr>
+    <a:masterClrMapping/>
+  </p:clrMapOvr>
+  <p:transition spd="med"/>
+  <p:timing>
+    <p:tnLst>
+      <p:par>
+        <p:cTn id="1" dur="indefinite" restart="never" nodeType="tmRoot"/>
+      </p:par>
+    </p:tnLst>
+  </p:timing>
+</p:sld>
+</file>
+
+<file path=ppt/slides/slide11.xml><?xml version="1.0" encoding="utf-8"?>
+<p:sld xmlns:a="http://schemas.openxmlformats.org/drawingml/2006/main" xmlns:r="http://schemas.openxmlformats.org/officeDocument/2006/relationships" xmlns:p="http://schemas.openxmlformats.org/presentationml/2006/main">
+  <p:cSld>
+    <p:spTree>
+      <p:nvGrpSpPr>
+        <p:cNvPr id="1" name=""/>
+        <p:cNvGrpSpPr/>
+        <p:nvPr/>
+      </p:nvGrpSpPr>
+      <p:grpSpPr>
+        <a:xfrm>
+          <a:off x="0" y="0"/>
+          <a:ext cx="0" cy="0"/>
+          <a:chOff x="0" y="0"/>
+          <a:chExt cx="0" cy="0"/>
+        </a:xfrm>
+      </p:grpSpPr>
+      <p:sp>
+        <p:nvSpPr>
+          <p:cNvPr id="2" name="Titel 1"/>
+          <p:cNvSpPr>
+            <a:spLocks noGrp="1"/>
+          </p:cNvSpPr>
+          <p:nvPr>
+            <p:ph type="title"/>
+          </p:nvPr>
+        </p:nvSpPr>
+        <p:spPr/>
+        <p:txBody>
+          <a:bodyPr/>
+          <a:lstStyle/>
+          <a:p>
+            <a:r>
+              <a:rPr lang="en-US" dirty="0"/>
+              <a:t>Currently available </a:t>
+            </a:r>
+            <a:r>
+              <a:rPr lang="en-US" dirty="0" smtClean="0"/>
+              <a:t>mappers</a:t>
             </a:r>
             <a:endParaRPr lang="en-US" dirty="0"/>
           </a:p>
@@ -3224,7 +4546,13 @@
               <a:buAutoNum type="romanUcPeriod"/>
             </a:pPr>
             <a:r>
-              <a:rPr lang="en-US" dirty="0" smtClean="0"/>
+              <a:rPr lang="en-US" dirty="0" smtClean="0">
+                <a:solidFill>
+                  <a:schemeClr val="accent3">
+                    <a:lumMod val="65000"/>
+                  </a:schemeClr>
+                </a:solidFill>
+              </a:rPr>
               <a:t>Constructing a new mapper</a:t>
             </a:r>
           </a:p>
@@ -3234,7 +4562,13 @@
               <a:buAutoNum type="romanLcPeriod"/>
             </a:pPr>
             <a:r>
-              <a:rPr lang="en-US" dirty="0" smtClean="0"/>
+              <a:rPr lang="en-US" dirty="0" smtClean="0">
+                <a:solidFill>
+                  <a:schemeClr val="accent3">
+                    <a:lumMod val="65000"/>
+                  </a:schemeClr>
+                </a:solidFill>
+              </a:rPr>
               <a:t>Seeding</a:t>
             </a:r>
           </a:p>
@@ -3244,7 +4578,13 @@
               <a:buAutoNum type="romanLcPeriod"/>
             </a:pPr>
             <a:r>
-              <a:rPr lang="en-US" dirty="0" smtClean="0"/>
+              <a:rPr lang="en-US" dirty="0" smtClean="0">
+                <a:solidFill>
+                  <a:schemeClr val="accent3">
+                    <a:lumMod val="65000"/>
+                  </a:schemeClr>
+                </a:solidFill>
+              </a:rPr>
               <a:t>Chaining</a:t>
             </a:r>
           </a:p>
@@ -3254,7 +4594,13 @@
               <a:buAutoNum type="romanLcPeriod"/>
             </a:pPr>
             <a:r>
-              <a:rPr lang="en-US" dirty="0" smtClean="0"/>
+              <a:rPr lang="en-US" dirty="0" smtClean="0">
+                <a:solidFill>
+                  <a:schemeClr val="accent3">
+                    <a:lumMod val="65000"/>
+                  </a:schemeClr>
+                </a:solidFill>
+              </a:rPr>
               <a:t>Pathing</a:t>
             </a:r>
           </a:p>
@@ -3264,10 +4610,22 @@
               <a:buAutoNum type="romanLcPeriod"/>
             </a:pPr>
             <a:r>
-              <a:rPr lang="en-US" dirty="0" smtClean="0"/>
+              <a:rPr lang="en-US" dirty="0" smtClean="0">
+                <a:solidFill>
+                  <a:schemeClr val="accent3">
+                    <a:lumMod val="65000"/>
+                  </a:schemeClr>
+                </a:solidFill>
+              </a:rPr>
               <a:t>Aligning</a:t>
             </a:r>
-            <a:endParaRPr lang="en-US" dirty="0"/>
+            <a:endParaRPr lang="en-US" dirty="0">
+              <a:solidFill>
+                <a:schemeClr val="accent3">
+                  <a:lumMod val="65000"/>
+                </a:schemeClr>
+              </a:solidFill>
+            </a:endParaRPr>
           </a:p>
           <a:p>
             <a:pPr marL="514350" indent="-514350">
@@ -3278,8 +4636,14 @@
               <a:buAutoNum type="romanUcPeriod"/>
             </a:pPr>
             <a:r>
-              <a:rPr lang="en-US" dirty="0" smtClean="0"/>
-              <a:t>Results &amp; comparisons</a:t>
+              <a:rPr lang="en-US" dirty="0" smtClean="0">
+                <a:solidFill>
+                  <a:schemeClr val="accent3">
+                    <a:lumMod val="65000"/>
+                  </a:schemeClr>
+                </a:solidFill>
+              </a:rPr>
+              <a:t>Results and comparisons</a:t>
             </a:r>
           </a:p>
         </p:txBody>
@@ -3307,7 +4671,4477 @@
               <a:pPr>
                 <a:defRPr/>
               </a:pPr>
-              <a:t>10</a:t>
+              <a:t>11</a:t>
+            </a:fld>
+            <a:endParaRPr lang="de-DE" dirty="0"/>
+          </a:p>
+        </p:txBody>
+      </p:sp>
+      <p:sp>
+        <p:nvSpPr>
+          <p:cNvPr id="5" name="Fußzeilenplatzhalter 4"/>
+          <p:cNvSpPr>
+            <a:spLocks noGrp="1"/>
+          </p:cNvSpPr>
+          <p:nvPr>
+            <p:ph type="ftr" sz="quarter" idx="3"/>
+          </p:nvPr>
+        </p:nvSpPr>
+        <p:spPr/>
+        <p:txBody>
+          <a:bodyPr/>
+          <a:lstStyle/>
+          <a:p>
+            <a:r>
+              <a:rPr lang="de-DE" dirty="0"/>
+              <a:t>MGMM </a:t>
+            </a:r>
+            <a:r>
+              <a:rPr lang="mr-IN" dirty="0"/>
+              <a:t>–</a:t>
+            </a:r>
+            <a:r>
+              <a:rPr lang="de-DE" dirty="0"/>
+              <a:t> A </a:t>
+            </a:r>
+            <a:r>
+              <a:rPr lang="de-DE" dirty="0" err="1"/>
+              <a:t>long</a:t>
+            </a:r>
+            <a:r>
+              <a:rPr lang="de-DE" dirty="0"/>
+              <a:t> </a:t>
+            </a:r>
+            <a:r>
+              <a:rPr lang="de-DE" dirty="0" err="1"/>
+              <a:t>read</a:t>
+            </a:r>
+            <a:r>
+              <a:rPr lang="de-DE" dirty="0"/>
+              <a:t> Mapper</a:t>
+            </a:r>
+          </a:p>
+        </p:txBody>
+      </p:sp>
+      <p:pic>
+        <p:nvPicPr>
+          <p:cNvPr id="7" name="Bild 6"/>
+          <p:cNvPicPr>
+            <a:picLocks noChangeAspect="1"/>
+          </p:cNvPicPr>
+          <p:nvPr/>
+        </p:nvPicPr>
+        <p:blipFill>
+          <a:blip r:embed="rId3">
+            <a:extLst>
+              <a:ext uri="{28A0092B-C50C-407E-A947-70E740481C1C}">
+                <a14:useLocalDpi xmlns:a14="http://schemas.microsoft.com/office/drawing/2010/main" val="0"/>
+              </a:ext>
+            </a:extLst>
+          </a:blip>
+          <a:stretch>
+            <a:fillRect/>
+          </a:stretch>
+        </p:blipFill>
+        <p:spPr>
+          <a:xfrm>
+            <a:off x="6120172" y="75190"/>
+            <a:ext cx="2915878" cy="1010780"/>
+          </a:xfrm>
+          <a:prstGeom prst="rect">
+            <a:avLst/>
+          </a:prstGeom>
+        </p:spPr>
+      </p:pic>
+    </p:spTree>
+    <p:extLst>
+      <p:ext uri="{BB962C8B-B14F-4D97-AF65-F5344CB8AC3E}">
+        <p14:creationId xmlns:p14="http://schemas.microsoft.com/office/powerpoint/2010/main" val="1519944508"/>
+      </p:ext>
+    </p:extLst>
+  </p:cSld>
+  <p:clrMapOvr>
+    <a:masterClrMapping/>
+  </p:clrMapOvr>
+  <p:transition spd="med"/>
+  <p:timing>
+    <p:tnLst>
+      <p:par>
+        <p:cTn id="1" dur="indefinite" restart="never" nodeType="tmRoot"/>
+      </p:par>
+    </p:tnLst>
+  </p:timing>
+</p:sld>
+</file>
+
+<file path=ppt/slides/slide12.xml><?xml version="1.0" encoding="utf-8"?>
+<p:sld xmlns:a="http://schemas.openxmlformats.org/drawingml/2006/main" xmlns:r="http://schemas.openxmlformats.org/officeDocument/2006/relationships" xmlns:p="http://schemas.openxmlformats.org/presentationml/2006/main">
+  <p:cSld>
+    <p:spTree>
+      <p:nvGrpSpPr>
+        <p:cNvPr id="1" name=""/>
+        <p:cNvGrpSpPr/>
+        <p:nvPr/>
+      </p:nvGrpSpPr>
+      <p:grpSpPr>
+        <a:xfrm>
+          <a:off x="0" y="0"/>
+          <a:ext cx="0" cy="0"/>
+          <a:chOff x="0" y="0"/>
+          <a:chExt cx="0" cy="0"/>
+        </a:xfrm>
+      </p:grpSpPr>
+      <p:pic>
+        <p:nvPicPr>
+          <p:cNvPr id="114" name="Bild 113"/>
+          <p:cNvPicPr/>
+          <p:nvPr/>
+        </p:nvPicPr>
+        <p:blipFill>
+          <a:blip r:embed="rId3"/>
+          <a:stretch/>
+        </p:blipFill>
+        <p:spPr>
+          <a:xfrm>
+            <a:off x="288360" y="2232000"/>
+            <a:ext cx="3809160" cy="3342240"/>
+          </a:xfrm>
+          <a:prstGeom prst="rect">
+            <a:avLst/>
+          </a:prstGeom>
+          <a:ln>
+            <a:noFill/>
+          </a:ln>
+        </p:spPr>
+      </p:pic>
+      <p:sp>
+        <p:nvSpPr>
+          <p:cNvPr id="115" name="TextShape 1"/>
+          <p:cNvSpPr txBox="1"/>
+          <p:nvPr/>
+        </p:nvSpPr>
+        <p:spPr>
+          <a:xfrm>
+            <a:off x="2071800" y="620640"/>
+            <a:ext cx="3941280" cy="456840"/>
+          </a:xfrm>
+          <a:prstGeom prst="rect">
+            <a:avLst/>
+          </a:prstGeom>
+          <a:noFill/>
+          <a:ln w="9360">
+            <a:noFill/>
+          </a:ln>
+        </p:spPr>
+        <p:txBody>
+          <a:bodyPr anchor="b"/>
+          <a:lstStyle/>
+          <a:p>
+            <a:pPr>
+              <a:lnSpc>
+                <a:spcPct val="100000"/>
+              </a:lnSpc>
+            </a:pPr>
+            <a:r>
+              <a:rPr lang="de-DE" sz="2000" b="1" strike="noStrike" spc="-1">
+                <a:solidFill>
+                  <a:srgbClr val="006C30"/>
+                </a:solidFill>
+                <a:uFill>
+                  <a:solidFill>
+                    <a:srgbClr val="FFFFFF"/>
+                  </a:solidFill>
+                </a:uFill>
+                <a:latin typeface="LMU CompatilFact"/>
+              </a:rPr>
+              <a:t>Currently available mappers</a:t>
+            </a:r>
+            <a:endParaRPr lang="de-DE" sz="2000" b="0" strike="noStrike" spc="-1">
+              <a:solidFill>
+                <a:srgbClr val="000000"/>
+              </a:solidFill>
+              <a:uFill>
+                <a:solidFill>
+                  <a:srgbClr val="FFFFFF"/>
+                </a:solidFill>
+              </a:uFill>
+              <a:latin typeface="LMU CompatilFact"/>
+            </a:endParaRPr>
+          </a:p>
+        </p:txBody>
+      </p:sp>
+      <p:sp>
+        <p:nvSpPr>
+          <p:cNvPr id="116" name="TextShape 2"/>
+          <p:cNvSpPr txBox="1"/>
+          <p:nvPr/>
+        </p:nvSpPr>
+        <p:spPr>
+          <a:xfrm>
+            <a:off x="8245440" y="6459480"/>
+            <a:ext cx="790200" cy="291600"/>
+          </a:xfrm>
+          <a:prstGeom prst="rect">
+            <a:avLst/>
+          </a:prstGeom>
+          <a:noFill/>
+          <a:ln w="9360">
+            <a:noFill/>
+          </a:ln>
+        </p:spPr>
+        <p:txBody>
+          <a:bodyPr/>
+          <a:lstStyle/>
+          <a:p>
+            <a:pPr algn="r">
+              <a:lnSpc>
+                <a:spcPct val="100000"/>
+              </a:lnSpc>
+            </a:pPr>
+            <a:fld id="{D605927F-29E6-43E2-91DA-F065358FDB4F}" type="slidenum">
+              <a:rPr lang="de-DE" sz="1400" b="0" strike="noStrike" spc="-1">
+                <a:solidFill>
+                  <a:srgbClr val="006C30"/>
+                </a:solidFill>
+                <a:uFill>
+                  <a:solidFill>
+                    <a:srgbClr val="FFFFFF"/>
+                  </a:solidFill>
+                </a:uFill>
+                <a:latin typeface="LMU CompatilFact"/>
+              </a:rPr>
+              <a:t>12</a:t>
+            </a:fld>
+            <a:endParaRPr lang="de-DE" sz="1400" b="0" strike="noStrike" spc="-1">
+              <a:solidFill>
+                <a:srgbClr val="000000"/>
+              </a:solidFill>
+              <a:uFill>
+                <a:solidFill>
+                  <a:srgbClr val="FFFFFF"/>
+                </a:solidFill>
+              </a:uFill>
+              <a:latin typeface="Times New Roman"/>
+            </a:endParaRPr>
+          </a:p>
+        </p:txBody>
+      </p:sp>
+      <p:sp>
+        <p:nvSpPr>
+          <p:cNvPr id="117" name="TextShape 3"/>
+          <p:cNvSpPr txBox="1"/>
+          <p:nvPr/>
+        </p:nvSpPr>
+        <p:spPr>
+          <a:xfrm>
+            <a:off x="380880" y="6459480"/>
+            <a:ext cx="7732440" cy="291600"/>
+          </a:xfrm>
+          <a:prstGeom prst="rect">
+            <a:avLst/>
+          </a:prstGeom>
+          <a:noFill/>
+          <a:ln w="9360">
+            <a:noFill/>
+          </a:ln>
+        </p:spPr>
+        <p:txBody>
+          <a:bodyPr/>
+          <a:lstStyle/>
+          <a:p>
+            <a:pPr>
+              <a:lnSpc>
+                <a:spcPct val="100000"/>
+              </a:lnSpc>
+            </a:pPr>
+            <a:r>
+              <a:rPr lang="de-DE" sz="1400" b="0" strike="noStrike" spc="-1">
+                <a:solidFill>
+                  <a:srgbClr val="006C30"/>
+                </a:solidFill>
+                <a:uFill>
+                  <a:solidFill>
+                    <a:srgbClr val="FFFFFF"/>
+                  </a:solidFill>
+                </a:uFill>
+                <a:latin typeface="LMU CompatilFact"/>
+              </a:rPr>
+              <a:t>MGMM – A long read Mapper</a:t>
+            </a:r>
+            <a:endParaRPr lang="de-DE" sz="1400" b="0" strike="noStrike" spc="-1">
+              <a:solidFill>
+                <a:srgbClr val="000000"/>
+              </a:solidFill>
+              <a:uFill>
+                <a:solidFill>
+                  <a:srgbClr val="FFFFFF"/>
+                </a:solidFill>
+              </a:uFill>
+              <a:latin typeface="Times New Roman"/>
+            </a:endParaRPr>
+          </a:p>
+        </p:txBody>
+      </p:sp>
+      <p:pic>
+        <p:nvPicPr>
+          <p:cNvPr id="118" name="Bild 6"/>
+          <p:cNvPicPr/>
+          <p:nvPr/>
+        </p:nvPicPr>
+        <p:blipFill>
+          <a:blip r:embed="rId4"/>
+          <a:stretch/>
+        </p:blipFill>
+        <p:spPr>
+          <a:xfrm>
+            <a:off x="6120000" y="75240"/>
+            <a:ext cx="2915640" cy="1010520"/>
+          </a:xfrm>
+          <a:prstGeom prst="rect">
+            <a:avLst/>
+          </a:prstGeom>
+          <a:ln>
+            <a:noFill/>
+          </a:ln>
+        </p:spPr>
+      </p:pic>
+      <p:sp>
+        <p:nvSpPr>
+          <p:cNvPr id="119" name="TextShape 4"/>
+          <p:cNvSpPr txBox="1"/>
+          <p:nvPr/>
+        </p:nvSpPr>
+        <p:spPr>
+          <a:xfrm>
+            <a:off x="838440" y="365040"/>
+            <a:ext cx="10515240" cy="1325160"/>
+          </a:xfrm>
+          <a:prstGeom prst="rect">
+            <a:avLst/>
+          </a:prstGeom>
+          <a:noFill/>
+          <a:ln>
+            <a:noFill/>
+          </a:ln>
+        </p:spPr>
+      </p:sp>
+      <p:sp>
+        <p:nvSpPr>
+          <p:cNvPr id="120" name="CustomShape 5"/>
+          <p:cNvSpPr/>
+          <p:nvPr/>
+        </p:nvSpPr>
+        <p:spPr>
+          <a:xfrm>
+            <a:off x="2179800" y="2232000"/>
+            <a:ext cx="6848640" cy="2010600"/>
+          </a:xfrm>
+          <a:prstGeom prst="rect">
+            <a:avLst/>
+          </a:prstGeom>
+          <a:noFill/>
+          <a:ln>
+            <a:noFill/>
+          </a:ln>
+        </p:spPr>
+        <p:style>
+          <a:lnRef idx="0">
+            <a:scrgbClr r="0" g="0" b="0"/>
+          </a:lnRef>
+          <a:fillRef idx="0">
+            <a:scrgbClr r="0" g="0" b="0"/>
+          </a:fillRef>
+          <a:effectRef idx="0">
+            <a:scrgbClr r="0" g="0" b="0"/>
+          </a:effectRef>
+          <a:fontRef idx="minor"/>
+        </p:style>
+        <p:txBody>
+          <a:bodyPr wrap="none" lIns="90000" tIns="45000" rIns="90000" bIns="45000"/>
+          <a:lstStyle/>
+          <a:p>
+            <a:pPr>
+              <a:lnSpc>
+                <a:spcPct val="100000"/>
+              </a:lnSpc>
+            </a:pPr>
+            <a:r>
+              <a:rPr lang="de-DE" sz="1800" b="0" strike="noStrike" spc="-1">
+                <a:solidFill>
+                  <a:srgbClr val="000000"/>
+                </a:solidFill>
+                <a:uFill>
+                  <a:solidFill>
+                    <a:srgbClr val="FFFFFF"/>
+                  </a:solidFill>
+                </a:uFill>
+                <a:latin typeface="Calibri"/>
+              </a:rPr>
+              <a:t>Finding candidate positions /seeds:</a:t>
+            </a:r>
+            <a:endParaRPr lang="de-DE" sz="1800" b="0" strike="noStrike" spc="-1">
+              <a:solidFill>
+                <a:srgbClr val="000000"/>
+              </a:solidFill>
+              <a:uFill>
+                <a:solidFill>
+                  <a:srgbClr val="FFFFFF"/>
+                </a:solidFill>
+              </a:uFill>
+              <a:latin typeface="Arial"/>
+            </a:endParaRPr>
+          </a:p>
+          <a:p>
+            <a:pPr>
+              <a:lnSpc>
+                <a:spcPct val="100000"/>
+              </a:lnSpc>
+            </a:pPr>
+            <a:r>
+              <a:rPr lang="de-DE" sz="1800" b="0" strike="noStrike" spc="-1">
+                <a:solidFill>
+                  <a:srgbClr val="000000"/>
+                </a:solidFill>
+                <a:uFill>
+                  <a:solidFill>
+                    <a:srgbClr val="FFFFFF"/>
+                  </a:solidFill>
+                </a:uFill>
+                <a:latin typeface="Calibri"/>
+              </a:rPr>
+              <a:t>BWA-MEM:     maximal exact matches (MEM)</a:t>
+            </a:r>
+            <a:endParaRPr lang="de-DE" sz="1800" b="0" strike="noStrike" spc="-1">
+              <a:solidFill>
+                <a:srgbClr val="000000"/>
+              </a:solidFill>
+              <a:uFill>
+                <a:solidFill>
+                  <a:srgbClr val="FFFFFF"/>
+                </a:solidFill>
+              </a:uFill>
+              <a:latin typeface="Arial"/>
+            </a:endParaRPr>
+          </a:p>
+          <a:p>
+            <a:pPr>
+              <a:lnSpc>
+                <a:spcPct val="100000"/>
+              </a:lnSpc>
+            </a:pPr>
+            <a:r>
+              <a:rPr lang="de-DE" sz="1800" b="0" strike="noStrike" spc="-1">
+                <a:solidFill>
+                  <a:srgbClr val="000000"/>
+                </a:solidFill>
+                <a:uFill>
+                  <a:solidFill>
+                    <a:srgbClr val="FFFFFF"/>
+                  </a:solidFill>
+                </a:uFill>
+                <a:latin typeface="Calibri"/>
+              </a:rPr>
+              <a:t>	                 or supermaximal exact matches (SMEM) </a:t>
+            </a:r>
+            <a:endParaRPr lang="de-DE" sz="1800" b="0" strike="noStrike" spc="-1">
+              <a:solidFill>
+                <a:srgbClr val="000000"/>
+              </a:solidFill>
+              <a:uFill>
+                <a:solidFill>
+                  <a:srgbClr val="FFFFFF"/>
+                </a:solidFill>
+              </a:uFill>
+              <a:latin typeface="Arial"/>
+            </a:endParaRPr>
+          </a:p>
+          <a:p>
+            <a:pPr>
+              <a:lnSpc>
+                <a:spcPct val="100000"/>
+              </a:lnSpc>
+            </a:pPr>
+            <a:r>
+              <a:rPr lang="de-DE" sz="1800" b="0" strike="noStrike" spc="-1">
+                <a:solidFill>
+                  <a:srgbClr val="000000"/>
+                </a:solidFill>
+                <a:uFill>
+                  <a:solidFill>
+                    <a:srgbClr val="FFFFFF"/>
+                  </a:solidFill>
+                </a:uFill>
+                <a:latin typeface="Calibri"/>
+              </a:rPr>
+              <a:t>                          with canonical seed-and-extend paradigm and re-seeding</a:t>
+            </a:r>
+            <a:endParaRPr lang="de-DE" sz="1800" b="0" strike="noStrike" spc="-1">
+              <a:solidFill>
+                <a:srgbClr val="000000"/>
+              </a:solidFill>
+              <a:uFill>
+                <a:solidFill>
+                  <a:srgbClr val="FFFFFF"/>
+                </a:solidFill>
+              </a:uFill>
+              <a:latin typeface="Arial"/>
+            </a:endParaRPr>
+          </a:p>
+          <a:p>
+            <a:pPr>
+              <a:lnSpc>
+                <a:spcPct val="100000"/>
+              </a:lnSpc>
+            </a:pPr>
+            <a:r>
+              <a:rPr lang="de-DE" sz="1800" b="0" strike="noStrike" spc="-1">
+                <a:solidFill>
+                  <a:srgbClr val="000000"/>
+                </a:solidFill>
+                <a:uFill>
+                  <a:solidFill>
+                    <a:srgbClr val="FFFFFF"/>
+                  </a:solidFill>
+                </a:uFill>
+                <a:latin typeface="Calibri"/>
+              </a:rPr>
+              <a:t>LAST:	         Hamming distance based spaced seeds</a:t>
+            </a:r>
+            <a:endParaRPr lang="de-DE" sz="1800" b="0" strike="noStrike" spc="-1">
+              <a:solidFill>
+                <a:srgbClr val="000000"/>
+              </a:solidFill>
+              <a:uFill>
+                <a:solidFill>
+                  <a:srgbClr val="FFFFFF"/>
+                </a:solidFill>
+              </a:uFill>
+              <a:latin typeface="Arial"/>
+            </a:endParaRPr>
+          </a:p>
+          <a:p>
+            <a:pPr>
+              <a:lnSpc>
+                <a:spcPct val="100000"/>
+              </a:lnSpc>
+            </a:pPr>
+            <a:r>
+              <a:rPr lang="de-DE" sz="1800" b="0" strike="noStrike" spc="-1">
+                <a:solidFill>
+                  <a:srgbClr val="000000"/>
+                </a:solidFill>
+                <a:uFill>
+                  <a:solidFill>
+                    <a:srgbClr val="FFFFFF"/>
+                  </a:solidFill>
+                </a:uFill>
+                <a:latin typeface="Calibri"/>
+              </a:rPr>
+              <a:t>GraphMap: 	gapped spaced seeds</a:t>
+            </a:r>
+            <a:endParaRPr lang="de-DE" sz="1800" b="0" strike="noStrike" spc="-1">
+              <a:solidFill>
+                <a:srgbClr val="000000"/>
+              </a:solidFill>
+              <a:uFill>
+                <a:solidFill>
+                  <a:srgbClr val="FFFFFF"/>
+                </a:solidFill>
+              </a:uFill>
+              <a:latin typeface="Arial"/>
+            </a:endParaRPr>
+          </a:p>
+          <a:p>
+            <a:pPr>
+              <a:lnSpc>
+                <a:spcPct val="100000"/>
+              </a:lnSpc>
+            </a:pPr>
+            <a:r>
+              <a:rPr lang="de-DE" sz="1800" b="0" strike="noStrike" spc="-1">
+                <a:solidFill>
+                  <a:srgbClr val="000000"/>
+                </a:solidFill>
+                <a:uFill>
+                  <a:solidFill>
+                    <a:srgbClr val="FFFFFF"/>
+                  </a:solidFill>
+                </a:uFill>
+                <a:latin typeface="Calibri"/>
+              </a:rPr>
+              <a:t>	                  similar to gappes q-gram filters for Levenshtein distance</a:t>
+            </a:r>
+            <a:endParaRPr lang="de-DE" sz="1800" b="0" strike="noStrike" spc="-1">
+              <a:solidFill>
+                <a:srgbClr val="000000"/>
+              </a:solidFill>
+              <a:uFill>
+                <a:solidFill>
+                  <a:srgbClr val="FFFFFF"/>
+                </a:solidFill>
+              </a:uFill>
+              <a:latin typeface="Arial"/>
+            </a:endParaRPr>
+          </a:p>
+        </p:txBody>
+      </p:sp>
+    </p:spTree>
+    <p:extLst>
+      <p:ext uri="{BB962C8B-B14F-4D97-AF65-F5344CB8AC3E}">
+        <p14:creationId xmlns:p14="http://schemas.microsoft.com/office/powerpoint/2010/main" val="220059173"/>
+      </p:ext>
+    </p:extLst>
+  </p:cSld>
+  <p:clrMapOvr>
+    <a:masterClrMapping/>
+  </p:clrMapOvr>
+  <p:timing>
+    <p:tnLst>
+      <p:par>
+        <p:cTn id="1" dur="indefinite" restart="never" nodeType="tmRoot">
+          <p:childTnLst>
+            <p:seq>
+              <p:cTn id="2" nodeType="mainSeq"/>
+              <p:prevCondLst>
+                <p:cond evt="onPrev" delay="0">
+                  <p:tgtEl>
+                    <p:sldTgt/>
+                  </p:tgtEl>
+                </p:cond>
+              </p:prevCondLst>
+              <p:nextCondLst>
+                <p:cond evt="onNext" delay="0">
+                  <p:tgtEl>
+                    <p:sldTgt/>
+                  </p:tgtEl>
+                </p:cond>
+              </p:nextCondLst>
+            </p:seq>
+          </p:childTnLst>
+        </p:cTn>
+      </p:par>
+    </p:tnLst>
+  </p:timing>
+</p:sld>
+</file>
+
+<file path=ppt/slides/slide13.xml><?xml version="1.0" encoding="utf-8"?>
+<p:sld xmlns:a="http://schemas.openxmlformats.org/drawingml/2006/main" xmlns:r="http://schemas.openxmlformats.org/officeDocument/2006/relationships" xmlns:p="http://schemas.openxmlformats.org/presentationml/2006/main">
+  <p:cSld>
+    <p:spTree>
+      <p:nvGrpSpPr>
+        <p:cNvPr id="1" name=""/>
+        <p:cNvGrpSpPr/>
+        <p:nvPr/>
+      </p:nvGrpSpPr>
+      <p:grpSpPr>
+        <a:xfrm>
+          <a:off x="0" y="0"/>
+          <a:ext cx="0" cy="0"/>
+          <a:chOff x="0" y="0"/>
+          <a:chExt cx="0" cy="0"/>
+        </a:xfrm>
+      </p:grpSpPr>
+      <p:pic>
+        <p:nvPicPr>
+          <p:cNvPr id="121" name="Bild 120"/>
+          <p:cNvPicPr/>
+          <p:nvPr/>
+        </p:nvPicPr>
+        <p:blipFill>
+          <a:blip r:embed="rId3"/>
+          <a:stretch/>
+        </p:blipFill>
+        <p:spPr>
+          <a:xfrm>
+            <a:off x="288360" y="2232000"/>
+            <a:ext cx="3809160" cy="3342240"/>
+          </a:xfrm>
+          <a:prstGeom prst="rect">
+            <a:avLst/>
+          </a:prstGeom>
+          <a:ln>
+            <a:noFill/>
+          </a:ln>
+        </p:spPr>
+      </p:pic>
+      <p:sp>
+        <p:nvSpPr>
+          <p:cNvPr id="122" name="TextShape 1"/>
+          <p:cNvSpPr txBox="1"/>
+          <p:nvPr/>
+        </p:nvSpPr>
+        <p:spPr>
+          <a:xfrm>
+            <a:off x="2071800" y="620640"/>
+            <a:ext cx="3941280" cy="456840"/>
+          </a:xfrm>
+          <a:prstGeom prst="rect">
+            <a:avLst/>
+          </a:prstGeom>
+          <a:noFill/>
+          <a:ln w="9360">
+            <a:noFill/>
+          </a:ln>
+        </p:spPr>
+        <p:txBody>
+          <a:bodyPr anchor="b"/>
+          <a:lstStyle/>
+          <a:p>
+            <a:pPr>
+              <a:lnSpc>
+                <a:spcPct val="100000"/>
+              </a:lnSpc>
+            </a:pPr>
+            <a:r>
+              <a:rPr lang="de-DE" sz="2000" b="1" strike="noStrike" spc="-1">
+                <a:solidFill>
+                  <a:srgbClr val="006C30"/>
+                </a:solidFill>
+                <a:uFill>
+                  <a:solidFill>
+                    <a:srgbClr val="FFFFFF"/>
+                  </a:solidFill>
+                </a:uFill>
+                <a:latin typeface="LMU CompatilFact"/>
+              </a:rPr>
+              <a:t>Currently available mappers</a:t>
+            </a:r>
+            <a:endParaRPr lang="de-DE" sz="2000" b="0" strike="noStrike" spc="-1">
+              <a:solidFill>
+                <a:srgbClr val="000000"/>
+              </a:solidFill>
+              <a:uFill>
+                <a:solidFill>
+                  <a:srgbClr val="FFFFFF"/>
+                </a:solidFill>
+              </a:uFill>
+              <a:latin typeface="LMU CompatilFact"/>
+            </a:endParaRPr>
+          </a:p>
+        </p:txBody>
+      </p:sp>
+      <p:sp>
+        <p:nvSpPr>
+          <p:cNvPr id="123" name="TextShape 2"/>
+          <p:cNvSpPr txBox="1"/>
+          <p:nvPr/>
+        </p:nvSpPr>
+        <p:spPr>
+          <a:xfrm>
+            <a:off x="8245440" y="6459480"/>
+            <a:ext cx="790200" cy="291600"/>
+          </a:xfrm>
+          <a:prstGeom prst="rect">
+            <a:avLst/>
+          </a:prstGeom>
+          <a:noFill/>
+          <a:ln w="9360">
+            <a:noFill/>
+          </a:ln>
+        </p:spPr>
+        <p:txBody>
+          <a:bodyPr/>
+          <a:lstStyle/>
+          <a:p>
+            <a:pPr algn="r">
+              <a:lnSpc>
+                <a:spcPct val="100000"/>
+              </a:lnSpc>
+            </a:pPr>
+            <a:fld id="{7737B34F-904D-44A5-A1C0-8888B24430F8}" type="slidenum">
+              <a:rPr lang="de-DE" sz="1400" b="0" strike="noStrike" spc="-1">
+                <a:solidFill>
+                  <a:srgbClr val="006C30"/>
+                </a:solidFill>
+                <a:uFill>
+                  <a:solidFill>
+                    <a:srgbClr val="FFFFFF"/>
+                  </a:solidFill>
+                </a:uFill>
+                <a:latin typeface="LMU CompatilFact"/>
+              </a:rPr>
+              <a:t>13</a:t>
+            </a:fld>
+            <a:endParaRPr lang="de-DE" sz="1400" b="0" strike="noStrike" spc="-1">
+              <a:solidFill>
+                <a:srgbClr val="000000"/>
+              </a:solidFill>
+              <a:uFill>
+                <a:solidFill>
+                  <a:srgbClr val="FFFFFF"/>
+                </a:solidFill>
+              </a:uFill>
+              <a:latin typeface="Times New Roman"/>
+            </a:endParaRPr>
+          </a:p>
+        </p:txBody>
+      </p:sp>
+      <p:sp>
+        <p:nvSpPr>
+          <p:cNvPr id="124" name="TextShape 3"/>
+          <p:cNvSpPr txBox="1"/>
+          <p:nvPr/>
+        </p:nvSpPr>
+        <p:spPr>
+          <a:xfrm>
+            <a:off x="380880" y="6459480"/>
+            <a:ext cx="7732440" cy="291600"/>
+          </a:xfrm>
+          <a:prstGeom prst="rect">
+            <a:avLst/>
+          </a:prstGeom>
+          <a:noFill/>
+          <a:ln w="9360">
+            <a:noFill/>
+          </a:ln>
+        </p:spPr>
+        <p:txBody>
+          <a:bodyPr/>
+          <a:lstStyle/>
+          <a:p>
+            <a:pPr>
+              <a:lnSpc>
+                <a:spcPct val="100000"/>
+              </a:lnSpc>
+            </a:pPr>
+            <a:r>
+              <a:rPr lang="de-DE" sz="1400" b="0" strike="noStrike" spc="-1">
+                <a:solidFill>
+                  <a:srgbClr val="006C30"/>
+                </a:solidFill>
+                <a:uFill>
+                  <a:solidFill>
+                    <a:srgbClr val="FFFFFF"/>
+                  </a:solidFill>
+                </a:uFill>
+                <a:latin typeface="LMU CompatilFact"/>
+              </a:rPr>
+              <a:t>MGMM – A long read Mapper</a:t>
+            </a:r>
+            <a:endParaRPr lang="de-DE" sz="1400" b="0" strike="noStrike" spc="-1">
+              <a:solidFill>
+                <a:srgbClr val="000000"/>
+              </a:solidFill>
+              <a:uFill>
+                <a:solidFill>
+                  <a:srgbClr val="FFFFFF"/>
+                </a:solidFill>
+              </a:uFill>
+              <a:latin typeface="Times New Roman"/>
+            </a:endParaRPr>
+          </a:p>
+        </p:txBody>
+      </p:sp>
+      <p:pic>
+        <p:nvPicPr>
+          <p:cNvPr id="125" name="Bild 6"/>
+          <p:cNvPicPr/>
+          <p:nvPr/>
+        </p:nvPicPr>
+        <p:blipFill>
+          <a:blip r:embed="rId4"/>
+          <a:stretch/>
+        </p:blipFill>
+        <p:spPr>
+          <a:xfrm>
+            <a:off x="6120000" y="75240"/>
+            <a:ext cx="2915640" cy="1010520"/>
+          </a:xfrm>
+          <a:prstGeom prst="rect">
+            <a:avLst/>
+          </a:prstGeom>
+          <a:ln>
+            <a:noFill/>
+          </a:ln>
+        </p:spPr>
+      </p:pic>
+      <p:sp>
+        <p:nvSpPr>
+          <p:cNvPr id="126" name="TextShape 4"/>
+          <p:cNvSpPr txBox="1"/>
+          <p:nvPr/>
+        </p:nvSpPr>
+        <p:spPr>
+          <a:xfrm>
+            <a:off x="838440" y="365040"/>
+            <a:ext cx="10515240" cy="1325160"/>
+          </a:xfrm>
+          <a:prstGeom prst="rect">
+            <a:avLst/>
+          </a:prstGeom>
+          <a:noFill/>
+          <a:ln>
+            <a:noFill/>
+          </a:ln>
+        </p:spPr>
+      </p:sp>
+      <p:sp>
+        <p:nvSpPr>
+          <p:cNvPr id="127" name="CustomShape 5"/>
+          <p:cNvSpPr/>
+          <p:nvPr/>
+        </p:nvSpPr>
+        <p:spPr>
+          <a:xfrm>
+            <a:off x="2173320" y="2220120"/>
+            <a:ext cx="6466680" cy="3107880"/>
+          </a:xfrm>
+          <a:prstGeom prst="rect">
+            <a:avLst/>
+          </a:prstGeom>
+          <a:noFill/>
+          <a:ln>
+            <a:noFill/>
+          </a:ln>
+        </p:spPr>
+        <p:style>
+          <a:lnRef idx="0">
+            <a:scrgbClr r="0" g="0" b="0"/>
+          </a:lnRef>
+          <a:fillRef idx="0">
+            <a:scrgbClr r="0" g="0" b="0"/>
+          </a:fillRef>
+          <a:effectRef idx="0">
+            <a:scrgbClr r="0" g="0" b="0"/>
+          </a:effectRef>
+          <a:fontRef idx="minor"/>
+        </p:style>
+        <p:txBody>
+          <a:bodyPr wrap="none" lIns="90000" tIns="45000" rIns="90000" bIns="45000"/>
+          <a:lstStyle/>
+          <a:p>
+            <a:pPr>
+              <a:lnSpc>
+                <a:spcPct val="100000"/>
+              </a:lnSpc>
+            </a:pPr>
+            <a:r>
+              <a:rPr lang="de-DE" sz="1800" b="0" strike="noStrike" spc="-1">
+                <a:solidFill>
+                  <a:srgbClr val="000000"/>
+                </a:solidFill>
+                <a:uFill>
+                  <a:solidFill>
+                    <a:srgbClr val="FFFFFF"/>
+                  </a:solidFill>
+                </a:uFill>
+                <a:latin typeface="Calibri"/>
+              </a:rPr>
+              <a:t>First selection of seeds:</a:t>
+            </a:r>
+            <a:endParaRPr lang="de-DE" sz="1800" b="0" strike="noStrike" spc="-1">
+              <a:solidFill>
+                <a:srgbClr val="000000"/>
+              </a:solidFill>
+              <a:uFill>
+                <a:solidFill>
+                  <a:srgbClr val="FFFFFF"/>
+                </a:solidFill>
+              </a:uFill>
+              <a:latin typeface="Arial"/>
+            </a:endParaRPr>
+          </a:p>
+          <a:p>
+            <a:pPr>
+              <a:lnSpc>
+                <a:spcPct val="100000"/>
+              </a:lnSpc>
+            </a:pPr>
+            <a:r>
+              <a:rPr lang="de-DE" sz="1800" b="0" strike="noStrike" spc="-1">
+                <a:solidFill>
+                  <a:srgbClr val="000000"/>
+                </a:solidFill>
+                <a:uFill>
+                  <a:solidFill>
+                    <a:srgbClr val="FFFFFF"/>
+                  </a:solidFill>
+                </a:uFill>
+                <a:latin typeface="Calibri"/>
+              </a:rPr>
+              <a:t>GraphMap: clustering into candidate regions:</a:t>
+            </a:r>
+            <a:endParaRPr lang="de-DE" sz="1800" b="0" strike="noStrike" spc="-1">
+              <a:solidFill>
+                <a:srgbClr val="000000"/>
+              </a:solidFill>
+              <a:uFill>
+                <a:solidFill>
+                  <a:srgbClr val="FFFFFF"/>
+                </a:solidFill>
+              </a:uFill>
+              <a:latin typeface="Arial"/>
+            </a:endParaRPr>
+          </a:p>
+          <a:p>
+            <a:pPr>
+              <a:lnSpc>
+                <a:spcPct val="100000"/>
+              </a:lnSpc>
+            </a:pPr>
+            <a:r>
+              <a:rPr lang="de-DE" sz="1800" b="0" strike="noStrike" spc="-1">
+                <a:solidFill>
+                  <a:srgbClr val="000000"/>
+                </a:solidFill>
+                <a:uFill>
+                  <a:solidFill>
+                    <a:srgbClr val="FFFFFF"/>
+                  </a:solidFill>
+                </a:uFill>
+                <a:latin typeface="Calibri"/>
+              </a:rPr>
+              <a:t>	    - into anchors under graph-based vertex-centrix construction</a:t>
+            </a:r>
+            <a:endParaRPr lang="de-DE" sz="1800" b="0" strike="noStrike" spc="-1">
+              <a:solidFill>
+                <a:srgbClr val="000000"/>
+              </a:solidFill>
+              <a:uFill>
+                <a:solidFill>
+                  <a:srgbClr val="FFFFFF"/>
+                </a:solidFill>
+              </a:uFill>
+              <a:latin typeface="Arial"/>
+            </a:endParaRPr>
+          </a:p>
+          <a:p>
+            <a:pPr>
+              <a:lnSpc>
+                <a:spcPct val="100000"/>
+              </a:lnSpc>
+            </a:pPr>
+            <a:r>
+              <a:rPr lang="de-DE" sz="1800" b="0" strike="noStrike" spc="-1">
+                <a:solidFill>
+                  <a:srgbClr val="000000"/>
+                </a:solidFill>
+                <a:uFill>
+                  <a:solidFill>
+                    <a:srgbClr val="FFFFFF"/>
+                  </a:solidFill>
+                </a:uFill>
+                <a:latin typeface="Calibri"/>
+              </a:rPr>
+              <a:t>BWA-MEM: Chaining: </a:t>
+            </a:r>
+            <a:endParaRPr lang="de-DE" sz="1800" b="0" strike="noStrike" spc="-1">
+              <a:solidFill>
+                <a:srgbClr val="000000"/>
+              </a:solidFill>
+              <a:uFill>
+                <a:solidFill>
+                  <a:srgbClr val="FFFFFF"/>
+                </a:solidFill>
+              </a:uFill>
+              <a:latin typeface="Arial"/>
+            </a:endParaRPr>
+          </a:p>
+          <a:p>
+            <a:pPr>
+              <a:lnSpc>
+                <a:spcPct val="100000"/>
+              </a:lnSpc>
+            </a:pPr>
+            <a:r>
+              <a:rPr lang="de-DE" sz="1800" b="0" strike="noStrike" spc="-1">
+                <a:solidFill>
+                  <a:srgbClr val="000000"/>
+                </a:solidFill>
+                <a:uFill>
+                  <a:solidFill>
+                    <a:srgbClr val="FFFFFF"/>
+                  </a:solidFill>
+                </a:uFill>
+                <a:latin typeface="Calibri"/>
+              </a:rPr>
+              <a:t>	    -seeds that are colinear and close to each other are a chain</a:t>
+            </a:r>
+            <a:endParaRPr lang="de-DE" sz="1800" b="0" strike="noStrike" spc="-1">
+              <a:solidFill>
+                <a:srgbClr val="000000"/>
+              </a:solidFill>
+              <a:uFill>
+                <a:solidFill>
+                  <a:srgbClr val="FFFFFF"/>
+                </a:solidFill>
+              </a:uFill>
+              <a:latin typeface="Arial"/>
+            </a:endParaRPr>
+          </a:p>
+          <a:p>
+            <a:pPr>
+              <a:lnSpc>
+                <a:spcPct val="100000"/>
+              </a:lnSpc>
+            </a:pPr>
+            <a:r>
+              <a:rPr lang="de-DE" sz="1800" b="0" strike="noStrike" spc="-1">
+                <a:solidFill>
+                  <a:srgbClr val="000000"/>
+                </a:solidFill>
+                <a:uFill>
+                  <a:solidFill>
+                    <a:srgbClr val="FFFFFF"/>
+                  </a:solidFill>
+                </a:uFill>
+                <a:latin typeface="Calibri"/>
+              </a:rPr>
+              <a:t>	    -chainfiltering short chains that are largely contained in a</a:t>
+            </a:r>
+            <a:endParaRPr lang="de-DE" sz="1800" b="0" strike="noStrike" spc="-1">
+              <a:solidFill>
+                <a:srgbClr val="000000"/>
+              </a:solidFill>
+              <a:uFill>
+                <a:solidFill>
+                  <a:srgbClr val="FFFFFF"/>
+                </a:solidFill>
+              </a:uFill>
+              <a:latin typeface="Arial"/>
+            </a:endParaRPr>
+          </a:p>
+          <a:p>
+            <a:pPr>
+              <a:lnSpc>
+                <a:spcPct val="100000"/>
+              </a:lnSpc>
+            </a:pPr>
+            <a:r>
+              <a:rPr lang="de-DE" sz="1800" b="0" strike="noStrike" spc="-1">
+                <a:solidFill>
+                  <a:srgbClr val="000000"/>
+                </a:solidFill>
+                <a:uFill>
+                  <a:solidFill>
+                    <a:srgbClr val="FFFFFF"/>
+                  </a:solidFill>
+                </a:uFill>
+                <a:latin typeface="Calibri"/>
+              </a:rPr>
+              <a:t>              long chain and are much worse than the long chain</a:t>
+            </a:r>
+            <a:endParaRPr lang="de-DE" sz="1800" b="0" strike="noStrike" spc="-1">
+              <a:solidFill>
+                <a:srgbClr val="000000"/>
+              </a:solidFill>
+              <a:uFill>
+                <a:solidFill>
+                  <a:srgbClr val="FFFFFF"/>
+                </a:solidFill>
+              </a:uFill>
+              <a:latin typeface="Arial"/>
+            </a:endParaRPr>
+          </a:p>
+          <a:p>
+            <a:pPr>
+              <a:lnSpc>
+                <a:spcPct val="100000"/>
+              </a:lnSpc>
+            </a:pPr>
+            <a:endParaRPr lang="de-DE" sz="1800" b="0" strike="noStrike" spc="-1">
+              <a:solidFill>
+                <a:srgbClr val="000000"/>
+              </a:solidFill>
+              <a:uFill>
+                <a:solidFill>
+                  <a:srgbClr val="FFFFFF"/>
+                </a:solidFill>
+              </a:uFill>
+              <a:latin typeface="Arial"/>
+            </a:endParaRPr>
+          </a:p>
+          <a:p>
+            <a:pPr>
+              <a:lnSpc>
+                <a:spcPct val="100000"/>
+              </a:lnSpc>
+            </a:pPr>
+            <a:endParaRPr lang="de-DE" sz="1800" b="0" strike="noStrike" spc="-1">
+              <a:solidFill>
+                <a:srgbClr val="000000"/>
+              </a:solidFill>
+              <a:uFill>
+                <a:solidFill>
+                  <a:srgbClr val="FFFFFF"/>
+                </a:solidFill>
+              </a:uFill>
+              <a:latin typeface="Arial"/>
+            </a:endParaRPr>
+          </a:p>
+          <a:p>
+            <a:pPr>
+              <a:lnSpc>
+                <a:spcPct val="100000"/>
+              </a:lnSpc>
+            </a:pPr>
+            <a:endParaRPr lang="de-DE" sz="1800" b="0" strike="noStrike" spc="-1">
+              <a:solidFill>
+                <a:srgbClr val="000000"/>
+              </a:solidFill>
+              <a:uFill>
+                <a:solidFill>
+                  <a:srgbClr val="FFFFFF"/>
+                </a:solidFill>
+              </a:uFill>
+              <a:latin typeface="Arial"/>
+            </a:endParaRPr>
+          </a:p>
+          <a:p>
+            <a:pPr>
+              <a:lnSpc>
+                <a:spcPct val="100000"/>
+              </a:lnSpc>
+            </a:pPr>
+            <a:endParaRPr lang="de-DE" sz="1800" b="0" strike="noStrike" spc="-1">
+              <a:solidFill>
+                <a:srgbClr val="000000"/>
+              </a:solidFill>
+              <a:uFill>
+                <a:solidFill>
+                  <a:srgbClr val="FFFFFF"/>
+                </a:solidFill>
+              </a:uFill>
+              <a:latin typeface="Arial"/>
+            </a:endParaRPr>
+          </a:p>
+        </p:txBody>
+      </p:sp>
+    </p:spTree>
+    <p:extLst>
+      <p:ext uri="{BB962C8B-B14F-4D97-AF65-F5344CB8AC3E}">
+        <p14:creationId xmlns:p14="http://schemas.microsoft.com/office/powerpoint/2010/main" val="1883416965"/>
+      </p:ext>
+    </p:extLst>
+  </p:cSld>
+  <p:clrMapOvr>
+    <a:masterClrMapping/>
+  </p:clrMapOvr>
+  <p:timing>
+    <p:tnLst>
+      <p:par>
+        <p:cTn id="1" dur="indefinite" restart="never" nodeType="tmRoot">
+          <p:childTnLst>
+            <p:seq>
+              <p:cTn id="2" nodeType="mainSeq"/>
+              <p:prevCondLst>
+                <p:cond evt="onPrev" delay="0">
+                  <p:tgtEl>
+                    <p:sldTgt/>
+                  </p:tgtEl>
+                </p:cond>
+              </p:prevCondLst>
+              <p:nextCondLst>
+                <p:cond evt="onNext" delay="0">
+                  <p:tgtEl>
+                    <p:sldTgt/>
+                  </p:tgtEl>
+                </p:cond>
+              </p:nextCondLst>
+            </p:seq>
+          </p:childTnLst>
+        </p:cTn>
+      </p:par>
+    </p:tnLst>
+  </p:timing>
+</p:sld>
+</file>
+
+<file path=ppt/slides/slide14.xml><?xml version="1.0" encoding="utf-8"?>
+<p:sld xmlns:a="http://schemas.openxmlformats.org/drawingml/2006/main" xmlns:r="http://schemas.openxmlformats.org/officeDocument/2006/relationships" xmlns:p="http://schemas.openxmlformats.org/presentationml/2006/main">
+  <p:cSld>
+    <p:spTree>
+      <p:nvGrpSpPr>
+        <p:cNvPr id="1" name=""/>
+        <p:cNvGrpSpPr/>
+        <p:nvPr/>
+      </p:nvGrpSpPr>
+      <p:grpSpPr>
+        <a:xfrm>
+          <a:off x="0" y="0"/>
+          <a:ext cx="0" cy="0"/>
+          <a:chOff x="0" y="0"/>
+          <a:chExt cx="0" cy="0"/>
+        </a:xfrm>
+      </p:grpSpPr>
+      <p:pic>
+        <p:nvPicPr>
+          <p:cNvPr id="128" name="Bild 127"/>
+          <p:cNvPicPr/>
+          <p:nvPr/>
+        </p:nvPicPr>
+        <p:blipFill>
+          <a:blip r:embed="rId3"/>
+          <a:stretch/>
+        </p:blipFill>
+        <p:spPr>
+          <a:xfrm>
+            <a:off x="288000" y="2232000"/>
+            <a:ext cx="3809160" cy="3342240"/>
+          </a:xfrm>
+          <a:prstGeom prst="rect">
+            <a:avLst/>
+          </a:prstGeom>
+          <a:ln>
+            <a:noFill/>
+          </a:ln>
+        </p:spPr>
+      </p:pic>
+      <p:sp>
+        <p:nvSpPr>
+          <p:cNvPr id="129" name="TextShape 1"/>
+          <p:cNvSpPr txBox="1"/>
+          <p:nvPr/>
+        </p:nvSpPr>
+        <p:spPr>
+          <a:xfrm>
+            <a:off x="2071800" y="620640"/>
+            <a:ext cx="3941280" cy="456840"/>
+          </a:xfrm>
+          <a:prstGeom prst="rect">
+            <a:avLst/>
+          </a:prstGeom>
+          <a:noFill/>
+          <a:ln w="9360">
+            <a:noFill/>
+          </a:ln>
+        </p:spPr>
+        <p:txBody>
+          <a:bodyPr anchor="b"/>
+          <a:lstStyle/>
+          <a:p>
+            <a:pPr>
+              <a:lnSpc>
+                <a:spcPct val="100000"/>
+              </a:lnSpc>
+            </a:pPr>
+            <a:r>
+              <a:rPr lang="de-DE" sz="2000" b="1" strike="noStrike" spc="-1">
+                <a:solidFill>
+                  <a:srgbClr val="006C30"/>
+                </a:solidFill>
+                <a:uFill>
+                  <a:solidFill>
+                    <a:srgbClr val="FFFFFF"/>
+                  </a:solidFill>
+                </a:uFill>
+                <a:latin typeface="LMU CompatilFact"/>
+              </a:rPr>
+              <a:t>Currently available mappers</a:t>
+            </a:r>
+            <a:endParaRPr lang="de-DE" sz="2000" b="0" strike="noStrike" spc="-1">
+              <a:solidFill>
+                <a:srgbClr val="000000"/>
+              </a:solidFill>
+              <a:uFill>
+                <a:solidFill>
+                  <a:srgbClr val="FFFFFF"/>
+                </a:solidFill>
+              </a:uFill>
+              <a:latin typeface="LMU CompatilFact"/>
+            </a:endParaRPr>
+          </a:p>
+        </p:txBody>
+      </p:sp>
+      <p:sp>
+        <p:nvSpPr>
+          <p:cNvPr id="130" name="TextShape 2"/>
+          <p:cNvSpPr txBox="1"/>
+          <p:nvPr/>
+        </p:nvSpPr>
+        <p:spPr>
+          <a:xfrm>
+            <a:off x="8245440" y="6459480"/>
+            <a:ext cx="790200" cy="291600"/>
+          </a:xfrm>
+          <a:prstGeom prst="rect">
+            <a:avLst/>
+          </a:prstGeom>
+          <a:noFill/>
+          <a:ln w="9360">
+            <a:noFill/>
+          </a:ln>
+        </p:spPr>
+        <p:txBody>
+          <a:bodyPr/>
+          <a:lstStyle/>
+          <a:p>
+            <a:pPr algn="r">
+              <a:lnSpc>
+                <a:spcPct val="100000"/>
+              </a:lnSpc>
+            </a:pPr>
+            <a:fld id="{8F8C1C1F-0D95-4698-BEF0-82C3A74A149D}" type="slidenum">
+              <a:rPr lang="de-DE" sz="1400" b="0" strike="noStrike" spc="-1">
+                <a:solidFill>
+                  <a:srgbClr val="006C30"/>
+                </a:solidFill>
+                <a:uFill>
+                  <a:solidFill>
+                    <a:srgbClr val="FFFFFF"/>
+                  </a:solidFill>
+                </a:uFill>
+                <a:latin typeface="LMU CompatilFact"/>
+              </a:rPr>
+              <a:t>14</a:t>
+            </a:fld>
+            <a:endParaRPr lang="de-DE" sz="1400" b="0" strike="noStrike" spc="-1">
+              <a:solidFill>
+                <a:srgbClr val="000000"/>
+              </a:solidFill>
+              <a:uFill>
+                <a:solidFill>
+                  <a:srgbClr val="FFFFFF"/>
+                </a:solidFill>
+              </a:uFill>
+              <a:latin typeface="Times New Roman"/>
+            </a:endParaRPr>
+          </a:p>
+        </p:txBody>
+      </p:sp>
+      <p:sp>
+        <p:nvSpPr>
+          <p:cNvPr id="131" name="TextShape 3"/>
+          <p:cNvSpPr txBox="1"/>
+          <p:nvPr/>
+        </p:nvSpPr>
+        <p:spPr>
+          <a:xfrm>
+            <a:off x="380880" y="6459480"/>
+            <a:ext cx="7732440" cy="291600"/>
+          </a:xfrm>
+          <a:prstGeom prst="rect">
+            <a:avLst/>
+          </a:prstGeom>
+          <a:noFill/>
+          <a:ln w="9360">
+            <a:noFill/>
+          </a:ln>
+        </p:spPr>
+        <p:txBody>
+          <a:bodyPr/>
+          <a:lstStyle/>
+          <a:p>
+            <a:pPr>
+              <a:lnSpc>
+                <a:spcPct val="100000"/>
+              </a:lnSpc>
+            </a:pPr>
+            <a:r>
+              <a:rPr lang="de-DE" sz="1400" b="0" strike="noStrike" spc="-1">
+                <a:solidFill>
+                  <a:srgbClr val="006C30"/>
+                </a:solidFill>
+                <a:uFill>
+                  <a:solidFill>
+                    <a:srgbClr val="FFFFFF"/>
+                  </a:solidFill>
+                </a:uFill>
+                <a:latin typeface="LMU CompatilFact"/>
+              </a:rPr>
+              <a:t>MGMM – A long read Mapper</a:t>
+            </a:r>
+            <a:endParaRPr lang="de-DE" sz="1400" b="0" strike="noStrike" spc="-1">
+              <a:solidFill>
+                <a:srgbClr val="000000"/>
+              </a:solidFill>
+              <a:uFill>
+                <a:solidFill>
+                  <a:srgbClr val="FFFFFF"/>
+                </a:solidFill>
+              </a:uFill>
+              <a:latin typeface="Times New Roman"/>
+            </a:endParaRPr>
+          </a:p>
+        </p:txBody>
+      </p:sp>
+      <p:pic>
+        <p:nvPicPr>
+          <p:cNvPr id="132" name="Bild 6"/>
+          <p:cNvPicPr/>
+          <p:nvPr/>
+        </p:nvPicPr>
+        <p:blipFill>
+          <a:blip r:embed="rId4"/>
+          <a:stretch/>
+        </p:blipFill>
+        <p:spPr>
+          <a:xfrm>
+            <a:off x="6120000" y="75240"/>
+            <a:ext cx="2915640" cy="1010520"/>
+          </a:xfrm>
+          <a:prstGeom prst="rect">
+            <a:avLst/>
+          </a:prstGeom>
+          <a:ln>
+            <a:noFill/>
+          </a:ln>
+        </p:spPr>
+      </p:pic>
+      <p:sp>
+        <p:nvSpPr>
+          <p:cNvPr id="133" name="TextShape 4"/>
+          <p:cNvSpPr txBox="1"/>
+          <p:nvPr/>
+        </p:nvSpPr>
+        <p:spPr>
+          <a:xfrm>
+            <a:off x="838440" y="365040"/>
+            <a:ext cx="10515240" cy="1325160"/>
+          </a:xfrm>
+          <a:prstGeom prst="rect">
+            <a:avLst/>
+          </a:prstGeom>
+          <a:noFill/>
+          <a:ln>
+            <a:noFill/>
+          </a:ln>
+        </p:spPr>
+      </p:sp>
+      <p:sp>
+        <p:nvSpPr>
+          <p:cNvPr id="134" name="CustomShape 5"/>
+          <p:cNvSpPr/>
+          <p:nvPr/>
+        </p:nvSpPr>
+        <p:spPr>
+          <a:xfrm>
+            <a:off x="1615680" y="1599480"/>
+            <a:ext cx="7596720" cy="5301720"/>
+          </a:xfrm>
+          <a:prstGeom prst="rect">
+            <a:avLst/>
+          </a:prstGeom>
+          <a:noFill/>
+          <a:ln>
+            <a:noFill/>
+          </a:ln>
+        </p:spPr>
+        <p:style>
+          <a:lnRef idx="0">
+            <a:scrgbClr r="0" g="0" b="0"/>
+          </a:lnRef>
+          <a:fillRef idx="0">
+            <a:scrgbClr r="0" g="0" b="0"/>
+          </a:fillRef>
+          <a:effectRef idx="0">
+            <a:scrgbClr r="0" g="0" b="0"/>
+          </a:effectRef>
+          <a:fontRef idx="minor"/>
+        </p:style>
+        <p:txBody>
+          <a:bodyPr wrap="none" lIns="90000" tIns="45000" rIns="90000" bIns="45000"/>
+          <a:lstStyle/>
+          <a:p>
+            <a:pPr>
+              <a:lnSpc>
+                <a:spcPct val="100000"/>
+              </a:lnSpc>
+            </a:pPr>
+            <a:r>
+              <a:rPr lang="de-DE" sz="1800" b="0" strike="noStrike" spc="-1">
+                <a:solidFill>
+                  <a:srgbClr val="000000"/>
+                </a:solidFill>
+                <a:uFill>
+                  <a:solidFill>
+                    <a:srgbClr val="FFFFFF"/>
+                  </a:solidFill>
+                </a:uFill>
+                <a:latin typeface="Calibri"/>
+              </a:rPr>
+              <a:t>Chaining, scoring and filtering:</a:t>
+            </a:r>
+            <a:endParaRPr lang="de-DE" sz="1800" b="0" strike="noStrike" spc="-1">
+              <a:solidFill>
+                <a:srgbClr val="000000"/>
+              </a:solidFill>
+              <a:uFill>
+                <a:solidFill>
+                  <a:srgbClr val="FFFFFF"/>
+                </a:solidFill>
+              </a:uFill>
+              <a:latin typeface="Arial"/>
+            </a:endParaRPr>
+          </a:p>
+          <a:p>
+            <a:pPr>
+              <a:lnSpc>
+                <a:spcPct val="100000"/>
+              </a:lnSpc>
+            </a:pPr>
+            <a:r>
+              <a:rPr lang="de-DE" sz="1800" b="0" strike="noStrike" spc="-1">
+                <a:solidFill>
+                  <a:srgbClr val="000000"/>
+                </a:solidFill>
+                <a:uFill>
+                  <a:solidFill>
+                    <a:srgbClr val="FFFFFF"/>
+                  </a:solidFill>
+                </a:uFill>
+                <a:latin typeface="Calibri"/>
+              </a:rPr>
+              <a:t>GraphMap: Extending anchors into alignments using LCSk</a:t>
+            </a:r>
+            <a:endParaRPr lang="de-DE" sz="1800" b="0" strike="noStrike" spc="-1">
+              <a:solidFill>
+                <a:srgbClr val="000000"/>
+              </a:solidFill>
+              <a:uFill>
+                <a:solidFill>
+                  <a:srgbClr val="FFFFFF"/>
+                </a:solidFill>
+              </a:uFill>
+              <a:latin typeface="Arial"/>
+            </a:endParaRPr>
+          </a:p>
+          <a:p>
+            <a:pPr>
+              <a:lnSpc>
+                <a:spcPct val="100000"/>
+              </a:lnSpc>
+            </a:pPr>
+            <a:r>
+              <a:rPr lang="de-DE" sz="1800" b="0" strike="noStrike" spc="-1">
+                <a:solidFill>
+                  <a:srgbClr val="000000"/>
+                </a:solidFill>
+                <a:uFill>
+                  <a:solidFill>
+                    <a:srgbClr val="FFFFFF"/>
+                  </a:solidFill>
+                </a:uFill>
+                <a:latin typeface="Calibri"/>
+              </a:rPr>
+              <a:t>                     -variable lengths of corresponding anchors</a:t>
+            </a:r>
+            <a:endParaRPr lang="de-DE" sz="1800" b="0" strike="noStrike" spc="-1">
+              <a:solidFill>
+                <a:srgbClr val="000000"/>
+              </a:solidFill>
+              <a:uFill>
+                <a:solidFill>
+                  <a:srgbClr val="FFFFFF"/>
+                </a:solidFill>
+              </a:uFill>
+              <a:latin typeface="Arial"/>
+            </a:endParaRPr>
+          </a:p>
+          <a:p>
+            <a:pPr>
+              <a:lnSpc>
+                <a:spcPct val="100000"/>
+              </a:lnSpc>
+            </a:pPr>
+            <a:r>
+              <a:rPr lang="de-DE" sz="1800" b="0" strike="noStrike" spc="-1">
+                <a:solidFill>
+                  <a:srgbClr val="000000"/>
+                </a:solidFill>
+                <a:uFill>
+                  <a:solidFill>
+                    <a:srgbClr val="FFFFFF"/>
+                  </a:solidFill>
+                </a:uFill>
+                <a:latin typeface="Calibri"/>
+              </a:rPr>
+              <a:t>                     -a list of consecutive anchors in the target and the query sequence</a:t>
+            </a:r>
+            <a:endParaRPr lang="de-DE" sz="1800" b="0" strike="noStrike" spc="-1">
+              <a:solidFill>
+                <a:srgbClr val="000000"/>
+              </a:solidFill>
+              <a:uFill>
+                <a:solidFill>
+                  <a:srgbClr val="FFFFFF"/>
+                </a:solidFill>
+              </a:uFill>
+              <a:latin typeface="Arial"/>
+            </a:endParaRPr>
+          </a:p>
+          <a:p>
+            <a:pPr>
+              <a:lnSpc>
+                <a:spcPct val="100000"/>
+              </a:lnSpc>
+            </a:pPr>
+            <a:r>
+              <a:rPr lang="de-DE" sz="1800" b="0" strike="noStrike" spc="-1">
+                <a:solidFill>
+                  <a:srgbClr val="000000"/>
+                </a:solidFill>
+                <a:uFill>
+                  <a:solidFill>
+                    <a:srgbClr val="FFFFFF"/>
+                  </a:solidFill>
+                </a:uFill>
+                <a:latin typeface="Calibri"/>
+              </a:rPr>
+              <a:t>  	    -filtering with L1 regression</a:t>
+            </a:r>
+            <a:endParaRPr lang="de-DE" sz="1800" b="0" strike="noStrike" spc="-1">
+              <a:solidFill>
+                <a:srgbClr val="000000"/>
+              </a:solidFill>
+              <a:uFill>
+                <a:solidFill>
+                  <a:srgbClr val="FFFFFF"/>
+                </a:solidFill>
+              </a:uFill>
+              <a:latin typeface="Arial"/>
+            </a:endParaRPr>
+          </a:p>
+          <a:p>
+            <a:pPr>
+              <a:lnSpc>
+                <a:spcPct val="100000"/>
+              </a:lnSpc>
+            </a:pPr>
+            <a:r>
+              <a:rPr lang="de-DE" sz="1800" b="0" strike="noStrike" spc="-1">
+                <a:solidFill>
+                  <a:srgbClr val="000000"/>
+                </a:solidFill>
+                <a:uFill>
+                  <a:solidFill>
+                    <a:srgbClr val="FFFFFF"/>
+                  </a:solidFill>
+                </a:uFill>
+                <a:latin typeface="Calibri"/>
+              </a:rPr>
+              <a:t>                       the number of exact kmers covered by the anchor</a:t>
+            </a:r>
+            <a:endParaRPr lang="de-DE" sz="1800" b="0" strike="noStrike" spc="-1">
+              <a:solidFill>
+                <a:srgbClr val="000000"/>
+              </a:solidFill>
+              <a:uFill>
+                <a:solidFill>
+                  <a:srgbClr val="FFFFFF"/>
+                </a:solidFill>
+              </a:uFill>
+              <a:latin typeface="Arial"/>
+            </a:endParaRPr>
+          </a:p>
+          <a:p>
+            <a:pPr>
+              <a:lnSpc>
+                <a:spcPct val="100000"/>
+              </a:lnSpc>
+            </a:pPr>
+            <a:r>
+              <a:rPr lang="de-DE" sz="1800" b="0" strike="noStrike" spc="-1">
+                <a:solidFill>
+                  <a:srgbClr val="000000"/>
+                </a:solidFill>
+                <a:uFill>
+                  <a:solidFill>
+                    <a:srgbClr val="FFFFFF"/>
+                  </a:solidFill>
+                </a:uFill>
+                <a:latin typeface="Calibri"/>
+              </a:rPr>
+              <a:t>                       the length of the query sequence which matched the target</a:t>
+            </a:r>
+            <a:endParaRPr lang="de-DE" sz="1800" b="0" strike="noStrike" spc="-1">
+              <a:solidFill>
+                <a:srgbClr val="000000"/>
+              </a:solidFill>
+              <a:uFill>
+                <a:solidFill>
+                  <a:srgbClr val="FFFFFF"/>
+                </a:solidFill>
+              </a:uFill>
+              <a:latin typeface="Arial"/>
+            </a:endParaRPr>
+          </a:p>
+          <a:p>
+            <a:pPr>
+              <a:lnSpc>
+                <a:spcPct val="100000"/>
+              </a:lnSpc>
+            </a:pPr>
+            <a:r>
+              <a:rPr lang="de-DE" sz="1800" b="0" strike="noStrike" spc="-1">
+                <a:solidFill>
+                  <a:srgbClr val="000000"/>
+                </a:solidFill>
+                <a:uFill>
+                  <a:solidFill>
+                    <a:srgbClr val="FFFFFF"/>
+                  </a:solidFill>
+                </a:uFill>
+                <a:latin typeface="Calibri"/>
+              </a:rPr>
+              <a:t>                       the number of bases covered by anchors</a:t>
+            </a:r>
+            <a:endParaRPr lang="de-DE" sz="1800" b="0" strike="noStrike" spc="-1">
+              <a:solidFill>
+                <a:srgbClr val="000000"/>
+              </a:solidFill>
+              <a:uFill>
+                <a:solidFill>
+                  <a:srgbClr val="FFFFFF"/>
+                </a:solidFill>
+              </a:uFill>
+              <a:latin typeface="Arial"/>
+            </a:endParaRPr>
+          </a:p>
+          <a:p>
+            <a:pPr>
+              <a:lnSpc>
+                <a:spcPct val="100000"/>
+              </a:lnSpc>
+            </a:pPr>
+            <a:r>
+              <a:rPr lang="de-DE" sz="1800" b="0" strike="noStrike" spc="-1">
+                <a:solidFill>
+                  <a:srgbClr val="000000"/>
+                </a:solidFill>
+                <a:uFill>
+                  <a:solidFill>
+                    <a:srgbClr val="FFFFFF"/>
+                  </a:solidFill>
+                </a:uFill>
+                <a:latin typeface="Calibri"/>
+              </a:rPr>
+              <a:t>                       the read length</a:t>
+            </a:r>
+            <a:endParaRPr lang="de-DE" sz="1800" b="0" strike="noStrike" spc="-1">
+              <a:solidFill>
+                <a:srgbClr val="000000"/>
+              </a:solidFill>
+              <a:uFill>
+                <a:solidFill>
+                  <a:srgbClr val="FFFFFF"/>
+                </a:solidFill>
+              </a:uFill>
+              <a:latin typeface="Arial"/>
+            </a:endParaRPr>
+          </a:p>
+          <a:p>
+            <a:pPr>
+              <a:lnSpc>
+                <a:spcPct val="100000"/>
+              </a:lnSpc>
+            </a:pPr>
+            <a:r>
+              <a:rPr lang="de-DE" sz="1800" b="0" strike="noStrike" spc="-1">
+                <a:solidFill>
+                  <a:srgbClr val="000000"/>
+                </a:solidFill>
+                <a:uFill>
+                  <a:solidFill>
+                    <a:srgbClr val="FFFFFF"/>
+                  </a:solidFill>
+                </a:uFill>
+                <a:latin typeface="Calibri"/>
+              </a:rPr>
+              <a:t>BWA-MEM: Seed extension: </a:t>
+            </a:r>
+            <a:endParaRPr lang="de-DE" sz="1800" b="0" strike="noStrike" spc="-1">
+              <a:solidFill>
+                <a:srgbClr val="000000"/>
+              </a:solidFill>
+              <a:uFill>
+                <a:solidFill>
+                  <a:srgbClr val="FFFFFF"/>
+                </a:solidFill>
+              </a:uFill>
+              <a:latin typeface="Arial"/>
+            </a:endParaRPr>
+          </a:p>
+          <a:p>
+            <a:pPr>
+              <a:lnSpc>
+                <a:spcPct val="100000"/>
+              </a:lnSpc>
+            </a:pPr>
+            <a:r>
+              <a:rPr lang="de-DE" sz="1800" b="0" strike="noStrike" spc="-1">
+                <a:solidFill>
+                  <a:srgbClr val="000000"/>
+                </a:solidFill>
+                <a:uFill>
+                  <a:solidFill>
+                    <a:srgbClr val="FFFFFF"/>
+                  </a:solidFill>
+                </a:uFill>
+                <a:latin typeface="Calibri"/>
+              </a:rPr>
+              <a:t>	   -ranking seeds by length of the chain it belongs to and </a:t>
+            </a:r>
+            <a:endParaRPr lang="de-DE" sz="1800" b="0" strike="noStrike" spc="-1">
+              <a:solidFill>
+                <a:srgbClr val="000000"/>
+              </a:solidFill>
+              <a:uFill>
+                <a:solidFill>
+                  <a:srgbClr val="FFFFFF"/>
+                </a:solidFill>
+              </a:uFill>
+              <a:latin typeface="Arial"/>
+            </a:endParaRPr>
+          </a:p>
+          <a:p>
+            <a:pPr>
+              <a:lnSpc>
+                <a:spcPct val="100000"/>
+              </a:lnSpc>
+            </a:pPr>
+            <a:r>
+              <a:rPr lang="de-DE" sz="1800" b="0" strike="noStrike" spc="-1">
+                <a:solidFill>
+                  <a:srgbClr val="000000"/>
+                </a:solidFill>
+                <a:uFill>
+                  <a:solidFill>
+                    <a:srgbClr val="FFFFFF"/>
+                  </a:solidFill>
+                </a:uFill>
+                <a:latin typeface="Calibri"/>
+              </a:rPr>
+              <a:t>	    then by the seed length</a:t>
+            </a:r>
+            <a:endParaRPr lang="de-DE" sz="1800" b="0" strike="noStrike" spc="-1">
+              <a:solidFill>
+                <a:srgbClr val="000000"/>
+              </a:solidFill>
+              <a:uFill>
+                <a:solidFill>
+                  <a:srgbClr val="FFFFFF"/>
+                </a:solidFill>
+              </a:uFill>
+              <a:latin typeface="Arial"/>
+            </a:endParaRPr>
+          </a:p>
+          <a:p>
+            <a:pPr>
+              <a:lnSpc>
+                <a:spcPct val="100000"/>
+              </a:lnSpc>
+            </a:pPr>
+            <a:r>
+              <a:rPr lang="de-DE" sz="1800" b="0" strike="noStrike" spc="-1">
+                <a:solidFill>
+                  <a:srgbClr val="000000"/>
+                </a:solidFill>
+                <a:uFill>
+                  <a:solidFill>
+                    <a:srgbClr val="FFFFFF"/>
+                  </a:solidFill>
+                </a:uFill>
+                <a:latin typeface="Calibri"/>
+              </a:rPr>
+              <a:t> 	   -dropping seeds that are contained in an alignment found before</a:t>
+            </a:r>
+            <a:endParaRPr lang="de-DE" sz="1800" b="0" strike="noStrike" spc="-1">
+              <a:solidFill>
+                <a:srgbClr val="000000"/>
+              </a:solidFill>
+              <a:uFill>
+                <a:solidFill>
+                  <a:srgbClr val="FFFFFF"/>
+                </a:solidFill>
+              </a:uFill>
+              <a:latin typeface="Arial"/>
+            </a:endParaRPr>
+          </a:p>
+          <a:p>
+            <a:pPr>
+              <a:lnSpc>
+                <a:spcPct val="100000"/>
+              </a:lnSpc>
+            </a:pPr>
+            <a:r>
+              <a:rPr lang="de-DE" sz="1800" b="0" strike="noStrike" spc="-1">
+                <a:solidFill>
+                  <a:srgbClr val="000000"/>
+                </a:solidFill>
+                <a:uFill>
+                  <a:solidFill>
+                    <a:srgbClr val="FFFFFF"/>
+                  </a:solidFill>
+                </a:uFill>
+                <a:latin typeface="Calibri"/>
+              </a:rPr>
+              <a:t>            -extending seeds with a banded affine-gap-penalty dynamicprogramming</a:t>
+            </a:r>
+            <a:endParaRPr lang="de-DE" sz="1800" b="0" strike="noStrike" spc="-1">
+              <a:solidFill>
+                <a:srgbClr val="000000"/>
+              </a:solidFill>
+              <a:uFill>
+                <a:solidFill>
+                  <a:srgbClr val="FFFFFF"/>
+                </a:solidFill>
+              </a:uFill>
+              <a:latin typeface="Arial"/>
+            </a:endParaRPr>
+          </a:p>
+          <a:p>
+            <a:pPr>
+              <a:lnSpc>
+                <a:spcPct val="100000"/>
+              </a:lnSpc>
+            </a:pPr>
+            <a:r>
+              <a:rPr lang="de-DE" sz="1800" b="0" strike="noStrike" spc="-1">
+                <a:solidFill>
+                  <a:srgbClr val="000000"/>
+                </a:solidFill>
+                <a:uFill>
+                  <a:solidFill>
+                    <a:srgbClr val="FFFFFF"/>
+                  </a:solidFill>
+                </a:uFill>
+                <a:latin typeface="Calibri"/>
+              </a:rPr>
+              <a:t>            -heurisitcs to avoid the extension of poorly aligned regions</a:t>
+            </a:r>
+            <a:endParaRPr lang="de-DE" sz="1800" b="0" strike="noStrike" spc="-1">
+              <a:solidFill>
+                <a:srgbClr val="000000"/>
+              </a:solidFill>
+              <a:uFill>
+                <a:solidFill>
+                  <a:srgbClr val="FFFFFF"/>
+                </a:solidFill>
+              </a:uFill>
+              <a:latin typeface="Arial"/>
+            </a:endParaRPr>
+          </a:p>
+          <a:p>
+            <a:pPr>
+              <a:lnSpc>
+                <a:spcPct val="100000"/>
+              </a:lnSpc>
+            </a:pPr>
+            <a:r>
+              <a:rPr lang="de-DE" sz="1800" b="0" strike="noStrike" spc="-1">
+                <a:solidFill>
+                  <a:srgbClr val="000000"/>
+                </a:solidFill>
+                <a:uFill>
+                  <a:solidFill>
+                    <a:srgbClr val="FFFFFF"/>
+                  </a:solidFill>
+                </a:uFill>
+                <a:latin typeface="Calibri"/>
+              </a:rPr>
+              <a:t>	   -chooses between local and end-to-end alignments</a:t>
+            </a:r>
+            <a:endParaRPr lang="de-DE" sz="1800" b="0" strike="noStrike" spc="-1">
+              <a:solidFill>
+                <a:srgbClr val="000000"/>
+              </a:solidFill>
+              <a:uFill>
+                <a:solidFill>
+                  <a:srgbClr val="FFFFFF"/>
+                </a:solidFill>
+              </a:uFill>
+              <a:latin typeface="Arial"/>
+            </a:endParaRPr>
+          </a:p>
+          <a:p>
+            <a:pPr>
+              <a:lnSpc>
+                <a:spcPct val="100000"/>
+              </a:lnSpc>
+            </a:pPr>
+            <a:r>
+              <a:rPr lang="de-DE" sz="1800" b="0" strike="noStrike" spc="-1">
+                <a:solidFill>
+                  <a:srgbClr val="000000"/>
+                </a:solidFill>
+                <a:uFill>
+                  <a:solidFill>
+                    <a:srgbClr val="FFFFFF"/>
+                  </a:solidFill>
+                </a:uFill>
+                <a:latin typeface="Calibri"/>
+              </a:rPr>
+              <a:t> </a:t>
+            </a:r>
+            <a:endParaRPr lang="de-DE" sz="1800" b="0" strike="noStrike" spc="-1">
+              <a:solidFill>
+                <a:srgbClr val="000000"/>
+              </a:solidFill>
+              <a:uFill>
+                <a:solidFill>
+                  <a:srgbClr val="FFFFFF"/>
+                </a:solidFill>
+              </a:uFill>
+              <a:latin typeface="Arial"/>
+            </a:endParaRPr>
+          </a:p>
+          <a:p>
+            <a:pPr>
+              <a:lnSpc>
+                <a:spcPct val="100000"/>
+              </a:lnSpc>
+            </a:pPr>
+            <a:endParaRPr lang="de-DE" sz="1800" b="0" strike="noStrike" spc="-1">
+              <a:solidFill>
+                <a:srgbClr val="000000"/>
+              </a:solidFill>
+              <a:uFill>
+                <a:solidFill>
+                  <a:srgbClr val="FFFFFF"/>
+                </a:solidFill>
+              </a:uFill>
+              <a:latin typeface="Arial"/>
+            </a:endParaRPr>
+          </a:p>
+          <a:p>
+            <a:pPr>
+              <a:lnSpc>
+                <a:spcPct val="100000"/>
+              </a:lnSpc>
+            </a:pPr>
+            <a:endParaRPr lang="de-DE" sz="1800" b="0" strike="noStrike" spc="-1">
+              <a:solidFill>
+                <a:srgbClr val="000000"/>
+              </a:solidFill>
+              <a:uFill>
+                <a:solidFill>
+                  <a:srgbClr val="FFFFFF"/>
+                </a:solidFill>
+              </a:uFill>
+              <a:latin typeface="Arial"/>
+            </a:endParaRPr>
+          </a:p>
+        </p:txBody>
+      </p:sp>
+    </p:spTree>
+    <p:extLst>
+      <p:ext uri="{BB962C8B-B14F-4D97-AF65-F5344CB8AC3E}">
+        <p14:creationId xmlns:p14="http://schemas.microsoft.com/office/powerpoint/2010/main" val="1562112138"/>
+      </p:ext>
+    </p:extLst>
+  </p:cSld>
+  <p:clrMapOvr>
+    <a:masterClrMapping/>
+  </p:clrMapOvr>
+  <p:timing>
+    <p:tnLst>
+      <p:par>
+        <p:cTn id="1" dur="indefinite" restart="never" nodeType="tmRoot">
+          <p:childTnLst>
+            <p:seq>
+              <p:cTn id="2" nodeType="mainSeq"/>
+              <p:prevCondLst>
+                <p:cond evt="onPrev" delay="0">
+                  <p:tgtEl>
+                    <p:sldTgt/>
+                  </p:tgtEl>
+                </p:cond>
+              </p:prevCondLst>
+              <p:nextCondLst>
+                <p:cond evt="onNext" delay="0">
+                  <p:tgtEl>
+                    <p:sldTgt/>
+                  </p:tgtEl>
+                </p:cond>
+              </p:nextCondLst>
+            </p:seq>
+          </p:childTnLst>
+        </p:cTn>
+      </p:par>
+    </p:tnLst>
+  </p:timing>
+</p:sld>
+</file>
+
+<file path=ppt/slides/slide15.xml><?xml version="1.0" encoding="utf-8"?>
+<p:sld xmlns:a="http://schemas.openxmlformats.org/drawingml/2006/main" xmlns:r="http://schemas.openxmlformats.org/officeDocument/2006/relationships" xmlns:p="http://schemas.openxmlformats.org/presentationml/2006/main">
+  <p:cSld>
+    <p:spTree>
+      <p:nvGrpSpPr>
+        <p:cNvPr id="1" name=""/>
+        <p:cNvGrpSpPr/>
+        <p:nvPr/>
+      </p:nvGrpSpPr>
+      <p:grpSpPr>
+        <a:xfrm>
+          <a:off x="0" y="0"/>
+          <a:ext cx="0" cy="0"/>
+          <a:chOff x="0" y="0"/>
+          <a:chExt cx="0" cy="0"/>
+        </a:xfrm>
+      </p:grpSpPr>
+      <p:sp>
+        <p:nvSpPr>
+          <p:cNvPr id="2" name="Titel 1"/>
+          <p:cNvSpPr>
+            <a:spLocks noGrp="1"/>
+          </p:cNvSpPr>
+          <p:nvPr>
+            <p:ph type="title"/>
+          </p:nvPr>
+        </p:nvSpPr>
+        <p:spPr/>
+        <p:txBody>
+          <a:bodyPr/>
+          <a:lstStyle/>
+          <a:p>
+            <a:r>
+              <a:rPr lang="en-US" dirty="0" smtClean="0"/>
+              <a:t>Constructing a new mapper</a:t>
+            </a:r>
+            <a:endParaRPr lang="en-US" dirty="0"/>
+          </a:p>
+        </p:txBody>
+      </p:sp>
+      <p:sp>
+        <p:nvSpPr>
+          <p:cNvPr id="3" name="Inhaltsplatzhalter 2"/>
+          <p:cNvSpPr>
+            <a:spLocks noGrp="1"/>
+          </p:cNvSpPr>
+          <p:nvPr>
+            <p:ph idx="1"/>
+          </p:nvPr>
+        </p:nvSpPr>
+        <p:spPr/>
+        <p:txBody>
+          <a:bodyPr/>
+          <a:lstStyle/>
+          <a:p>
+            <a:pPr marL="514350" indent="-514350">
+              <a:buFont typeface="+mj-lt"/>
+              <a:buAutoNum type="romanUcPeriod"/>
+            </a:pPr>
+            <a:r>
+              <a:rPr lang="en-US" dirty="0" err="1" smtClean="0"/>
+              <a:t>Nanopore</a:t>
+            </a:r>
+            <a:r>
+              <a:rPr lang="en-US" dirty="0" smtClean="0"/>
+              <a:t> sequencing</a:t>
+            </a:r>
+          </a:p>
+          <a:p>
+            <a:pPr marL="914400" lvl="1" indent="-514350">
+              <a:buFont typeface="+mj-lt"/>
+              <a:buAutoNum type="romanLcPeriod"/>
+            </a:pPr>
+            <a:r>
+              <a:rPr lang="en-US" dirty="0" smtClean="0"/>
+              <a:t>How it works</a:t>
+            </a:r>
+          </a:p>
+          <a:p>
+            <a:pPr marL="914400" lvl="1" indent="-514350">
+              <a:buFont typeface="+mj-lt"/>
+              <a:buAutoNum type="romanLcPeriod"/>
+            </a:pPr>
+            <a:r>
+              <a:rPr lang="en-US" dirty="0" smtClean="0"/>
+              <a:t>Structure of reads</a:t>
+            </a:r>
+          </a:p>
+          <a:p>
+            <a:pPr marL="914400" lvl="1" indent="-514350">
+              <a:buFont typeface="+mj-lt"/>
+              <a:buAutoNum type="romanLcPeriod"/>
+            </a:pPr>
+            <a:r>
+              <a:rPr lang="en-US" dirty="0" smtClean="0"/>
+              <a:t>Defining the problem</a:t>
+            </a:r>
+          </a:p>
+          <a:p>
+            <a:pPr marL="514350" indent="-514350">
+              <a:lnSpc>
+                <a:spcPct val="150000"/>
+              </a:lnSpc>
+              <a:buFont typeface="+mj-lt"/>
+              <a:buAutoNum type="romanUcPeriod"/>
+            </a:pPr>
+            <a:r>
+              <a:rPr lang="en-US" dirty="0" smtClean="0"/>
+              <a:t>Currently available mappers</a:t>
+            </a:r>
+          </a:p>
+          <a:p>
+            <a:pPr marL="914400" lvl="1" indent="-514350">
+              <a:buFont typeface="+mj-lt"/>
+              <a:buAutoNum type="romanLcPeriod"/>
+            </a:pPr>
+            <a:r>
+              <a:rPr lang="en-US" dirty="0" smtClean="0"/>
+              <a:t>BWA, Last, </a:t>
+            </a:r>
+            <a:r>
+              <a:rPr lang="en-US" dirty="0" err="1" smtClean="0"/>
+              <a:t>GraphMap</a:t>
+            </a:r>
+            <a:endParaRPr lang="en-US" dirty="0" smtClean="0"/>
+          </a:p>
+          <a:p>
+            <a:pPr marL="514350" indent="-514350">
+              <a:lnSpc>
+                <a:spcPct val="150000"/>
+              </a:lnSpc>
+              <a:buFont typeface="+mj-lt"/>
+              <a:buAutoNum type="romanUcPeriod"/>
+            </a:pPr>
+            <a:r>
+              <a:rPr lang="en-US" dirty="0" smtClean="0"/>
+              <a:t>Constructing a new mapper</a:t>
+            </a:r>
+          </a:p>
+          <a:p>
+            <a:pPr marL="914400" lvl="1" indent="-514350">
+              <a:buFont typeface="+mj-lt"/>
+              <a:buAutoNum type="romanLcPeriod"/>
+            </a:pPr>
+            <a:r>
+              <a:rPr lang="en-US" dirty="0" smtClean="0"/>
+              <a:t>Seeding</a:t>
+            </a:r>
+          </a:p>
+          <a:p>
+            <a:pPr marL="914400" lvl="1" indent="-514350">
+              <a:buFont typeface="+mj-lt"/>
+              <a:buAutoNum type="romanLcPeriod"/>
+            </a:pPr>
+            <a:r>
+              <a:rPr lang="en-US" dirty="0" smtClean="0"/>
+              <a:t>Chaining</a:t>
+            </a:r>
+          </a:p>
+          <a:p>
+            <a:pPr marL="914400" lvl="1" indent="-514350">
+              <a:buFont typeface="+mj-lt"/>
+              <a:buAutoNum type="romanLcPeriod"/>
+            </a:pPr>
+            <a:r>
+              <a:rPr lang="en-US" dirty="0" smtClean="0"/>
+              <a:t>Pathing</a:t>
+            </a:r>
+          </a:p>
+          <a:p>
+            <a:pPr marL="914400" lvl="1" indent="-514350">
+              <a:buFont typeface="+mj-lt"/>
+              <a:buAutoNum type="romanLcPeriod"/>
+            </a:pPr>
+            <a:r>
+              <a:rPr lang="en-US" dirty="0" smtClean="0"/>
+              <a:t>Aligning</a:t>
+            </a:r>
+            <a:endParaRPr lang="en-US" dirty="0"/>
+          </a:p>
+          <a:p>
+            <a:pPr marL="514350" indent="-514350">
+              <a:lnSpc>
+                <a:spcPct val="150000"/>
+              </a:lnSpc>
+              <a:buFont typeface="+mj-lt"/>
+              <a:buAutoNum type="romanUcPeriod"/>
+            </a:pPr>
+            <a:r>
+              <a:rPr lang="en-US" dirty="0" smtClean="0">
+                <a:solidFill>
+                  <a:schemeClr val="accent3">
+                    <a:lumMod val="65000"/>
+                  </a:schemeClr>
+                </a:solidFill>
+              </a:rPr>
+              <a:t>Results and comparisons</a:t>
+            </a:r>
+          </a:p>
+        </p:txBody>
+      </p:sp>
+      <p:sp>
+        <p:nvSpPr>
+          <p:cNvPr id="4" name="Foliennummernplatzhalter 3"/>
+          <p:cNvSpPr>
+            <a:spLocks noGrp="1"/>
+          </p:cNvSpPr>
+          <p:nvPr>
+            <p:ph type="sldNum" sz="quarter" idx="4"/>
+          </p:nvPr>
+        </p:nvSpPr>
+        <p:spPr/>
+        <p:txBody>
+          <a:bodyPr/>
+          <a:lstStyle/>
+          <a:p>
+            <a:pPr>
+              <a:defRPr/>
+            </a:pPr>
+            <a:fld id="{70BFFA52-4234-45F6-B1A6-074E24FF43A2}" type="slidenum">
+              <a:rPr lang="de-DE" smtClean="0"/>
+              <a:pPr>
+                <a:defRPr/>
+              </a:pPr>
+              <a:t>15</a:t>
+            </a:fld>
+            <a:endParaRPr lang="de-DE" dirty="0"/>
+          </a:p>
+        </p:txBody>
+      </p:sp>
+      <p:sp>
+        <p:nvSpPr>
+          <p:cNvPr id="5" name="Fußzeilenplatzhalter 4"/>
+          <p:cNvSpPr>
+            <a:spLocks noGrp="1"/>
+          </p:cNvSpPr>
+          <p:nvPr>
+            <p:ph type="ftr" sz="quarter" idx="3"/>
+          </p:nvPr>
+        </p:nvSpPr>
+        <p:spPr/>
+        <p:txBody>
+          <a:bodyPr/>
+          <a:lstStyle/>
+          <a:p>
+            <a:r>
+              <a:rPr lang="de-DE" dirty="0"/>
+              <a:t>MGMM </a:t>
+            </a:r>
+            <a:r>
+              <a:rPr lang="mr-IN" dirty="0"/>
+              <a:t>–</a:t>
+            </a:r>
+            <a:r>
+              <a:rPr lang="de-DE" dirty="0"/>
+              <a:t> A </a:t>
+            </a:r>
+            <a:r>
+              <a:rPr lang="de-DE" dirty="0" err="1"/>
+              <a:t>long</a:t>
+            </a:r>
+            <a:r>
+              <a:rPr lang="de-DE" dirty="0"/>
+              <a:t> </a:t>
+            </a:r>
+            <a:r>
+              <a:rPr lang="de-DE" dirty="0" err="1"/>
+              <a:t>read</a:t>
+            </a:r>
+            <a:r>
+              <a:rPr lang="de-DE" dirty="0"/>
+              <a:t> Mapper</a:t>
+            </a:r>
+          </a:p>
+        </p:txBody>
+      </p:sp>
+      <p:pic>
+        <p:nvPicPr>
+          <p:cNvPr id="7" name="Bild 6"/>
+          <p:cNvPicPr>
+            <a:picLocks noChangeAspect="1"/>
+          </p:cNvPicPr>
+          <p:nvPr/>
+        </p:nvPicPr>
+        <p:blipFill>
+          <a:blip r:embed="rId3">
+            <a:extLst>
+              <a:ext uri="{28A0092B-C50C-407E-A947-70E740481C1C}">
+                <a14:useLocalDpi xmlns:a14="http://schemas.microsoft.com/office/drawing/2010/main" val="0"/>
+              </a:ext>
+            </a:extLst>
+          </a:blip>
+          <a:stretch>
+            <a:fillRect/>
+          </a:stretch>
+        </p:blipFill>
+        <p:spPr>
+          <a:xfrm>
+            <a:off x="6120172" y="115323"/>
+            <a:ext cx="2915878" cy="1010780"/>
+          </a:xfrm>
+          <a:prstGeom prst="rect">
+            <a:avLst/>
+          </a:prstGeom>
+        </p:spPr>
+      </p:pic>
+    </p:spTree>
+    <p:extLst>
+      <p:ext uri="{BB962C8B-B14F-4D97-AF65-F5344CB8AC3E}">
+        <p14:creationId xmlns:p14="http://schemas.microsoft.com/office/powerpoint/2010/main" val="1466029206"/>
+      </p:ext>
+    </p:extLst>
+  </p:cSld>
+  <p:clrMapOvr>
+    <a:masterClrMapping/>
+  </p:clrMapOvr>
+  <p:transition spd="med"/>
+  <p:timing>
+    <p:tnLst>
+      <p:par>
+        <p:cTn id="1" dur="indefinite" restart="never" nodeType="tmRoot"/>
+      </p:par>
+    </p:tnLst>
+  </p:timing>
+</p:sld>
+</file>
+
+<file path=ppt/slides/slide16.xml><?xml version="1.0" encoding="utf-8"?>
+<p:sld xmlns:a="http://schemas.openxmlformats.org/drawingml/2006/main" xmlns:r="http://schemas.openxmlformats.org/officeDocument/2006/relationships" xmlns:p="http://schemas.openxmlformats.org/presentationml/2006/main">
+  <p:cSld>
+    <p:spTree>
+      <p:nvGrpSpPr>
+        <p:cNvPr id="1" name=""/>
+        <p:cNvGrpSpPr/>
+        <p:nvPr/>
+      </p:nvGrpSpPr>
+      <p:grpSpPr>
+        <a:xfrm>
+          <a:off x="0" y="0"/>
+          <a:ext cx="0" cy="0"/>
+          <a:chOff x="0" y="0"/>
+          <a:chExt cx="0" cy="0"/>
+        </a:xfrm>
+      </p:grpSpPr>
+      <p:sp>
+        <p:nvSpPr>
+          <p:cNvPr id="2" name="Titel 1"/>
+          <p:cNvSpPr>
+            <a:spLocks noGrp="1"/>
+          </p:cNvSpPr>
+          <p:nvPr>
+            <p:ph type="title"/>
+          </p:nvPr>
+        </p:nvSpPr>
+        <p:spPr/>
+        <p:txBody>
+          <a:bodyPr/>
+          <a:lstStyle/>
+          <a:p>
+            <a:r>
+              <a:rPr lang="en-US" dirty="0" smtClean="0"/>
+              <a:t>Constructing </a:t>
+            </a:r>
+            <a:r>
+              <a:rPr lang="mr-IN" dirty="0" smtClean="0"/>
+              <a:t>–</a:t>
+            </a:r>
+            <a:r>
+              <a:rPr lang="en-US" dirty="0" smtClean="0"/>
+              <a:t> Seeding [Jonas]</a:t>
+            </a:r>
+            <a:endParaRPr lang="en-US" dirty="0"/>
+          </a:p>
+        </p:txBody>
+      </p:sp>
+      <p:sp>
+        <p:nvSpPr>
+          <p:cNvPr id="3" name="Inhaltsplatzhalter 2"/>
+          <p:cNvSpPr>
+            <a:spLocks noGrp="1"/>
+          </p:cNvSpPr>
+          <p:nvPr>
+            <p:ph idx="1"/>
+          </p:nvPr>
+        </p:nvSpPr>
+        <p:spPr/>
+        <p:txBody>
+          <a:bodyPr/>
+          <a:lstStyle/>
+          <a:p>
+            <a:pPr marR="0" lvl="0" defTabSz="914400" eaLnBrk="1" fontAlgn="auto" latinLnBrk="0" hangingPunct="1">
+              <a:lnSpc>
+                <a:spcPct val="100000"/>
+              </a:lnSpc>
+              <a:spcBef>
+                <a:spcPts val="0"/>
+              </a:spcBef>
+              <a:spcAft>
+                <a:spcPts val="0"/>
+              </a:spcAft>
+              <a:buClrTx/>
+              <a:buSzTx/>
+              <a:buFontTx/>
+              <a:buChar char="-"/>
+              <a:tabLst/>
+              <a:defRPr/>
+            </a:pPr>
+            <a:r>
+              <a:rPr lang="en-US" dirty="0" smtClean="0"/>
+              <a:t>Seeding</a:t>
+            </a:r>
+          </a:p>
+          <a:p>
+            <a:pPr lvl="1" eaLnBrk="1" fontAlgn="auto" hangingPunct="1">
+              <a:spcAft>
+                <a:spcPts val="0"/>
+              </a:spcAft>
+              <a:buFontTx/>
+              <a:buChar char="-"/>
+            </a:pPr>
+            <a:r>
+              <a:rPr lang="en-US" dirty="0" smtClean="0"/>
+              <a:t>Theory</a:t>
+            </a:r>
+          </a:p>
+          <a:p>
+            <a:pPr lvl="2" eaLnBrk="1" fontAlgn="auto" hangingPunct="1">
+              <a:spcAft>
+                <a:spcPts val="0"/>
+              </a:spcAft>
+              <a:buFontTx/>
+              <a:buChar char="-"/>
+            </a:pPr>
+            <a:r>
+              <a:rPr lang="en-US" dirty="0" smtClean="0"/>
+              <a:t>Reads are too long to be aligned in one run</a:t>
+            </a:r>
+          </a:p>
+          <a:p>
+            <a:pPr lvl="2" eaLnBrk="1" fontAlgn="auto" hangingPunct="1">
+              <a:spcAft>
+                <a:spcPts val="0"/>
+              </a:spcAft>
+              <a:buFontTx/>
+              <a:buChar char="-"/>
+            </a:pPr>
+            <a:r>
+              <a:rPr lang="en-US" dirty="0" smtClean="0"/>
+              <a:t>Splitting into many small seeds</a:t>
+            </a:r>
+          </a:p>
+          <a:p>
+            <a:pPr lvl="2" eaLnBrk="1" fontAlgn="auto" hangingPunct="1">
+              <a:spcAft>
+                <a:spcPts val="0"/>
+              </a:spcAft>
+              <a:buFontTx/>
+              <a:buChar char="-"/>
+            </a:pPr>
+            <a:r>
+              <a:rPr lang="en-US" dirty="0" smtClean="0"/>
+              <a:t>Mapping of seeds with close to no mismatches</a:t>
+            </a:r>
+          </a:p>
+          <a:p>
+            <a:pPr lvl="1" eaLnBrk="1" fontAlgn="auto" hangingPunct="1">
+              <a:spcAft>
+                <a:spcPts val="0"/>
+              </a:spcAft>
+              <a:buFontTx/>
+              <a:buChar char="-"/>
+            </a:pPr>
+            <a:r>
+              <a:rPr lang="en-US" dirty="0" smtClean="0"/>
+              <a:t>Implementation</a:t>
+            </a:r>
+          </a:p>
+          <a:p>
+            <a:pPr lvl="2" eaLnBrk="1" fontAlgn="auto" hangingPunct="1">
+              <a:spcAft>
+                <a:spcPts val="0"/>
+              </a:spcAft>
+              <a:buFontTx/>
+              <a:buChar char="-"/>
+            </a:pPr>
+            <a:r>
+              <a:rPr lang="en-US" dirty="0" smtClean="0"/>
+              <a:t>Seed of length (35 </a:t>
+            </a:r>
+            <a:r>
+              <a:rPr lang="en-US" dirty="0" err="1" smtClean="0"/>
+              <a:t>bp</a:t>
+            </a:r>
+            <a:r>
+              <a:rPr lang="en-US" dirty="0" smtClean="0"/>
+              <a:t>)</a:t>
+            </a:r>
+          </a:p>
+          <a:p>
+            <a:pPr lvl="2" eaLnBrk="1" fontAlgn="auto" hangingPunct="1">
+              <a:spcAft>
+                <a:spcPts val="0"/>
+              </a:spcAft>
+              <a:buFontTx/>
+              <a:buChar char="-"/>
+            </a:pPr>
+            <a:r>
+              <a:rPr lang="en-US" dirty="0" smtClean="0"/>
+              <a:t>MM max 1</a:t>
+            </a:r>
+          </a:p>
+          <a:p>
+            <a:pPr lvl="2" eaLnBrk="1" fontAlgn="auto" hangingPunct="1">
+              <a:spcAft>
+                <a:spcPts val="0"/>
+              </a:spcAft>
+              <a:buFontTx/>
+              <a:buChar char="-"/>
+            </a:pPr>
+            <a:r>
+              <a:rPr lang="en-US" dirty="0" smtClean="0"/>
+              <a:t>Mapping with Bowtie (End to End MM = 1)</a:t>
+            </a:r>
+          </a:p>
+          <a:p>
+            <a:pPr lvl="2" eaLnBrk="1" fontAlgn="auto" hangingPunct="1">
+              <a:spcAft>
+                <a:spcPts val="0"/>
+              </a:spcAft>
+              <a:buFontTx/>
+              <a:buChar char="-"/>
+            </a:pPr>
+            <a:r>
+              <a:rPr lang="en-US" dirty="0" smtClean="0"/>
+              <a:t>[PLOTS] Fancy plot with seed lengths</a:t>
+            </a:r>
+            <a:endParaRPr lang="en-US" dirty="0"/>
+          </a:p>
+        </p:txBody>
+      </p:sp>
+      <p:sp>
+        <p:nvSpPr>
+          <p:cNvPr id="4" name="Foliennummernplatzhalter 3"/>
+          <p:cNvSpPr>
+            <a:spLocks noGrp="1"/>
+          </p:cNvSpPr>
+          <p:nvPr>
+            <p:ph type="sldNum" sz="quarter" idx="4"/>
+          </p:nvPr>
+        </p:nvSpPr>
+        <p:spPr/>
+        <p:txBody>
+          <a:bodyPr/>
+          <a:lstStyle/>
+          <a:p>
+            <a:pPr>
+              <a:defRPr/>
+            </a:pPr>
+            <a:fld id="{70BFFA52-4234-45F6-B1A6-074E24FF43A2}" type="slidenum">
+              <a:rPr lang="de-DE" smtClean="0"/>
+              <a:pPr>
+                <a:defRPr/>
+              </a:pPr>
+              <a:t>16</a:t>
+            </a:fld>
+            <a:endParaRPr lang="de-DE" dirty="0"/>
+          </a:p>
+        </p:txBody>
+      </p:sp>
+      <p:sp>
+        <p:nvSpPr>
+          <p:cNvPr id="5" name="Fußzeilenplatzhalter 4"/>
+          <p:cNvSpPr>
+            <a:spLocks noGrp="1"/>
+          </p:cNvSpPr>
+          <p:nvPr>
+            <p:ph type="ftr" sz="quarter" idx="3"/>
+          </p:nvPr>
+        </p:nvSpPr>
+        <p:spPr/>
+        <p:txBody>
+          <a:bodyPr/>
+          <a:lstStyle/>
+          <a:p>
+            <a:r>
+              <a:rPr lang="de-DE" dirty="0"/>
+              <a:t>MGMM </a:t>
+            </a:r>
+            <a:r>
+              <a:rPr lang="mr-IN" dirty="0"/>
+              <a:t>–</a:t>
+            </a:r>
+            <a:r>
+              <a:rPr lang="de-DE" dirty="0"/>
+              <a:t> A </a:t>
+            </a:r>
+            <a:r>
+              <a:rPr lang="de-DE" dirty="0" err="1"/>
+              <a:t>long</a:t>
+            </a:r>
+            <a:r>
+              <a:rPr lang="de-DE" dirty="0"/>
+              <a:t> </a:t>
+            </a:r>
+            <a:r>
+              <a:rPr lang="de-DE" dirty="0" err="1"/>
+              <a:t>read</a:t>
+            </a:r>
+            <a:r>
+              <a:rPr lang="de-DE" dirty="0"/>
+              <a:t> Mapper</a:t>
+            </a:r>
+          </a:p>
+        </p:txBody>
+      </p:sp>
+      <p:pic>
+        <p:nvPicPr>
+          <p:cNvPr id="7" name="Bild 6"/>
+          <p:cNvPicPr>
+            <a:picLocks noChangeAspect="1"/>
+          </p:cNvPicPr>
+          <p:nvPr/>
+        </p:nvPicPr>
+        <p:blipFill>
+          <a:blip r:embed="rId3">
+            <a:extLst>
+              <a:ext uri="{28A0092B-C50C-407E-A947-70E740481C1C}">
+                <a14:useLocalDpi xmlns:a14="http://schemas.microsoft.com/office/drawing/2010/main" val="0"/>
+              </a:ext>
+            </a:extLst>
+          </a:blip>
+          <a:stretch>
+            <a:fillRect/>
+          </a:stretch>
+        </p:blipFill>
+        <p:spPr>
+          <a:xfrm>
+            <a:off x="6120172" y="75190"/>
+            <a:ext cx="2915878" cy="1010780"/>
+          </a:xfrm>
+          <a:prstGeom prst="rect">
+            <a:avLst/>
+          </a:prstGeom>
+        </p:spPr>
+      </p:pic>
+    </p:spTree>
+    <p:extLst>
+      <p:ext uri="{BB962C8B-B14F-4D97-AF65-F5344CB8AC3E}">
+        <p14:creationId xmlns:p14="http://schemas.microsoft.com/office/powerpoint/2010/main" val="470761010"/>
+      </p:ext>
+    </p:extLst>
+  </p:cSld>
+  <p:clrMapOvr>
+    <a:masterClrMapping/>
+  </p:clrMapOvr>
+  <p:transition spd="med"/>
+  <p:timing>
+    <p:tnLst>
+      <p:par>
+        <p:cTn id="1" dur="indefinite" restart="never" nodeType="tmRoot"/>
+      </p:par>
+    </p:tnLst>
+  </p:timing>
+</p:sld>
+</file>
+
+<file path=ppt/slides/slide17.xml><?xml version="1.0" encoding="utf-8"?>
+<p:sld xmlns:a="http://schemas.openxmlformats.org/drawingml/2006/main" xmlns:r="http://schemas.openxmlformats.org/officeDocument/2006/relationships" xmlns:p="http://schemas.openxmlformats.org/presentationml/2006/main">
+  <p:cSld>
+    <p:spTree>
+      <p:nvGrpSpPr>
+        <p:cNvPr id="1" name=""/>
+        <p:cNvGrpSpPr/>
+        <p:nvPr/>
+      </p:nvGrpSpPr>
+      <p:grpSpPr>
+        <a:xfrm>
+          <a:off x="0" y="0"/>
+          <a:ext cx="0" cy="0"/>
+          <a:chOff x="0" y="0"/>
+          <a:chExt cx="0" cy="0"/>
+        </a:xfrm>
+      </p:grpSpPr>
+      <p:sp>
+        <p:nvSpPr>
+          <p:cNvPr id="2" name="Titel 1"/>
+          <p:cNvSpPr>
+            <a:spLocks noGrp="1"/>
+          </p:cNvSpPr>
+          <p:nvPr>
+            <p:ph type="title"/>
+          </p:nvPr>
+        </p:nvSpPr>
+        <p:spPr/>
+        <p:txBody>
+          <a:bodyPr/>
+          <a:lstStyle/>
+          <a:p>
+            <a:r>
+              <a:rPr lang="en-US" dirty="0" smtClean="0"/>
+              <a:t>Constructing </a:t>
+            </a:r>
+            <a:r>
+              <a:rPr lang="mr-IN" dirty="0" smtClean="0"/>
+              <a:t>–</a:t>
+            </a:r>
+            <a:r>
+              <a:rPr lang="en-US" dirty="0" smtClean="0"/>
+              <a:t> Chaining [Jonas]</a:t>
+            </a:r>
+            <a:endParaRPr lang="en-US" dirty="0"/>
+          </a:p>
+        </p:txBody>
+      </p:sp>
+      <p:sp>
+        <p:nvSpPr>
+          <p:cNvPr id="3" name="Inhaltsplatzhalter 2"/>
+          <p:cNvSpPr>
+            <a:spLocks noGrp="1"/>
+          </p:cNvSpPr>
+          <p:nvPr>
+            <p:ph idx="1"/>
+          </p:nvPr>
+        </p:nvSpPr>
+        <p:spPr/>
+        <p:txBody>
+          <a:bodyPr/>
+          <a:lstStyle/>
+          <a:p>
+            <a:pPr marR="0" lvl="0" defTabSz="914400" eaLnBrk="1" fontAlgn="auto" latinLnBrk="0" hangingPunct="1">
+              <a:lnSpc>
+                <a:spcPct val="100000"/>
+              </a:lnSpc>
+              <a:spcBef>
+                <a:spcPts val="0"/>
+              </a:spcBef>
+              <a:spcAft>
+                <a:spcPts val="0"/>
+              </a:spcAft>
+              <a:buClrTx/>
+              <a:buSzTx/>
+              <a:buFontTx/>
+              <a:buChar char="-"/>
+              <a:tabLst/>
+              <a:defRPr/>
+            </a:pPr>
+            <a:r>
+              <a:rPr lang="en-US" dirty="0" smtClean="0"/>
+              <a:t>Chaining</a:t>
+            </a:r>
+          </a:p>
+          <a:p>
+            <a:pPr lvl="1" eaLnBrk="1" fontAlgn="auto" hangingPunct="1">
+              <a:spcAft>
+                <a:spcPts val="0"/>
+              </a:spcAft>
+              <a:buFontTx/>
+              <a:buChar char="-"/>
+            </a:pPr>
+            <a:r>
+              <a:rPr lang="en-US" dirty="0" smtClean="0"/>
+              <a:t>Theory</a:t>
+            </a:r>
+          </a:p>
+          <a:p>
+            <a:pPr lvl="2" eaLnBrk="1" fontAlgn="auto" hangingPunct="1">
+              <a:spcAft>
+                <a:spcPts val="0"/>
+              </a:spcAft>
+              <a:buFontTx/>
+              <a:buChar char="-"/>
+            </a:pPr>
+            <a:r>
+              <a:rPr lang="en-US" dirty="0" smtClean="0"/>
+              <a:t>Mapping of single seeds don</a:t>
+            </a:r>
+            <a:r>
+              <a:rPr lang="mr-IN" dirty="0" smtClean="0"/>
+              <a:t>’</a:t>
+            </a:r>
+            <a:r>
+              <a:rPr lang="en-US" dirty="0" smtClean="0"/>
+              <a:t>t have much meaning (random)</a:t>
+            </a:r>
+          </a:p>
+          <a:p>
+            <a:pPr lvl="2" eaLnBrk="1" fontAlgn="auto" hangingPunct="1">
+              <a:spcAft>
+                <a:spcPts val="0"/>
+              </a:spcAft>
+              <a:buFontTx/>
+              <a:buChar char="-"/>
+            </a:pPr>
+            <a:r>
+              <a:rPr lang="en-US" dirty="0" smtClean="0"/>
+              <a:t>Seed-groups indicate mapped regions</a:t>
+            </a:r>
+          </a:p>
+          <a:p>
+            <a:pPr lvl="2" eaLnBrk="1" fontAlgn="auto" hangingPunct="1">
+              <a:spcAft>
+                <a:spcPts val="0"/>
+              </a:spcAft>
+              <a:buFontTx/>
+              <a:buChar char="-"/>
+            </a:pPr>
+            <a:r>
+              <a:rPr lang="en-US" dirty="0"/>
+              <a:t>Filtering of </a:t>
+            </a:r>
+            <a:r>
+              <a:rPr lang="en-US" dirty="0" smtClean="0"/>
+              <a:t>misplaced seeds </a:t>
+            </a:r>
+          </a:p>
+          <a:p>
+            <a:pPr lvl="1" eaLnBrk="1" fontAlgn="auto" hangingPunct="1">
+              <a:spcAft>
+                <a:spcPts val="0"/>
+              </a:spcAft>
+              <a:buFontTx/>
+              <a:buChar char="-"/>
+            </a:pPr>
+            <a:r>
+              <a:rPr lang="en-US" dirty="0" smtClean="0"/>
+              <a:t>Implementation</a:t>
+            </a:r>
+          </a:p>
+          <a:p>
+            <a:pPr lvl="2" eaLnBrk="1" fontAlgn="auto" hangingPunct="1">
+              <a:spcAft>
+                <a:spcPts val="0"/>
+              </a:spcAft>
+              <a:buFontTx/>
+              <a:buChar char="-"/>
+            </a:pPr>
+            <a:r>
+              <a:rPr lang="en-US" dirty="0" smtClean="0"/>
+              <a:t>Detection of overlapping seeds</a:t>
+            </a:r>
+          </a:p>
+          <a:p>
+            <a:pPr lvl="2" eaLnBrk="1" fontAlgn="auto" hangingPunct="1">
+              <a:spcAft>
+                <a:spcPts val="0"/>
+              </a:spcAft>
+              <a:buFontTx/>
+              <a:buChar char="-"/>
+            </a:pPr>
+            <a:r>
+              <a:rPr lang="en-US" dirty="0" smtClean="0"/>
+              <a:t>Stitching to larger seed-chains</a:t>
+            </a:r>
+          </a:p>
+          <a:p>
+            <a:pPr lvl="2" eaLnBrk="1" fontAlgn="auto" hangingPunct="1">
+              <a:spcAft>
+                <a:spcPts val="0"/>
+              </a:spcAft>
+              <a:buFontTx/>
+              <a:buChar char="-"/>
+            </a:pPr>
+            <a:r>
+              <a:rPr lang="en-US" dirty="0" smtClean="0"/>
+              <a:t>Grouping of seeds with fitting transcriptomic and genomic coordinates</a:t>
+            </a:r>
+          </a:p>
+          <a:p>
+            <a:pPr lvl="2" eaLnBrk="1" fontAlgn="auto" hangingPunct="1">
+              <a:spcAft>
+                <a:spcPts val="0"/>
+              </a:spcAft>
+              <a:buFontTx/>
+              <a:buChar char="-"/>
+            </a:pPr>
+            <a:r>
+              <a:rPr lang="en-US" dirty="0" smtClean="0"/>
+              <a:t>[PLOTS] Length of seed-chains </a:t>
+            </a:r>
+          </a:p>
+          <a:p>
+            <a:pPr lvl="2" eaLnBrk="1" fontAlgn="auto" hangingPunct="1">
+              <a:spcAft>
+                <a:spcPts val="0"/>
+              </a:spcAft>
+              <a:buFontTx/>
+              <a:buChar char="-"/>
+            </a:pPr>
+            <a:endParaRPr lang="en-US" dirty="0" smtClean="0"/>
+          </a:p>
+        </p:txBody>
+      </p:sp>
+      <p:sp>
+        <p:nvSpPr>
+          <p:cNvPr id="4" name="Foliennummernplatzhalter 3"/>
+          <p:cNvSpPr>
+            <a:spLocks noGrp="1"/>
+          </p:cNvSpPr>
+          <p:nvPr>
+            <p:ph type="sldNum" sz="quarter" idx="4"/>
+          </p:nvPr>
+        </p:nvSpPr>
+        <p:spPr/>
+        <p:txBody>
+          <a:bodyPr/>
+          <a:lstStyle/>
+          <a:p>
+            <a:pPr>
+              <a:defRPr/>
+            </a:pPr>
+            <a:fld id="{70BFFA52-4234-45F6-B1A6-074E24FF43A2}" type="slidenum">
+              <a:rPr lang="de-DE" smtClean="0"/>
+              <a:pPr>
+                <a:defRPr/>
+              </a:pPr>
+              <a:t>17</a:t>
+            </a:fld>
+            <a:endParaRPr lang="de-DE" dirty="0"/>
+          </a:p>
+        </p:txBody>
+      </p:sp>
+      <p:sp>
+        <p:nvSpPr>
+          <p:cNvPr id="5" name="Fußzeilenplatzhalter 4"/>
+          <p:cNvSpPr>
+            <a:spLocks noGrp="1"/>
+          </p:cNvSpPr>
+          <p:nvPr>
+            <p:ph type="ftr" sz="quarter" idx="3"/>
+          </p:nvPr>
+        </p:nvSpPr>
+        <p:spPr/>
+        <p:txBody>
+          <a:bodyPr/>
+          <a:lstStyle/>
+          <a:p>
+            <a:r>
+              <a:rPr lang="de-DE" dirty="0"/>
+              <a:t>MGMM </a:t>
+            </a:r>
+            <a:r>
+              <a:rPr lang="mr-IN" dirty="0"/>
+              <a:t>–</a:t>
+            </a:r>
+            <a:r>
+              <a:rPr lang="de-DE" dirty="0"/>
+              <a:t> A </a:t>
+            </a:r>
+            <a:r>
+              <a:rPr lang="de-DE" dirty="0" err="1"/>
+              <a:t>long</a:t>
+            </a:r>
+            <a:r>
+              <a:rPr lang="de-DE" dirty="0"/>
+              <a:t> </a:t>
+            </a:r>
+            <a:r>
+              <a:rPr lang="de-DE" dirty="0" err="1"/>
+              <a:t>read</a:t>
+            </a:r>
+            <a:r>
+              <a:rPr lang="de-DE" dirty="0"/>
+              <a:t> Mapper</a:t>
+            </a:r>
+          </a:p>
+        </p:txBody>
+      </p:sp>
+      <p:pic>
+        <p:nvPicPr>
+          <p:cNvPr id="7" name="Bild 6"/>
+          <p:cNvPicPr>
+            <a:picLocks noChangeAspect="1"/>
+          </p:cNvPicPr>
+          <p:nvPr/>
+        </p:nvPicPr>
+        <p:blipFill>
+          <a:blip r:embed="rId3">
+            <a:extLst>
+              <a:ext uri="{28A0092B-C50C-407E-A947-70E740481C1C}">
+                <a14:useLocalDpi xmlns:a14="http://schemas.microsoft.com/office/drawing/2010/main" val="0"/>
+              </a:ext>
+            </a:extLst>
+          </a:blip>
+          <a:stretch>
+            <a:fillRect/>
+          </a:stretch>
+        </p:blipFill>
+        <p:spPr>
+          <a:xfrm>
+            <a:off x="6120172" y="75190"/>
+            <a:ext cx="2915878" cy="1010780"/>
+          </a:xfrm>
+          <a:prstGeom prst="rect">
+            <a:avLst/>
+          </a:prstGeom>
+        </p:spPr>
+      </p:pic>
+    </p:spTree>
+    <p:extLst>
+      <p:ext uri="{BB962C8B-B14F-4D97-AF65-F5344CB8AC3E}">
+        <p14:creationId xmlns:p14="http://schemas.microsoft.com/office/powerpoint/2010/main" val="2139537077"/>
+      </p:ext>
+    </p:extLst>
+  </p:cSld>
+  <p:clrMapOvr>
+    <a:masterClrMapping/>
+  </p:clrMapOvr>
+  <p:transition spd="med"/>
+  <p:timing>
+    <p:tnLst>
+      <p:par>
+        <p:cTn id="1" dur="indefinite" restart="never" nodeType="tmRoot"/>
+      </p:par>
+    </p:tnLst>
+  </p:timing>
+</p:sld>
+</file>
+
+<file path=ppt/slides/slide18.xml><?xml version="1.0" encoding="utf-8"?>
+<p:sld xmlns:a="http://schemas.openxmlformats.org/drawingml/2006/main" xmlns:r="http://schemas.openxmlformats.org/officeDocument/2006/relationships" xmlns:p="http://schemas.openxmlformats.org/presentationml/2006/main">
+  <p:cSld>
+    <p:spTree>
+      <p:nvGrpSpPr>
+        <p:cNvPr id="1" name=""/>
+        <p:cNvGrpSpPr/>
+        <p:nvPr/>
+      </p:nvGrpSpPr>
+      <p:grpSpPr>
+        <a:xfrm>
+          <a:off x="0" y="0"/>
+          <a:ext cx="0" cy="0"/>
+          <a:chOff x="0" y="0"/>
+          <a:chExt cx="0" cy="0"/>
+        </a:xfrm>
+      </p:grpSpPr>
+      <p:sp>
+        <p:nvSpPr>
+          <p:cNvPr id="2" name="Titel 1"/>
+          <p:cNvSpPr>
+            <a:spLocks noGrp="1"/>
+          </p:cNvSpPr>
+          <p:nvPr>
+            <p:ph type="title"/>
+          </p:nvPr>
+        </p:nvSpPr>
+        <p:spPr/>
+        <p:txBody>
+          <a:bodyPr/>
+          <a:lstStyle/>
+          <a:p>
+            <a:r>
+              <a:rPr lang="en-US" dirty="0" smtClean="0"/>
+              <a:t>Constructing </a:t>
+            </a:r>
+            <a:r>
+              <a:rPr lang="mr-IN" dirty="0" smtClean="0"/>
+              <a:t>–</a:t>
+            </a:r>
+            <a:r>
+              <a:rPr lang="en-US" dirty="0" smtClean="0"/>
+              <a:t> Pathing [Flo]</a:t>
+            </a:r>
+            <a:endParaRPr lang="en-US" dirty="0"/>
+          </a:p>
+        </p:txBody>
+      </p:sp>
+      <p:sp>
+        <p:nvSpPr>
+          <p:cNvPr id="3" name="Inhaltsplatzhalter 2"/>
+          <p:cNvSpPr>
+            <a:spLocks noGrp="1"/>
+          </p:cNvSpPr>
+          <p:nvPr>
+            <p:ph idx="1"/>
+          </p:nvPr>
+        </p:nvSpPr>
+        <p:spPr/>
+        <p:txBody>
+          <a:bodyPr/>
+          <a:lstStyle/>
+          <a:p>
+            <a:pPr marR="0" lvl="0" defTabSz="914400" eaLnBrk="1" fontAlgn="auto" latinLnBrk="0" hangingPunct="1">
+              <a:lnSpc>
+                <a:spcPct val="100000"/>
+              </a:lnSpc>
+              <a:spcBef>
+                <a:spcPts val="0"/>
+              </a:spcBef>
+              <a:spcAft>
+                <a:spcPts val="0"/>
+              </a:spcAft>
+              <a:buClrTx/>
+              <a:buSzTx/>
+              <a:buFontTx/>
+              <a:buChar char="-"/>
+              <a:tabLst/>
+              <a:defRPr/>
+            </a:pPr>
+            <a:r>
+              <a:rPr lang="en-US" dirty="0" smtClean="0"/>
+              <a:t>Pathing</a:t>
+            </a:r>
+          </a:p>
+          <a:p>
+            <a:pPr lvl="1" eaLnBrk="1" fontAlgn="auto" hangingPunct="1">
+              <a:spcAft>
+                <a:spcPts val="0"/>
+              </a:spcAft>
+              <a:buFontTx/>
+              <a:buChar char="-"/>
+            </a:pPr>
+            <a:r>
+              <a:rPr lang="en-US" dirty="0" smtClean="0"/>
+              <a:t>Theory</a:t>
+            </a:r>
+          </a:p>
+          <a:p>
+            <a:pPr lvl="2" eaLnBrk="1" fontAlgn="auto" hangingPunct="1">
+              <a:spcAft>
+                <a:spcPts val="0"/>
+              </a:spcAft>
+              <a:buFontTx/>
+              <a:buChar char="-"/>
+            </a:pPr>
+            <a:r>
+              <a:rPr lang="de-DE" dirty="0" err="1" smtClean="0"/>
+              <a:t>Alignments</a:t>
+            </a:r>
+            <a:r>
+              <a:rPr lang="de-DE" dirty="0" smtClean="0"/>
+              <a:t> </a:t>
+            </a:r>
+            <a:r>
+              <a:rPr lang="de-DE" dirty="0" err="1" smtClean="0"/>
+              <a:t>between</a:t>
+            </a:r>
+            <a:r>
+              <a:rPr lang="de-DE" dirty="0" smtClean="0"/>
+              <a:t> </a:t>
+            </a:r>
+            <a:r>
+              <a:rPr lang="de-DE" dirty="0" err="1" smtClean="0"/>
+              <a:t>seeds</a:t>
+            </a:r>
+            <a:r>
+              <a:rPr lang="de-DE" dirty="0" smtClean="0"/>
+              <a:t> </a:t>
+            </a:r>
+            <a:r>
+              <a:rPr lang="de-DE" dirty="0" err="1" smtClean="0"/>
+              <a:t>are</a:t>
+            </a:r>
+            <a:r>
+              <a:rPr lang="de-DE" dirty="0" smtClean="0"/>
+              <a:t> still </a:t>
+            </a:r>
+            <a:r>
+              <a:rPr lang="de-DE" dirty="0" err="1" smtClean="0"/>
+              <a:t>too</a:t>
+            </a:r>
+            <a:r>
+              <a:rPr lang="de-DE" dirty="0" smtClean="0"/>
+              <a:t> large -&gt; </a:t>
+            </a:r>
+            <a:r>
+              <a:rPr lang="de-DE" dirty="0" err="1" smtClean="0"/>
+              <a:t>need</a:t>
+            </a:r>
+            <a:r>
+              <a:rPr lang="de-DE" dirty="0" smtClean="0"/>
+              <a:t> </a:t>
+            </a:r>
+            <a:r>
+              <a:rPr lang="de-DE" dirty="0" err="1" smtClean="0"/>
+              <a:t>to</a:t>
+            </a:r>
+            <a:r>
+              <a:rPr lang="de-DE" dirty="0" smtClean="0"/>
+              <a:t> </a:t>
+            </a:r>
+            <a:r>
+              <a:rPr lang="de-DE" dirty="0" err="1" smtClean="0"/>
+              <a:t>reduce</a:t>
+            </a:r>
+            <a:r>
+              <a:rPr lang="de-DE" dirty="0" smtClean="0"/>
+              <a:t> </a:t>
+            </a:r>
+            <a:r>
+              <a:rPr lang="de-DE" dirty="0" err="1" smtClean="0"/>
+              <a:t>alignment</a:t>
+            </a:r>
+            <a:r>
+              <a:rPr lang="de-DE" dirty="0" smtClean="0"/>
+              <a:t> </a:t>
+            </a:r>
+            <a:r>
+              <a:rPr lang="de-DE" dirty="0" err="1" smtClean="0"/>
+              <a:t>size</a:t>
+            </a:r>
+            <a:endParaRPr lang="en-US" dirty="0" smtClean="0"/>
+          </a:p>
+          <a:p>
+            <a:pPr lvl="2" eaLnBrk="1" fontAlgn="auto" hangingPunct="1">
+              <a:spcAft>
+                <a:spcPts val="0"/>
+              </a:spcAft>
+              <a:buFontTx/>
+              <a:buChar char="-"/>
+            </a:pPr>
+            <a:r>
+              <a:rPr lang="en-US" dirty="0" smtClean="0"/>
+              <a:t>Difference between transcriptomic and genomic length = sum of introns -&gt; find intron combinations filling this gap</a:t>
+            </a:r>
+          </a:p>
+          <a:p>
+            <a:pPr lvl="1" eaLnBrk="1" fontAlgn="auto" hangingPunct="1">
+              <a:spcAft>
+                <a:spcPts val="0"/>
+              </a:spcAft>
+              <a:buFontTx/>
+              <a:buChar char="-"/>
+            </a:pPr>
+            <a:r>
+              <a:rPr lang="en-US" dirty="0" smtClean="0"/>
+              <a:t>Implementation</a:t>
+            </a:r>
+          </a:p>
+          <a:p>
+            <a:pPr lvl="2" eaLnBrk="1" fontAlgn="auto" hangingPunct="1">
+              <a:spcAft>
+                <a:spcPts val="0"/>
+              </a:spcAft>
+              <a:buFontTx/>
+              <a:buChar char="-"/>
+            </a:pPr>
+            <a:r>
+              <a:rPr lang="en-US" dirty="0" smtClean="0"/>
+              <a:t>Pathing creates all exon / intron combinations in area between seeds fitting into the gaps with a tolerance of </a:t>
+            </a:r>
+            <a:r>
+              <a:rPr lang="en-US" dirty="0" smtClean="0"/>
+              <a:t>5 </a:t>
+            </a:r>
+            <a:r>
+              <a:rPr lang="en-US" dirty="0" smtClean="0"/>
+              <a:t>percent</a:t>
+            </a:r>
+          </a:p>
+          <a:p>
+            <a:pPr lvl="2" eaLnBrk="1" fontAlgn="auto" hangingPunct="1">
+              <a:spcAft>
+                <a:spcPts val="0"/>
+              </a:spcAft>
+              <a:buFontTx/>
+              <a:buChar char="-"/>
+            </a:pPr>
+            <a:r>
+              <a:rPr lang="en-US" dirty="0" smtClean="0"/>
+              <a:t>[</a:t>
+            </a:r>
+            <a:r>
+              <a:rPr lang="en-US" dirty="0" smtClean="0"/>
+              <a:t>PLOTS] Transcriptomic length of chained reads vs genomic length</a:t>
+            </a:r>
+          </a:p>
+          <a:p>
+            <a:pPr lvl="2" eaLnBrk="1" fontAlgn="auto" hangingPunct="1">
+              <a:spcAft>
+                <a:spcPts val="0"/>
+              </a:spcAft>
+              <a:buFontTx/>
+              <a:buChar char="-"/>
+            </a:pPr>
+            <a:endParaRPr lang="en-US" dirty="0" smtClean="0"/>
+          </a:p>
+        </p:txBody>
+      </p:sp>
+      <p:sp>
+        <p:nvSpPr>
+          <p:cNvPr id="4" name="Foliennummernplatzhalter 3"/>
+          <p:cNvSpPr>
+            <a:spLocks noGrp="1"/>
+          </p:cNvSpPr>
+          <p:nvPr>
+            <p:ph type="sldNum" sz="quarter" idx="4"/>
+          </p:nvPr>
+        </p:nvSpPr>
+        <p:spPr/>
+        <p:txBody>
+          <a:bodyPr/>
+          <a:lstStyle/>
+          <a:p>
+            <a:pPr>
+              <a:defRPr/>
+            </a:pPr>
+            <a:fld id="{70BFFA52-4234-45F6-B1A6-074E24FF43A2}" type="slidenum">
+              <a:rPr lang="de-DE" smtClean="0"/>
+              <a:pPr>
+                <a:defRPr/>
+              </a:pPr>
+              <a:t>18</a:t>
+            </a:fld>
+            <a:endParaRPr lang="de-DE" dirty="0"/>
+          </a:p>
+        </p:txBody>
+      </p:sp>
+      <p:sp>
+        <p:nvSpPr>
+          <p:cNvPr id="5" name="Fußzeilenplatzhalter 4"/>
+          <p:cNvSpPr>
+            <a:spLocks noGrp="1"/>
+          </p:cNvSpPr>
+          <p:nvPr>
+            <p:ph type="ftr" sz="quarter" idx="3"/>
+          </p:nvPr>
+        </p:nvSpPr>
+        <p:spPr/>
+        <p:txBody>
+          <a:bodyPr/>
+          <a:lstStyle/>
+          <a:p>
+            <a:r>
+              <a:rPr lang="de-DE" dirty="0"/>
+              <a:t>MGMM </a:t>
+            </a:r>
+            <a:r>
+              <a:rPr lang="mr-IN" dirty="0"/>
+              <a:t>–</a:t>
+            </a:r>
+            <a:r>
+              <a:rPr lang="de-DE" dirty="0"/>
+              <a:t> A </a:t>
+            </a:r>
+            <a:r>
+              <a:rPr lang="de-DE" dirty="0" err="1"/>
+              <a:t>long</a:t>
+            </a:r>
+            <a:r>
+              <a:rPr lang="de-DE" dirty="0"/>
+              <a:t> </a:t>
+            </a:r>
+            <a:r>
+              <a:rPr lang="de-DE" dirty="0" err="1"/>
+              <a:t>read</a:t>
+            </a:r>
+            <a:r>
+              <a:rPr lang="de-DE" dirty="0"/>
+              <a:t> Mapper</a:t>
+            </a:r>
+          </a:p>
+        </p:txBody>
+      </p:sp>
+      <p:pic>
+        <p:nvPicPr>
+          <p:cNvPr id="7" name="Bild 6"/>
+          <p:cNvPicPr>
+            <a:picLocks noChangeAspect="1"/>
+          </p:cNvPicPr>
+          <p:nvPr/>
+        </p:nvPicPr>
+        <p:blipFill>
+          <a:blip r:embed="rId3">
+            <a:extLst>
+              <a:ext uri="{28A0092B-C50C-407E-A947-70E740481C1C}">
+                <a14:useLocalDpi xmlns:a14="http://schemas.microsoft.com/office/drawing/2010/main" val="0"/>
+              </a:ext>
+            </a:extLst>
+          </a:blip>
+          <a:stretch>
+            <a:fillRect/>
+          </a:stretch>
+        </p:blipFill>
+        <p:spPr>
+          <a:xfrm>
+            <a:off x="6120172" y="75190"/>
+            <a:ext cx="2915878" cy="1010780"/>
+          </a:xfrm>
+          <a:prstGeom prst="rect">
+            <a:avLst/>
+          </a:prstGeom>
+        </p:spPr>
+      </p:pic>
+    </p:spTree>
+    <p:extLst>
+      <p:ext uri="{BB962C8B-B14F-4D97-AF65-F5344CB8AC3E}">
+        <p14:creationId xmlns:p14="http://schemas.microsoft.com/office/powerpoint/2010/main" val="271121580"/>
+      </p:ext>
+    </p:extLst>
+  </p:cSld>
+  <p:clrMapOvr>
+    <a:masterClrMapping/>
+  </p:clrMapOvr>
+  <p:transition spd="med"/>
+  <p:timing>
+    <p:tnLst>
+      <p:par>
+        <p:cTn id="1" dur="indefinite" restart="never" nodeType="tmRoot"/>
+      </p:par>
+    </p:tnLst>
+  </p:timing>
+</p:sld>
+</file>
+
+<file path=ppt/slides/slide19.xml><?xml version="1.0" encoding="utf-8"?>
+<p:sld xmlns:a="http://schemas.openxmlformats.org/drawingml/2006/main" xmlns:r="http://schemas.openxmlformats.org/officeDocument/2006/relationships" xmlns:p="http://schemas.openxmlformats.org/presentationml/2006/main">
+  <p:cSld>
+    <p:spTree>
+      <p:nvGrpSpPr>
+        <p:cNvPr id="1" name=""/>
+        <p:cNvGrpSpPr/>
+        <p:nvPr/>
+      </p:nvGrpSpPr>
+      <p:grpSpPr>
+        <a:xfrm>
+          <a:off x="0" y="0"/>
+          <a:ext cx="0" cy="0"/>
+          <a:chOff x="0" y="0"/>
+          <a:chExt cx="0" cy="0"/>
+        </a:xfrm>
+      </p:grpSpPr>
+      <p:sp>
+        <p:nvSpPr>
+          <p:cNvPr id="2" name="Titel 1"/>
+          <p:cNvSpPr>
+            <a:spLocks noGrp="1"/>
+          </p:cNvSpPr>
+          <p:nvPr>
+            <p:ph type="title"/>
+          </p:nvPr>
+        </p:nvSpPr>
+        <p:spPr/>
+        <p:txBody>
+          <a:bodyPr/>
+          <a:lstStyle/>
+          <a:p>
+            <a:r>
+              <a:rPr lang="en-US" dirty="0" smtClean="0"/>
+              <a:t>Constructing </a:t>
+            </a:r>
+            <a:r>
+              <a:rPr lang="mr-IN" dirty="0" smtClean="0"/>
+              <a:t>–</a:t>
+            </a:r>
+            <a:r>
+              <a:rPr lang="en-US" dirty="0" smtClean="0"/>
+              <a:t> Aligning [Flo]</a:t>
+            </a:r>
+            <a:endParaRPr lang="en-US" dirty="0"/>
+          </a:p>
+        </p:txBody>
+      </p:sp>
+      <p:sp>
+        <p:nvSpPr>
+          <p:cNvPr id="3" name="Inhaltsplatzhalter 2"/>
+          <p:cNvSpPr>
+            <a:spLocks noGrp="1"/>
+          </p:cNvSpPr>
+          <p:nvPr>
+            <p:ph idx="1"/>
+          </p:nvPr>
+        </p:nvSpPr>
+        <p:spPr/>
+        <p:txBody>
+          <a:bodyPr/>
+          <a:lstStyle/>
+          <a:p>
+            <a:pPr marR="0" lvl="0" defTabSz="914400" eaLnBrk="1" fontAlgn="auto" latinLnBrk="0" hangingPunct="1">
+              <a:lnSpc>
+                <a:spcPct val="100000"/>
+              </a:lnSpc>
+              <a:spcBef>
+                <a:spcPts val="0"/>
+              </a:spcBef>
+              <a:spcAft>
+                <a:spcPts val="0"/>
+              </a:spcAft>
+              <a:buClrTx/>
+              <a:buSzTx/>
+              <a:buFontTx/>
+              <a:buChar char="-"/>
+              <a:tabLst/>
+              <a:defRPr/>
+            </a:pPr>
+            <a:r>
+              <a:rPr lang="en-US" dirty="0" smtClean="0"/>
+              <a:t>Aligning</a:t>
+            </a:r>
+          </a:p>
+          <a:p>
+            <a:pPr lvl="1" eaLnBrk="1" fontAlgn="auto" hangingPunct="1">
+              <a:spcAft>
+                <a:spcPts val="0"/>
+              </a:spcAft>
+              <a:buFontTx/>
+              <a:buChar char="-"/>
+            </a:pPr>
+            <a:r>
+              <a:rPr lang="en-US" dirty="0" smtClean="0"/>
+              <a:t>Theory</a:t>
+            </a:r>
+          </a:p>
+          <a:p>
+            <a:pPr lvl="2" eaLnBrk="1" fontAlgn="auto" hangingPunct="1">
+              <a:spcAft>
+                <a:spcPts val="0"/>
+              </a:spcAft>
+              <a:buFontTx/>
+              <a:buChar char="-"/>
+            </a:pPr>
+            <a:r>
+              <a:rPr lang="en-US" dirty="0" smtClean="0"/>
+              <a:t>High mismatch rate / low </a:t>
+            </a:r>
+            <a:r>
+              <a:rPr lang="en-US" dirty="0" err="1" smtClean="0"/>
+              <a:t>inDel</a:t>
+            </a:r>
+            <a:r>
+              <a:rPr lang="en-US" dirty="0" smtClean="0"/>
+              <a:t> rate  </a:t>
+            </a:r>
+          </a:p>
+          <a:p>
+            <a:pPr lvl="2" eaLnBrk="1" fontAlgn="auto" hangingPunct="1">
+              <a:spcAft>
+                <a:spcPts val="0"/>
+              </a:spcAft>
+              <a:buFontTx/>
+              <a:buChar char="-"/>
+            </a:pPr>
+            <a:r>
+              <a:rPr lang="en-US" dirty="0" smtClean="0"/>
+              <a:t>Aligning all possible paths</a:t>
+            </a:r>
+          </a:p>
+          <a:p>
+            <a:pPr lvl="2" eaLnBrk="1" fontAlgn="auto" hangingPunct="1">
+              <a:spcAft>
+                <a:spcPts val="0"/>
+              </a:spcAft>
+              <a:buFontTx/>
+              <a:buChar char="-"/>
+            </a:pPr>
+            <a:r>
+              <a:rPr lang="en-US" dirty="0" smtClean="0"/>
+              <a:t>Picking the best solution for each seed gap</a:t>
+            </a:r>
+          </a:p>
+          <a:p>
+            <a:pPr lvl="2" eaLnBrk="1" fontAlgn="auto" hangingPunct="1">
+              <a:spcAft>
+                <a:spcPts val="0"/>
+              </a:spcAft>
+              <a:buFontTx/>
+              <a:buChar char="-"/>
+            </a:pPr>
+            <a:r>
+              <a:rPr lang="en-US" dirty="0" smtClean="0"/>
+              <a:t>Stitching partial alignments </a:t>
+            </a:r>
+          </a:p>
+          <a:p>
+            <a:pPr lvl="1" eaLnBrk="1" fontAlgn="auto" hangingPunct="1">
+              <a:spcAft>
+                <a:spcPts val="0"/>
+              </a:spcAft>
+              <a:buFontTx/>
+              <a:buChar char="-"/>
+            </a:pPr>
+            <a:r>
+              <a:rPr lang="en-US" dirty="0" smtClean="0"/>
+              <a:t>Implementation</a:t>
+            </a:r>
+          </a:p>
+          <a:p>
+            <a:pPr lvl="2" eaLnBrk="1" fontAlgn="auto" hangingPunct="1">
+              <a:spcAft>
+                <a:spcPts val="0"/>
+              </a:spcAft>
+              <a:buFontTx/>
+              <a:buChar char="-"/>
+            </a:pPr>
+            <a:r>
+              <a:rPr lang="en-US" dirty="0" smtClean="0"/>
+              <a:t>GOTOH approach with optimized parameters</a:t>
+            </a:r>
+          </a:p>
+          <a:p>
+            <a:pPr lvl="2" eaLnBrk="1" fontAlgn="auto" hangingPunct="1">
+              <a:spcAft>
+                <a:spcPts val="0"/>
+              </a:spcAft>
+              <a:buFontTx/>
+              <a:buChar char="-"/>
+            </a:pPr>
+            <a:r>
+              <a:rPr lang="en-US" dirty="0" smtClean="0"/>
+              <a:t>[PLOTS] </a:t>
+            </a:r>
+            <a:r>
+              <a:rPr lang="en-US" dirty="0" err="1" smtClean="0"/>
+              <a:t>Heatmap</a:t>
+            </a:r>
+            <a:r>
+              <a:rPr lang="en-US" dirty="0" smtClean="0"/>
+              <a:t> of parameter tuning</a:t>
+            </a:r>
+          </a:p>
+          <a:p>
+            <a:pPr lvl="2" eaLnBrk="1" fontAlgn="auto" hangingPunct="1">
+              <a:spcAft>
+                <a:spcPts val="0"/>
+              </a:spcAft>
+              <a:buFontTx/>
+              <a:buChar char="-"/>
+            </a:pPr>
+            <a:endParaRPr lang="en-US" dirty="0" smtClean="0"/>
+          </a:p>
+        </p:txBody>
+      </p:sp>
+      <p:sp>
+        <p:nvSpPr>
+          <p:cNvPr id="4" name="Foliennummernplatzhalter 3"/>
+          <p:cNvSpPr>
+            <a:spLocks noGrp="1"/>
+          </p:cNvSpPr>
+          <p:nvPr>
+            <p:ph type="sldNum" sz="quarter" idx="4"/>
+          </p:nvPr>
+        </p:nvSpPr>
+        <p:spPr/>
+        <p:txBody>
+          <a:bodyPr/>
+          <a:lstStyle/>
+          <a:p>
+            <a:pPr>
+              <a:defRPr/>
+            </a:pPr>
+            <a:fld id="{70BFFA52-4234-45F6-B1A6-074E24FF43A2}" type="slidenum">
+              <a:rPr lang="de-DE" smtClean="0"/>
+              <a:pPr>
+                <a:defRPr/>
+              </a:pPr>
+              <a:t>19</a:t>
+            </a:fld>
+            <a:endParaRPr lang="de-DE" dirty="0"/>
+          </a:p>
+        </p:txBody>
+      </p:sp>
+      <p:sp>
+        <p:nvSpPr>
+          <p:cNvPr id="5" name="Fußzeilenplatzhalter 4"/>
+          <p:cNvSpPr>
+            <a:spLocks noGrp="1"/>
+          </p:cNvSpPr>
+          <p:nvPr>
+            <p:ph type="ftr" sz="quarter" idx="3"/>
+          </p:nvPr>
+        </p:nvSpPr>
+        <p:spPr/>
+        <p:txBody>
+          <a:bodyPr/>
+          <a:lstStyle/>
+          <a:p>
+            <a:r>
+              <a:rPr lang="de-DE" dirty="0"/>
+              <a:t>MGMM </a:t>
+            </a:r>
+            <a:r>
+              <a:rPr lang="mr-IN" dirty="0"/>
+              <a:t>–</a:t>
+            </a:r>
+            <a:r>
+              <a:rPr lang="de-DE" dirty="0"/>
+              <a:t> A </a:t>
+            </a:r>
+            <a:r>
+              <a:rPr lang="de-DE" dirty="0" err="1"/>
+              <a:t>long</a:t>
+            </a:r>
+            <a:r>
+              <a:rPr lang="de-DE" dirty="0"/>
+              <a:t> </a:t>
+            </a:r>
+            <a:r>
+              <a:rPr lang="de-DE" dirty="0" err="1"/>
+              <a:t>read</a:t>
+            </a:r>
+            <a:r>
+              <a:rPr lang="de-DE" dirty="0"/>
+              <a:t> Mapper</a:t>
+            </a:r>
+          </a:p>
+        </p:txBody>
+      </p:sp>
+      <p:pic>
+        <p:nvPicPr>
+          <p:cNvPr id="7" name="Bild 6"/>
+          <p:cNvPicPr>
+            <a:picLocks noChangeAspect="1"/>
+          </p:cNvPicPr>
+          <p:nvPr/>
+        </p:nvPicPr>
+        <p:blipFill>
+          <a:blip r:embed="rId3">
+            <a:extLst>
+              <a:ext uri="{28A0092B-C50C-407E-A947-70E740481C1C}">
+                <a14:useLocalDpi xmlns:a14="http://schemas.microsoft.com/office/drawing/2010/main" val="0"/>
+              </a:ext>
+            </a:extLst>
+          </a:blip>
+          <a:stretch>
+            <a:fillRect/>
+          </a:stretch>
+        </p:blipFill>
+        <p:spPr>
+          <a:xfrm>
+            <a:off x="6120172" y="75190"/>
+            <a:ext cx="2915878" cy="1010780"/>
+          </a:xfrm>
+          <a:prstGeom prst="rect">
+            <a:avLst/>
+          </a:prstGeom>
+        </p:spPr>
+      </p:pic>
+    </p:spTree>
+    <p:extLst>
+      <p:ext uri="{BB962C8B-B14F-4D97-AF65-F5344CB8AC3E}">
+        <p14:creationId xmlns:p14="http://schemas.microsoft.com/office/powerpoint/2010/main" val="913813503"/>
+      </p:ext>
+    </p:extLst>
+  </p:cSld>
+  <p:clrMapOvr>
+    <a:masterClrMapping/>
+  </p:clrMapOvr>
+  <p:transition spd="med"/>
+  <p:timing>
+    <p:tnLst>
+      <p:par>
+        <p:cTn id="1" dur="indefinite" restart="never" nodeType="tmRoot"/>
+      </p:par>
+    </p:tnLst>
+  </p:timing>
+</p:sld>
+</file>
+
+<file path=ppt/slides/slide2.xml><?xml version="1.0" encoding="utf-8"?>
+<p:sld xmlns:a="http://schemas.openxmlformats.org/drawingml/2006/main" xmlns:r="http://schemas.openxmlformats.org/officeDocument/2006/relationships" xmlns:p="http://schemas.openxmlformats.org/presentationml/2006/main">
+  <p:cSld>
+    <p:spTree>
+      <p:nvGrpSpPr>
+        <p:cNvPr id="1" name=""/>
+        <p:cNvGrpSpPr/>
+        <p:nvPr/>
+      </p:nvGrpSpPr>
+      <p:grpSpPr>
+        <a:xfrm>
+          <a:off x="0" y="0"/>
+          <a:ext cx="0" cy="0"/>
+          <a:chOff x="0" y="0"/>
+          <a:chExt cx="0" cy="0"/>
+        </a:xfrm>
+      </p:grpSpPr>
+      <p:sp>
+        <p:nvSpPr>
+          <p:cNvPr id="2" name="Titel 1"/>
+          <p:cNvSpPr>
+            <a:spLocks noGrp="1"/>
+          </p:cNvSpPr>
+          <p:nvPr>
+            <p:ph type="title"/>
+          </p:nvPr>
+        </p:nvSpPr>
+        <p:spPr/>
+        <p:txBody>
+          <a:bodyPr/>
+          <a:lstStyle/>
+          <a:p>
+            <a:r>
+              <a:rPr lang="en-US" dirty="0" smtClean="0"/>
+              <a:t>Overview</a:t>
+            </a:r>
+            <a:endParaRPr lang="en-US" dirty="0"/>
+          </a:p>
+        </p:txBody>
+      </p:sp>
+      <p:sp>
+        <p:nvSpPr>
+          <p:cNvPr id="3" name="Inhaltsplatzhalter 2"/>
+          <p:cNvSpPr>
+            <a:spLocks noGrp="1"/>
+          </p:cNvSpPr>
+          <p:nvPr>
+            <p:ph idx="1"/>
+          </p:nvPr>
+        </p:nvSpPr>
+        <p:spPr/>
+        <p:txBody>
+          <a:bodyPr/>
+          <a:lstStyle/>
+          <a:p>
+            <a:pPr marL="514350" indent="-514350">
+              <a:buFont typeface="+mj-lt"/>
+              <a:buAutoNum type="romanUcPeriod"/>
+            </a:pPr>
+            <a:r>
+              <a:rPr lang="en-US" dirty="0" err="1" smtClean="0"/>
+              <a:t>Nanopore</a:t>
+            </a:r>
+            <a:r>
+              <a:rPr lang="en-US" dirty="0" smtClean="0"/>
+              <a:t> sequencing</a:t>
+            </a:r>
+          </a:p>
+          <a:p>
+            <a:pPr marL="914400" lvl="1" indent="-514350">
+              <a:buFont typeface="+mj-lt"/>
+              <a:buAutoNum type="romanLcPeriod"/>
+            </a:pPr>
+            <a:r>
+              <a:rPr lang="en-US" dirty="0" smtClean="0"/>
+              <a:t>How it works</a:t>
+            </a:r>
+          </a:p>
+          <a:p>
+            <a:pPr marL="914400" lvl="1" indent="-514350">
+              <a:buFont typeface="+mj-lt"/>
+              <a:buAutoNum type="romanLcPeriod"/>
+            </a:pPr>
+            <a:r>
+              <a:rPr lang="en-US" dirty="0" smtClean="0"/>
+              <a:t>Structure of reads</a:t>
+            </a:r>
+          </a:p>
+          <a:p>
+            <a:pPr marL="914400" lvl="1" indent="-514350">
+              <a:buFont typeface="+mj-lt"/>
+              <a:buAutoNum type="romanLcPeriod"/>
+            </a:pPr>
+            <a:r>
+              <a:rPr lang="en-US" dirty="0" smtClean="0"/>
+              <a:t>Defining the problem</a:t>
+            </a:r>
+          </a:p>
+          <a:p>
+            <a:pPr marL="514350" indent="-514350">
+              <a:lnSpc>
+                <a:spcPct val="150000"/>
+              </a:lnSpc>
+              <a:buFont typeface="+mj-lt"/>
+              <a:buAutoNum type="romanUcPeriod"/>
+            </a:pPr>
+            <a:r>
+              <a:rPr lang="en-US" dirty="0" smtClean="0"/>
+              <a:t>Currently available mappers</a:t>
+            </a:r>
+          </a:p>
+          <a:p>
+            <a:pPr marL="914400" lvl="1" indent="-514350">
+              <a:buFont typeface="+mj-lt"/>
+              <a:buAutoNum type="romanLcPeriod"/>
+            </a:pPr>
+            <a:r>
+              <a:rPr lang="en-US" dirty="0" smtClean="0"/>
+              <a:t>BWA, Last, </a:t>
+            </a:r>
+            <a:r>
+              <a:rPr lang="en-US" dirty="0" err="1" smtClean="0"/>
+              <a:t>GraphMap</a:t>
+            </a:r>
+            <a:endParaRPr lang="en-US" dirty="0" smtClean="0"/>
+          </a:p>
+          <a:p>
+            <a:pPr marL="514350" indent="-514350">
+              <a:lnSpc>
+                <a:spcPct val="150000"/>
+              </a:lnSpc>
+              <a:buFont typeface="+mj-lt"/>
+              <a:buAutoNum type="romanUcPeriod"/>
+            </a:pPr>
+            <a:r>
+              <a:rPr lang="en-US" dirty="0" smtClean="0"/>
+              <a:t>Constructing a new mapper</a:t>
+            </a:r>
+          </a:p>
+          <a:p>
+            <a:pPr marL="914400" lvl="1" indent="-514350">
+              <a:buFont typeface="+mj-lt"/>
+              <a:buAutoNum type="romanLcPeriod"/>
+            </a:pPr>
+            <a:r>
+              <a:rPr lang="en-US" dirty="0" smtClean="0"/>
+              <a:t>Seeding</a:t>
+            </a:r>
+          </a:p>
+          <a:p>
+            <a:pPr marL="914400" lvl="1" indent="-514350">
+              <a:buFont typeface="+mj-lt"/>
+              <a:buAutoNum type="romanLcPeriod"/>
+            </a:pPr>
+            <a:r>
+              <a:rPr lang="en-US" dirty="0" smtClean="0"/>
+              <a:t>Chaining</a:t>
+            </a:r>
+          </a:p>
+          <a:p>
+            <a:pPr marL="914400" lvl="1" indent="-514350">
+              <a:buFont typeface="+mj-lt"/>
+              <a:buAutoNum type="romanLcPeriod"/>
+            </a:pPr>
+            <a:r>
+              <a:rPr lang="en-US" dirty="0" smtClean="0"/>
+              <a:t>Pathing</a:t>
+            </a:r>
+          </a:p>
+          <a:p>
+            <a:pPr marL="914400" lvl="1" indent="-514350">
+              <a:buFont typeface="+mj-lt"/>
+              <a:buAutoNum type="romanLcPeriod"/>
+            </a:pPr>
+            <a:r>
+              <a:rPr lang="en-US" dirty="0" smtClean="0"/>
+              <a:t>Aligning</a:t>
+            </a:r>
+            <a:endParaRPr lang="en-US" dirty="0"/>
+          </a:p>
+          <a:p>
+            <a:pPr marL="514350" indent="-514350">
+              <a:lnSpc>
+                <a:spcPct val="150000"/>
+              </a:lnSpc>
+              <a:buFont typeface="+mj-lt"/>
+              <a:buAutoNum type="romanUcPeriod"/>
+            </a:pPr>
+            <a:r>
+              <a:rPr lang="en-US" dirty="0" smtClean="0"/>
+              <a:t>Results and comparisons</a:t>
+            </a:r>
+          </a:p>
+        </p:txBody>
+      </p:sp>
+      <p:sp>
+        <p:nvSpPr>
+          <p:cNvPr id="4" name="Foliennummernplatzhalter 3"/>
+          <p:cNvSpPr>
+            <a:spLocks noGrp="1"/>
+          </p:cNvSpPr>
+          <p:nvPr>
+            <p:ph type="sldNum" sz="quarter" idx="4"/>
+          </p:nvPr>
+        </p:nvSpPr>
+        <p:spPr/>
+        <p:txBody>
+          <a:bodyPr/>
+          <a:lstStyle/>
+          <a:p>
+            <a:pPr>
+              <a:defRPr/>
+            </a:pPr>
+            <a:fld id="{70BFFA52-4234-45F6-B1A6-074E24FF43A2}" type="slidenum">
+              <a:rPr lang="de-DE" smtClean="0"/>
+              <a:pPr>
+                <a:defRPr/>
+              </a:pPr>
+              <a:t>2</a:t>
+            </a:fld>
+            <a:endParaRPr lang="de-DE" dirty="0"/>
+          </a:p>
+        </p:txBody>
+      </p:sp>
+      <p:sp>
+        <p:nvSpPr>
+          <p:cNvPr id="5" name="Fußzeilenplatzhalter 4"/>
+          <p:cNvSpPr>
+            <a:spLocks noGrp="1"/>
+          </p:cNvSpPr>
+          <p:nvPr>
+            <p:ph type="ftr" sz="quarter" idx="3"/>
+          </p:nvPr>
+        </p:nvSpPr>
+        <p:spPr/>
+        <p:txBody>
+          <a:bodyPr/>
+          <a:lstStyle/>
+          <a:p>
+            <a:r>
+              <a:rPr lang="de-DE" dirty="0"/>
+              <a:t>MGMM </a:t>
+            </a:r>
+            <a:r>
+              <a:rPr lang="mr-IN" dirty="0"/>
+              <a:t>–</a:t>
+            </a:r>
+            <a:r>
+              <a:rPr lang="de-DE" dirty="0"/>
+              <a:t> A </a:t>
+            </a:r>
+            <a:r>
+              <a:rPr lang="de-DE" dirty="0" err="1"/>
+              <a:t>long</a:t>
+            </a:r>
+            <a:r>
+              <a:rPr lang="de-DE" dirty="0"/>
+              <a:t> </a:t>
+            </a:r>
+            <a:r>
+              <a:rPr lang="de-DE" dirty="0" err="1"/>
+              <a:t>read</a:t>
+            </a:r>
+            <a:r>
+              <a:rPr lang="de-DE" dirty="0"/>
+              <a:t> Mapper</a:t>
+            </a:r>
+          </a:p>
+        </p:txBody>
+      </p:sp>
+      <p:pic>
+        <p:nvPicPr>
+          <p:cNvPr id="7" name="Bild 6"/>
+          <p:cNvPicPr>
+            <a:picLocks noChangeAspect="1"/>
+          </p:cNvPicPr>
+          <p:nvPr/>
+        </p:nvPicPr>
+        <p:blipFill>
+          <a:blip r:embed="rId3">
+            <a:extLst>
+              <a:ext uri="{28A0092B-C50C-407E-A947-70E740481C1C}">
+                <a14:useLocalDpi xmlns:a14="http://schemas.microsoft.com/office/drawing/2010/main" val="0"/>
+              </a:ext>
+            </a:extLst>
+          </a:blip>
+          <a:stretch>
+            <a:fillRect/>
+          </a:stretch>
+        </p:blipFill>
+        <p:spPr>
+          <a:xfrm>
+            <a:off x="6134280" y="125799"/>
+            <a:ext cx="2915878" cy="1010780"/>
+          </a:xfrm>
+          <a:prstGeom prst="rect">
+            <a:avLst/>
+          </a:prstGeom>
+        </p:spPr>
+      </p:pic>
+    </p:spTree>
+    <p:extLst>
+      <p:ext uri="{BB962C8B-B14F-4D97-AF65-F5344CB8AC3E}">
+        <p14:creationId xmlns:p14="http://schemas.microsoft.com/office/powerpoint/2010/main" val="1095066484"/>
+      </p:ext>
+    </p:extLst>
+  </p:cSld>
+  <p:clrMapOvr>
+    <a:masterClrMapping/>
+  </p:clrMapOvr>
+  <p:transition spd="med"/>
+  <p:timing>
+    <p:tnLst>
+      <p:par>
+        <p:cTn id="1" dur="indefinite" restart="never" nodeType="tmRoot"/>
+      </p:par>
+    </p:tnLst>
+  </p:timing>
+</p:sld>
+</file>
+
+<file path=ppt/slides/slide20.xml><?xml version="1.0" encoding="utf-8"?>
+<p:sld xmlns:a="http://schemas.openxmlformats.org/drawingml/2006/main" xmlns:r="http://schemas.openxmlformats.org/officeDocument/2006/relationships" xmlns:p="http://schemas.openxmlformats.org/presentationml/2006/main">
+  <p:cSld>
+    <p:spTree>
+      <p:nvGrpSpPr>
+        <p:cNvPr id="1" name=""/>
+        <p:cNvGrpSpPr/>
+        <p:nvPr/>
+      </p:nvGrpSpPr>
+      <p:grpSpPr>
+        <a:xfrm>
+          <a:off x="0" y="0"/>
+          <a:ext cx="0" cy="0"/>
+          <a:chOff x="0" y="0"/>
+          <a:chExt cx="0" cy="0"/>
+        </a:xfrm>
+      </p:grpSpPr>
+      <p:sp>
+        <p:nvSpPr>
+          <p:cNvPr id="2" name="Titel 1"/>
+          <p:cNvSpPr>
+            <a:spLocks noGrp="1"/>
+          </p:cNvSpPr>
+          <p:nvPr>
+            <p:ph type="title"/>
+          </p:nvPr>
+        </p:nvSpPr>
+        <p:spPr/>
+        <p:txBody>
+          <a:bodyPr/>
+          <a:lstStyle/>
+          <a:p>
+            <a:r>
+              <a:rPr lang="en-US" dirty="0" smtClean="0"/>
+              <a:t>Results &amp; comparisons</a:t>
+            </a:r>
+            <a:endParaRPr lang="en-US" dirty="0"/>
+          </a:p>
+        </p:txBody>
+      </p:sp>
+      <p:sp>
+        <p:nvSpPr>
+          <p:cNvPr id="3" name="Inhaltsplatzhalter 2"/>
+          <p:cNvSpPr>
+            <a:spLocks noGrp="1"/>
+          </p:cNvSpPr>
+          <p:nvPr>
+            <p:ph idx="1"/>
+          </p:nvPr>
+        </p:nvSpPr>
+        <p:spPr/>
+        <p:txBody>
+          <a:bodyPr/>
+          <a:lstStyle/>
+          <a:p>
+            <a:pPr marL="514350" indent="-514350">
+              <a:buFont typeface="+mj-lt"/>
+              <a:buAutoNum type="romanUcPeriod"/>
+            </a:pPr>
+            <a:r>
+              <a:rPr lang="en-US" dirty="0" err="1" smtClean="0"/>
+              <a:t>Nanopore</a:t>
+            </a:r>
+            <a:r>
+              <a:rPr lang="en-US" dirty="0" smtClean="0"/>
+              <a:t> sequencing</a:t>
+            </a:r>
+          </a:p>
+          <a:p>
+            <a:pPr marL="914400" lvl="1" indent="-514350">
+              <a:buFont typeface="+mj-lt"/>
+              <a:buAutoNum type="romanLcPeriod"/>
+            </a:pPr>
+            <a:r>
+              <a:rPr lang="en-US" dirty="0" smtClean="0"/>
+              <a:t>How it works</a:t>
+            </a:r>
+          </a:p>
+          <a:p>
+            <a:pPr marL="914400" lvl="1" indent="-514350">
+              <a:buFont typeface="+mj-lt"/>
+              <a:buAutoNum type="romanLcPeriod"/>
+            </a:pPr>
+            <a:r>
+              <a:rPr lang="en-US" dirty="0" smtClean="0"/>
+              <a:t>Structure of reads</a:t>
+            </a:r>
+          </a:p>
+          <a:p>
+            <a:pPr marL="914400" lvl="1" indent="-514350">
+              <a:buFont typeface="+mj-lt"/>
+              <a:buAutoNum type="romanLcPeriod"/>
+            </a:pPr>
+            <a:r>
+              <a:rPr lang="en-US" dirty="0" smtClean="0"/>
+              <a:t>Defining the problem</a:t>
+            </a:r>
+          </a:p>
+          <a:p>
+            <a:pPr marL="514350" indent="-514350">
+              <a:lnSpc>
+                <a:spcPct val="150000"/>
+              </a:lnSpc>
+              <a:buFont typeface="+mj-lt"/>
+              <a:buAutoNum type="romanUcPeriod"/>
+            </a:pPr>
+            <a:r>
+              <a:rPr lang="en-US" dirty="0" smtClean="0"/>
+              <a:t>Currently available mappers</a:t>
+            </a:r>
+          </a:p>
+          <a:p>
+            <a:pPr marL="914400" lvl="1" indent="-514350">
+              <a:buFont typeface="+mj-lt"/>
+              <a:buAutoNum type="romanLcPeriod"/>
+            </a:pPr>
+            <a:r>
+              <a:rPr lang="en-US" dirty="0" smtClean="0"/>
+              <a:t>BWA, Last, </a:t>
+            </a:r>
+            <a:r>
+              <a:rPr lang="en-US" dirty="0" err="1" smtClean="0"/>
+              <a:t>GraphMap</a:t>
+            </a:r>
+            <a:endParaRPr lang="en-US" dirty="0" smtClean="0"/>
+          </a:p>
+          <a:p>
+            <a:pPr marL="514350" indent="-514350">
+              <a:lnSpc>
+                <a:spcPct val="150000"/>
+              </a:lnSpc>
+              <a:buFont typeface="+mj-lt"/>
+              <a:buAutoNum type="romanUcPeriod"/>
+            </a:pPr>
+            <a:r>
+              <a:rPr lang="en-US" dirty="0" smtClean="0"/>
+              <a:t>Constructing a new mapper</a:t>
+            </a:r>
+          </a:p>
+          <a:p>
+            <a:pPr marL="914400" lvl="1" indent="-514350">
+              <a:buFont typeface="+mj-lt"/>
+              <a:buAutoNum type="romanLcPeriod"/>
+            </a:pPr>
+            <a:r>
+              <a:rPr lang="en-US" dirty="0" smtClean="0"/>
+              <a:t>Seeding</a:t>
+            </a:r>
+          </a:p>
+          <a:p>
+            <a:pPr marL="914400" lvl="1" indent="-514350">
+              <a:buFont typeface="+mj-lt"/>
+              <a:buAutoNum type="romanLcPeriod"/>
+            </a:pPr>
+            <a:r>
+              <a:rPr lang="en-US" dirty="0" smtClean="0"/>
+              <a:t>Chaining</a:t>
+            </a:r>
+          </a:p>
+          <a:p>
+            <a:pPr marL="914400" lvl="1" indent="-514350">
+              <a:buFont typeface="+mj-lt"/>
+              <a:buAutoNum type="romanLcPeriod"/>
+            </a:pPr>
+            <a:r>
+              <a:rPr lang="en-US" dirty="0" smtClean="0"/>
+              <a:t>Pathing</a:t>
+            </a:r>
+          </a:p>
+          <a:p>
+            <a:pPr marL="914400" lvl="1" indent="-514350">
+              <a:buFont typeface="+mj-lt"/>
+              <a:buAutoNum type="romanLcPeriod"/>
+            </a:pPr>
+            <a:r>
+              <a:rPr lang="en-US" dirty="0" smtClean="0"/>
+              <a:t>Aligning</a:t>
+            </a:r>
+            <a:endParaRPr lang="en-US" dirty="0"/>
+          </a:p>
+          <a:p>
+            <a:pPr marL="514350" indent="-514350">
+              <a:lnSpc>
+                <a:spcPct val="150000"/>
+              </a:lnSpc>
+              <a:buFont typeface="+mj-lt"/>
+              <a:buAutoNum type="romanUcPeriod"/>
+            </a:pPr>
+            <a:r>
+              <a:rPr lang="en-US" dirty="0" smtClean="0"/>
+              <a:t>Results &amp; comparisons</a:t>
+            </a:r>
+          </a:p>
+        </p:txBody>
+      </p:sp>
+      <p:sp>
+        <p:nvSpPr>
+          <p:cNvPr id="4" name="Foliennummernplatzhalter 3"/>
+          <p:cNvSpPr>
+            <a:spLocks noGrp="1"/>
+          </p:cNvSpPr>
+          <p:nvPr>
+            <p:ph type="sldNum" sz="quarter" idx="4"/>
+          </p:nvPr>
+        </p:nvSpPr>
+        <p:spPr/>
+        <p:txBody>
+          <a:bodyPr/>
+          <a:lstStyle/>
+          <a:p>
+            <a:pPr>
+              <a:defRPr/>
+            </a:pPr>
+            <a:fld id="{70BFFA52-4234-45F6-B1A6-074E24FF43A2}" type="slidenum">
+              <a:rPr lang="de-DE" smtClean="0"/>
+              <a:pPr>
+                <a:defRPr/>
+              </a:pPr>
+              <a:t>20</a:t>
             </a:fld>
             <a:endParaRPr lang="de-DE" dirty="0"/>
           </a:p>
@@ -3410,327 +9244,6 @@
 </p:sld>
 </file>
 
-<file path=ppt/slides/slide2.xml><?xml version="1.0" encoding="utf-8"?>
-<p:sld xmlns:a="http://schemas.openxmlformats.org/drawingml/2006/main" xmlns:r="http://schemas.openxmlformats.org/officeDocument/2006/relationships" xmlns:p="http://schemas.openxmlformats.org/presentationml/2006/main">
-  <p:cSld>
-    <p:spTree>
-      <p:nvGrpSpPr>
-        <p:cNvPr id="1" name=""/>
-        <p:cNvGrpSpPr/>
-        <p:nvPr/>
-      </p:nvGrpSpPr>
-      <p:grpSpPr>
-        <a:xfrm>
-          <a:off x="0" y="0"/>
-          <a:ext cx="0" cy="0"/>
-          <a:chOff x="0" y="0"/>
-          <a:chExt cx="0" cy="0"/>
-        </a:xfrm>
-      </p:grpSpPr>
-      <p:sp>
-        <p:nvSpPr>
-          <p:cNvPr id="2" name="Titel 1"/>
-          <p:cNvSpPr>
-            <a:spLocks noGrp="1"/>
-          </p:cNvSpPr>
-          <p:nvPr>
-            <p:ph type="title"/>
-          </p:nvPr>
-        </p:nvSpPr>
-        <p:spPr/>
-        <p:txBody>
-          <a:bodyPr/>
-          <a:lstStyle/>
-          <a:p>
-            <a:r>
-              <a:rPr lang="en-US" dirty="0" smtClean="0"/>
-              <a:t>Overview</a:t>
-            </a:r>
-            <a:endParaRPr lang="en-US" dirty="0"/>
-          </a:p>
-        </p:txBody>
-      </p:sp>
-      <p:sp>
-        <p:nvSpPr>
-          <p:cNvPr id="3" name="Inhaltsplatzhalter 2"/>
-          <p:cNvSpPr>
-            <a:spLocks noGrp="1"/>
-          </p:cNvSpPr>
-          <p:nvPr>
-            <p:ph idx="1"/>
-          </p:nvPr>
-        </p:nvSpPr>
-        <p:spPr/>
-        <p:txBody>
-          <a:bodyPr/>
-          <a:lstStyle/>
-          <a:p>
-            <a:pPr marL="514350" indent="-514350">
-              <a:buFont typeface="+mj-lt"/>
-              <a:buAutoNum type="romanUcPeriod"/>
-            </a:pPr>
-            <a:r>
-              <a:rPr lang="en-US" dirty="0" err="1" smtClean="0"/>
-              <a:t>Nanopore</a:t>
-            </a:r>
-            <a:r>
-              <a:rPr lang="en-US" dirty="0" smtClean="0"/>
-              <a:t> sequencing</a:t>
-            </a:r>
-          </a:p>
-          <a:p>
-            <a:pPr marL="914400" lvl="1" indent="-514350">
-              <a:buFont typeface="+mj-lt"/>
-              <a:buAutoNum type="romanLcPeriod"/>
-            </a:pPr>
-            <a:r>
-              <a:rPr lang="en-US" dirty="0" smtClean="0"/>
-              <a:t>How it works</a:t>
-            </a:r>
-          </a:p>
-          <a:p>
-            <a:pPr marL="914400" lvl="1" indent="-514350">
-              <a:buFont typeface="+mj-lt"/>
-              <a:buAutoNum type="romanLcPeriod"/>
-            </a:pPr>
-            <a:r>
-              <a:rPr lang="en-US" dirty="0" smtClean="0"/>
-              <a:t>Structure of reads</a:t>
-            </a:r>
-          </a:p>
-          <a:p>
-            <a:pPr marL="914400" lvl="1" indent="-514350">
-              <a:buFont typeface="+mj-lt"/>
-              <a:buAutoNum type="romanLcPeriod"/>
-            </a:pPr>
-            <a:r>
-              <a:rPr lang="en-US" dirty="0" smtClean="0"/>
-              <a:t>Defining the problem</a:t>
-            </a:r>
-          </a:p>
-          <a:p>
-            <a:pPr marL="514350" indent="-514350">
-              <a:lnSpc>
-                <a:spcPct val="150000"/>
-              </a:lnSpc>
-              <a:buFont typeface="+mj-lt"/>
-              <a:buAutoNum type="romanUcPeriod"/>
-            </a:pPr>
-            <a:r>
-              <a:rPr lang="en-US" dirty="0" smtClean="0"/>
-              <a:t>Currently available mappers</a:t>
-            </a:r>
-          </a:p>
-          <a:p>
-            <a:pPr marL="914400" lvl="1" indent="-514350">
-              <a:buFont typeface="+mj-lt"/>
-              <a:buAutoNum type="romanLcPeriod"/>
-            </a:pPr>
-            <a:r>
-              <a:rPr lang="en-US" dirty="0" smtClean="0"/>
-              <a:t>BWA, Last, </a:t>
-            </a:r>
-            <a:r>
-              <a:rPr lang="en-US" dirty="0" err="1" smtClean="0"/>
-              <a:t>GraphMap</a:t>
-            </a:r>
-            <a:endParaRPr lang="en-US" dirty="0" smtClean="0"/>
-          </a:p>
-          <a:p>
-            <a:pPr marL="514350" indent="-514350">
-              <a:lnSpc>
-                <a:spcPct val="150000"/>
-              </a:lnSpc>
-              <a:buFont typeface="+mj-lt"/>
-              <a:buAutoNum type="romanUcPeriod"/>
-            </a:pPr>
-            <a:r>
-              <a:rPr lang="en-US" dirty="0" smtClean="0"/>
-              <a:t>Constructing a new mapper</a:t>
-            </a:r>
-          </a:p>
-          <a:p>
-            <a:pPr marL="914400" lvl="1" indent="-514350">
-              <a:buFont typeface="+mj-lt"/>
-              <a:buAutoNum type="romanLcPeriod"/>
-            </a:pPr>
-            <a:r>
-              <a:rPr lang="en-US" dirty="0" smtClean="0"/>
-              <a:t>Seeding</a:t>
-            </a:r>
-          </a:p>
-          <a:p>
-            <a:pPr marL="914400" lvl="1" indent="-514350">
-              <a:buFont typeface="+mj-lt"/>
-              <a:buAutoNum type="romanLcPeriod"/>
-            </a:pPr>
-            <a:r>
-              <a:rPr lang="en-US" dirty="0" smtClean="0"/>
-              <a:t>Chaining</a:t>
-            </a:r>
-          </a:p>
-          <a:p>
-            <a:pPr marL="914400" lvl="1" indent="-514350">
-              <a:buFont typeface="+mj-lt"/>
-              <a:buAutoNum type="romanLcPeriod"/>
-            </a:pPr>
-            <a:r>
-              <a:rPr lang="en-US" dirty="0" smtClean="0"/>
-              <a:t>Pathing</a:t>
-            </a:r>
-          </a:p>
-          <a:p>
-            <a:pPr marL="914400" lvl="1" indent="-514350">
-              <a:buFont typeface="+mj-lt"/>
-              <a:buAutoNum type="romanLcPeriod"/>
-            </a:pPr>
-            <a:r>
-              <a:rPr lang="en-US" dirty="0" smtClean="0"/>
-              <a:t>Aligning</a:t>
-            </a:r>
-            <a:endParaRPr lang="en-US" dirty="0"/>
-          </a:p>
-          <a:p>
-            <a:pPr marL="514350" indent="-514350">
-              <a:lnSpc>
-                <a:spcPct val="150000"/>
-              </a:lnSpc>
-              <a:buFont typeface="+mj-lt"/>
-              <a:buAutoNum type="romanUcPeriod"/>
-            </a:pPr>
-            <a:r>
-              <a:rPr lang="en-US" dirty="0" smtClean="0"/>
-              <a:t>Results and comparisons</a:t>
-            </a:r>
-          </a:p>
-        </p:txBody>
-      </p:sp>
-      <p:sp>
-        <p:nvSpPr>
-          <p:cNvPr id="4" name="Foliennummernplatzhalter 3"/>
-          <p:cNvSpPr>
-            <a:spLocks noGrp="1"/>
-          </p:cNvSpPr>
-          <p:nvPr>
-            <p:ph type="sldNum" sz="quarter" idx="4"/>
-          </p:nvPr>
-        </p:nvSpPr>
-        <p:spPr/>
-        <p:txBody>
-          <a:bodyPr/>
-          <a:lstStyle/>
-          <a:p>
-            <a:pPr>
-              <a:defRPr/>
-            </a:pPr>
-            <a:fld id="{70BFFA52-4234-45F6-B1A6-074E24FF43A2}" type="slidenum">
-              <a:rPr lang="de-DE" smtClean="0"/>
-              <a:pPr>
-                <a:defRPr/>
-              </a:pPr>
-              <a:t>2</a:t>
-            </a:fld>
-            <a:endParaRPr lang="de-DE" dirty="0"/>
-          </a:p>
-        </p:txBody>
-      </p:sp>
-      <p:sp>
-        <p:nvSpPr>
-          <p:cNvPr id="5" name="Fußzeilenplatzhalter 4"/>
-          <p:cNvSpPr>
-            <a:spLocks noGrp="1"/>
-          </p:cNvSpPr>
-          <p:nvPr>
-            <p:ph type="ftr" sz="quarter" idx="3"/>
-          </p:nvPr>
-        </p:nvSpPr>
-        <p:spPr/>
-        <p:txBody>
-          <a:bodyPr/>
-          <a:lstStyle/>
-          <a:p>
-            <a:r>
-              <a:rPr lang="de-DE" dirty="0"/>
-              <a:t>MGMM </a:t>
-            </a:r>
-            <a:r>
-              <a:rPr lang="mr-IN" dirty="0"/>
-              <a:t>–</a:t>
-            </a:r>
-            <a:r>
-              <a:rPr lang="de-DE" dirty="0"/>
-              <a:t> A </a:t>
-            </a:r>
-            <a:r>
-              <a:rPr lang="de-DE" dirty="0" err="1"/>
-              <a:t>long</a:t>
-            </a:r>
-            <a:r>
-              <a:rPr lang="de-DE" dirty="0"/>
-              <a:t> </a:t>
-            </a:r>
-            <a:r>
-              <a:rPr lang="de-DE" dirty="0" err="1"/>
-              <a:t>read</a:t>
-            </a:r>
-            <a:r>
-              <a:rPr lang="de-DE" dirty="0"/>
-              <a:t> Mapper</a:t>
-            </a:r>
-          </a:p>
-        </p:txBody>
-      </p:sp>
-      <p:pic>
-        <p:nvPicPr>
-          <p:cNvPr id="7" name="Bild 6"/>
-          <p:cNvPicPr>
-            <a:picLocks noChangeAspect="1"/>
-          </p:cNvPicPr>
-          <p:nvPr/>
-        </p:nvPicPr>
-        <p:blipFill>
-          <a:blip r:embed="rId3">
-            <a:extLst>
-              <a:ext uri="{28A0092B-C50C-407E-A947-70E740481C1C}">
-                <a14:useLocalDpi xmlns:a14="http://schemas.microsoft.com/office/drawing/2010/main" val="0"/>
-              </a:ext>
-            </a:extLst>
-          </a:blip>
-          <a:stretch>
-            <a:fillRect/>
-          </a:stretch>
-        </p:blipFill>
-        <p:spPr>
-          <a:xfrm>
-            <a:off x="6134280" y="125799"/>
-            <a:ext cx="2915878" cy="1010780"/>
-          </a:xfrm>
-          <a:prstGeom prst="rect">
-            <a:avLst/>
-          </a:prstGeom>
-        </p:spPr>
-      </p:pic>
-    </p:spTree>
-    <p:extLst>
-      <p:ext uri="{BB962C8B-B14F-4D97-AF65-F5344CB8AC3E}">
-        <p14:creationId xmlns:p14="http://schemas.microsoft.com/office/powerpoint/2010/main" val="1095066484"/>
-      </p:ext>
-    </p:extLst>
-  </p:cSld>
-  <p:clrMapOvr>
-    <a:masterClrMapping/>
-  </p:clrMapOvr>
-  <p:transition spd="med"/>
-  <p:timing>
-    <p:tnLst>
-      <p:par>
-        <p:cTn id="1" dur="indefinite" restart="never" nodeType="tmRoot"/>
-      </p:par>
-    </p:tnLst>
-  </p:timing>
-</p:sld>
-</file>
-
 <file path=ppt/slides/slide3.xml><?xml version="1.0" encoding="utf-8"?>
 <p:sld xmlns:a="http://schemas.openxmlformats.org/drawingml/2006/main" xmlns:r="http://schemas.openxmlformats.org/officeDocument/2006/relationships" xmlns:p="http://schemas.openxmlformats.org/presentationml/2006/main">
   <p:cSld>
@@ -4099,6 +9612,47 @@
           <a:prstGeom prst="rect">
             <a:avLst/>
           </a:prstGeom>
+        </p:spPr>
+      </p:pic>
+      <p:pic>
+        <p:nvPicPr>
+          <p:cNvPr id="8" name="Picture 2" descr="Risultati immagini per nanopore"/>
+          <p:cNvPicPr>
+            <a:picLocks noChangeAspect="1" noChangeArrowheads="1"/>
+          </p:cNvPicPr>
+          <p:nvPr/>
+        </p:nvPicPr>
+        <p:blipFill>
+          <a:blip r:embed="rId4">
+            <a:extLst>
+              <a:ext uri="{28A0092B-C50C-407E-A947-70E740481C1C}">
+                <a14:useLocalDpi xmlns:a14="http://schemas.microsoft.com/office/drawing/2010/main" val="0"/>
+              </a:ext>
+            </a:extLst>
+          </a:blip>
+          <a:srcRect/>
+          <a:stretch>
+            <a:fillRect/>
+          </a:stretch>
+        </p:blipFill>
+        <p:spPr bwMode="auto">
+          <a:xfrm>
+            <a:off x="818927" y="12966194"/>
+            <a:ext cx="4421726" cy="2677656"/>
+          </a:xfrm>
+          <a:prstGeom prst="rect">
+            <a:avLst/>
+          </a:prstGeom>
+          <a:noFill/>
+          <a:extLst>
+            <a:ext uri="{909E8E84-426E-40DD-AFC4-6F175D3DCCD1}">
+              <a14:hiddenFill xmlns:a14="http://schemas.microsoft.com/office/drawing/2010/main">
+                <a:solidFill>
+                  <a:srgbClr val="FFFFFF"/>
+                </a:solidFill>
+              </a14:hiddenFill>
+            </a:ext>
+          </a:extLst>
         </p:spPr>
       </p:pic>
     </p:spTree>
@@ -4149,217 +9703,33 @@
             <p:ph type="title"/>
           </p:nvPr>
         </p:nvSpPr>
-        <p:spPr/>
+        <p:spPr>
+          <a:xfrm>
+            <a:off x="2071688" y="404664"/>
+            <a:ext cx="3941762" cy="673249"/>
+          </a:xfrm>
+        </p:spPr>
         <p:txBody>
           <a:bodyPr/>
           <a:lstStyle/>
           <a:p>
             <a:r>
+              <a:rPr lang="en-US" dirty="0" err="1"/>
+              <a:t>Nanopore</a:t>
+            </a:r>
+            <a:r>
               <a:rPr lang="en-US" dirty="0"/>
-              <a:t>Currently available </a:t>
-            </a:r>
-            <a:r>
-              <a:rPr lang="en-US" dirty="0" smtClean="0"/>
-              <a:t>mappers</a:t>
+              <a:t> Sequencing </a:t>
+            </a:r>
+            <a:r>
+              <a:rPr lang="mr-IN" dirty="0"/>
+              <a:t>–</a:t>
+            </a:r>
+            <a:r>
+              <a:rPr lang="en-US" dirty="0"/>
+              <a:t> How it works</a:t>
             </a:r>
             <a:endParaRPr lang="en-US" dirty="0"/>
-          </a:p>
-        </p:txBody>
-      </p:sp>
-      <p:sp>
-        <p:nvSpPr>
-          <p:cNvPr id="3" name="Inhaltsplatzhalter 2"/>
-          <p:cNvSpPr>
-            <a:spLocks noGrp="1"/>
-          </p:cNvSpPr>
-          <p:nvPr>
-            <p:ph idx="1"/>
-          </p:nvPr>
-        </p:nvSpPr>
-        <p:spPr/>
-        <p:txBody>
-          <a:bodyPr/>
-          <a:lstStyle/>
-          <a:p>
-            <a:pPr marL="514350" indent="-514350">
-              <a:buFont typeface="+mj-lt"/>
-              <a:buAutoNum type="romanUcPeriod"/>
-            </a:pPr>
-            <a:r>
-              <a:rPr lang="en-US" dirty="0" err="1" smtClean="0"/>
-              <a:t>Nanopore</a:t>
-            </a:r>
-            <a:r>
-              <a:rPr lang="en-US" dirty="0" smtClean="0"/>
-              <a:t> sequencing</a:t>
-            </a:r>
-          </a:p>
-          <a:p>
-            <a:pPr marL="914400" lvl="1" indent="-514350">
-              <a:buFont typeface="+mj-lt"/>
-              <a:buAutoNum type="romanLcPeriod"/>
-            </a:pPr>
-            <a:r>
-              <a:rPr lang="en-US" dirty="0" smtClean="0"/>
-              <a:t>How it works</a:t>
-            </a:r>
-          </a:p>
-          <a:p>
-            <a:pPr marL="914400" lvl="1" indent="-514350">
-              <a:buFont typeface="+mj-lt"/>
-              <a:buAutoNum type="romanLcPeriod"/>
-            </a:pPr>
-            <a:r>
-              <a:rPr lang="en-US" dirty="0" smtClean="0"/>
-              <a:t>Structure of reads</a:t>
-            </a:r>
-          </a:p>
-          <a:p>
-            <a:pPr marL="914400" lvl="1" indent="-514350">
-              <a:buFont typeface="+mj-lt"/>
-              <a:buAutoNum type="romanLcPeriod"/>
-            </a:pPr>
-            <a:r>
-              <a:rPr lang="en-US" dirty="0" smtClean="0"/>
-              <a:t>Defining the problem</a:t>
-            </a:r>
-          </a:p>
-          <a:p>
-            <a:pPr marL="514350" indent="-514350">
-              <a:lnSpc>
-                <a:spcPct val="150000"/>
-              </a:lnSpc>
-              <a:buFont typeface="+mj-lt"/>
-              <a:buAutoNum type="romanUcPeriod"/>
-            </a:pPr>
-            <a:r>
-              <a:rPr lang="en-US" dirty="0" smtClean="0"/>
-              <a:t>Currently available mappers</a:t>
-            </a:r>
-          </a:p>
-          <a:p>
-            <a:pPr marL="914400" lvl="1" indent="-514350">
-              <a:buFont typeface="+mj-lt"/>
-              <a:buAutoNum type="romanLcPeriod"/>
-            </a:pPr>
-            <a:r>
-              <a:rPr lang="en-US" dirty="0" smtClean="0"/>
-              <a:t>BWA, Last, </a:t>
-            </a:r>
-            <a:r>
-              <a:rPr lang="en-US" dirty="0" err="1" smtClean="0"/>
-              <a:t>GraphMap</a:t>
-            </a:r>
-            <a:endParaRPr lang="en-US" dirty="0" smtClean="0"/>
-          </a:p>
-          <a:p>
-            <a:pPr marL="514350" indent="-514350">
-              <a:lnSpc>
-                <a:spcPct val="150000"/>
-              </a:lnSpc>
-              <a:buFont typeface="+mj-lt"/>
-              <a:buAutoNum type="romanUcPeriod"/>
-            </a:pPr>
-            <a:r>
-              <a:rPr lang="en-US" dirty="0" smtClean="0">
-                <a:solidFill>
-                  <a:schemeClr val="accent3">
-                    <a:lumMod val="65000"/>
-                  </a:schemeClr>
-                </a:solidFill>
-              </a:rPr>
-              <a:t>Constructing a new mapper</a:t>
-            </a:r>
-          </a:p>
-          <a:p>
-            <a:pPr marL="914400" lvl="1" indent="-514350">
-              <a:buFont typeface="+mj-lt"/>
-              <a:buAutoNum type="romanLcPeriod"/>
-            </a:pPr>
-            <a:r>
-              <a:rPr lang="en-US" dirty="0" smtClean="0">
-                <a:solidFill>
-                  <a:schemeClr val="accent3">
-                    <a:lumMod val="65000"/>
-                  </a:schemeClr>
-                </a:solidFill>
-              </a:rPr>
-              <a:t>Seeding</a:t>
-            </a:r>
-          </a:p>
-          <a:p>
-            <a:pPr marL="914400" lvl="1" indent="-514350">
-              <a:buFont typeface="+mj-lt"/>
-              <a:buAutoNum type="romanLcPeriod"/>
-            </a:pPr>
-            <a:r>
-              <a:rPr lang="en-US" dirty="0" smtClean="0">
-                <a:solidFill>
-                  <a:schemeClr val="accent3">
-                    <a:lumMod val="65000"/>
-                  </a:schemeClr>
-                </a:solidFill>
-              </a:rPr>
-              <a:t>Chaining</a:t>
-            </a:r>
-          </a:p>
-          <a:p>
-            <a:pPr marL="914400" lvl="1" indent="-514350">
-              <a:buFont typeface="+mj-lt"/>
-              <a:buAutoNum type="romanLcPeriod"/>
-            </a:pPr>
-            <a:r>
-              <a:rPr lang="en-US" dirty="0" smtClean="0">
-                <a:solidFill>
-                  <a:schemeClr val="accent3">
-                    <a:lumMod val="65000"/>
-                  </a:schemeClr>
-                </a:solidFill>
-              </a:rPr>
-              <a:t>Pathing</a:t>
-            </a:r>
-          </a:p>
-          <a:p>
-            <a:pPr marL="914400" lvl="1" indent="-514350">
-              <a:buFont typeface="+mj-lt"/>
-              <a:buAutoNum type="romanLcPeriod"/>
-            </a:pPr>
-            <a:r>
-              <a:rPr lang="en-US" dirty="0" smtClean="0">
-                <a:solidFill>
-                  <a:schemeClr val="accent3">
-                    <a:lumMod val="65000"/>
-                  </a:schemeClr>
-                </a:solidFill>
-              </a:rPr>
-              <a:t>Aligning</a:t>
-            </a:r>
-            <a:endParaRPr lang="en-US" dirty="0">
-              <a:solidFill>
-                <a:schemeClr val="accent3">
-                  <a:lumMod val="65000"/>
-                </a:schemeClr>
-              </a:solidFill>
-            </a:endParaRPr>
-          </a:p>
-          <a:p>
-            <a:pPr marL="514350" indent="-514350">
-              <a:lnSpc>
-                <a:spcPct val="150000"/>
-              </a:lnSpc>
-              <a:buFont typeface="+mj-lt"/>
-              <a:buAutoNum type="romanUcPeriod"/>
-            </a:pPr>
-            <a:r>
-              <a:rPr lang="en-US" dirty="0" smtClean="0">
-                <a:solidFill>
-                  <a:schemeClr val="accent3">
-                    <a:lumMod val="65000"/>
-                  </a:schemeClr>
-                </a:solidFill>
-              </a:rPr>
-              <a:t>Results and comparisons</a:t>
-            </a:r>
           </a:p>
         </p:txBody>
       </p:sp>
@@ -4468,10 +9838,231 @@
           </a:prstGeom>
         </p:spPr>
       </p:pic>
+      <p:pic>
+        <p:nvPicPr>
+          <p:cNvPr id="15" name="Picture 2" descr="Risultati immagini per nanopore"/>
+          <p:cNvPicPr>
+            <a:picLocks noChangeAspect="1" noChangeArrowheads="1"/>
+          </p:cNvPicPr>
+          <p:nvPr/>
+        </p:nvPicPr>
+        <p:blipFill>
+          <a:blip r:embed="rId4">
+            <a:extLst>
+              <a:ext uri="{28A0092B-C50C-407E-A947-70E740481C1C}">
+                <a14:useLocalDpi xmlns:a14="http://schemas.microsoft.com/office/drawing/2010/main" val="0"/>
+              </a:ext>
+            </a:extLst>
+          </a:blip>
+          <a:srcRect/>
+          <a:stretch>
+            <a:fillRect/>
+          </a:stretch>
+        </p:blipFill>
+        <p:spPr bwMode="auto">
+          <a:xfrm>
+            <a:off x="818927" y="12966194"/>
+            <a:ext cx="4421726" cy="2677656"/>
+          </a:xfrm>
+          <a:prstGeom prst="rect">
+            <a:avLst/>
+          </a:prstGeom>
+          <a:noFill/>
+          <a:extLst>
+            <a:ext uri="{909E8E84-426E-40DD-AFC4-6F175D3DCCD1}">
+              <a14:hiddenFill xmlns:a14="http://schemas.microsoft.com/office/drawing/2010/main">
+                <a:solidFill>
+                  <a:srgbClr val="FFFFFF"/>
+                </a:solidFill>
+              </a14:hiddenFill>
+            </a:ext>
+          </a:extLst>
+        </p:spPr>
+      </p:pic>
+      <p:pic>
+        <p:nvPicPr>
+          <p:cNvPr id="16" name="Picture 2" descr="Risultati immagini per nanopore"/>
+          <p:cNvPicPr>
+            <a:picLocks noChangeAspect="1" noChangeArrowheads="1"/>
+          </p:cNvPicPr>
+          <p:nvPr/>
+        </p:nvPicPr>
+        <p:blipFill>
+          <a:blip r:embed="rId4">
+            <a:extLst>
+              <a:ext uri="{28A0092B-C50C-407E-A947-70E740481C1C}">
+                <a14:useLocalDpi xmlns:a14="http://schemas.microsoft.com/office/drawing/2010/main" val="0"/>
+              </a:ext>
+            </a:extLst>
+          </a:blip>
+          <a:srcRect/>
+          <a:stretch>
+            <a:fillRect/>
+          </a:stretch>
+        </p:blipFill>
+        <p:spPr bwMode="auto">
+          <a:xfrm>
+            <a:off x="971327" y="13118594"/>
+            <a:ext cx="4421726" cy="2677656"/>
+          </a:xfrm>
+          <a:prstGeom prst="rect">
+            <a:avLst/>
+          </a:prstGeom>
+          <a:noFill/>
+          <a:extLst>
+            <a:ext uri="{909E8E84-426E-40DD-AFC4-6F175D3DCCD1}">
+              <a14:hiddenFill xmlns:a14="http://schemas.microsoft.com/office/drawing/2010/main">
+                <a:solidFill>
+                  <a:srgbClr val="FFFFFF"/>
+                </a:solidFill>
+              </a14:hiddenFill>
+            </a:ext>
+          </a:extLst>
+        </p:spPr>
+      </p:pic>
+      <p:pic>
+        <p:nvPicPr>
+          <p:cNvPr id="18" name="Picture 2" descr="Risultati immagini per nanopore"/>
+          <p:cNvPicPr>
+            <a:picLocks noChangeAspect="1" noChangeArrowheads="1"/>
+          </p:cNvPicPr>
+          <p:nvPr/>
+        </p:nvPicPr>
+        <p:blipFill>
+          <a:blip r:embed="rId4">
+            <a:extLst>
+              <a:ext uri="{28A0092B-C50C-407E-A947-70E740481C1C}">
+                <a14:useLocalDpi xmlns:a14="http://schemas.microsoft.com/office/drawing/2010/main" val="0"/>
+              </a:ext>
+            </a:extLst>
+          </a:blip>
+          <a:srcRect/>
+          <a:stretch>
+            <a:fillRect/>
+          </a:stretch>
+        </p:blipFill>
+        <p:spPr bwMode="auto">
+          <a:xfrm>
+            <a:off x="1123727" y="13270994"/>
+            <a:ext cx="4421726" cy="2677656"/>
+          </a:xfrm>
+          <a:prstGeom prst="rect">
+            <a:avLst/>
+          </a:prstGeom>
+          <a:noFill/>
+          <a:extLst>
+            <a:ext uri="{909E8E84-426E-40DD-AFC4-6F175D3DCCD1}">
+              <a14:hiddenFill xmlns:a14="http://schemas.microsoft.com/office/drawing/2010/main">
+                <a:solidFill>
+                  <a:srgbClr val="FFFFFF"/>
+                </a:solidFill>
+              </a14:hiddenFill>
+            </a:ext>
+          </a:extLst>
+        </p:spPr>
+      </p:pic>
+      <p:sp>
+        <p:nvSpPr>
+          <p:cNvPr id="25" name="Inhaltsplatzhalter 2"/>
+          <p:cNvSpPr>
+            <a:spLocks noGrp="1"/>
+          </p:cNvSpPr>
+          <p:nvPr>
+            <p:ph idx="1"/>
+          </p:nvPr>
+        </p:nvSpPr>
+        <p:spPr>
+          <a:xfrm>
+            <a:off x="226954" y="1347759"/>
+            <a:ext cx="8666222" cy="4900641"/>
+          </a:xfrm>
+        </p:spPr>
+        <p:txBody>
+          <a:bodyPr/>
+          <a:lstStyle/>
+          <a:p>
+            <a:pPr marL="514350" marR="0" lvl="0" indent="-514350" defTabSz="914400" eaLnBrk="1" fontAlgn="auto" latinLnBrk="0" hangingPunct="1">
+              <a:lnSpc>
+                <a:spcPct val="100000"/>
+              </a:lnSpc>
+              <a:spcBef>
+                <a:spcPts val="0"/>
+              </a:spcBef>
+              <a:spcAft>
+                <a:spcPts val="0"/>
+              </a:spcAft>
+              <a:buClrTx/>
+              <a:buSzTx/>
+              <a:buFont typeface="+mj-lt"/>
+              <a:buNone/>
+              <a:tabLst/>
+              <a:defRPr/>
+            </a:pPr>
+            <a:r>
+              <a:rPr lang="en-US" dirty="0" err="1" smtClean="0"/>
+              <a:t>Nanopore</a:t>
+            </a:r>
+            <a:r>
+              <a:rPr lang="en-US" dirty="0" smtClean="0"/>
+              <a:t> Sequencing</a:t>
+            </a:r>
+          </a:p>
+          <a:p>
+            <a:pPr eaLnBrk="1" fontAlgn="auto" hangingPunct="1">
+              <a:spcAft>
+                <a:spcPts val="0"/>
+              </a:spcAft>
+            </a:pPr>
+            <a:r>
+              <a:rPr lang="en-US" dirty="0" smtClean="0"/>
+              <a:t>Introduced 2012 by Oxford </a:t>
+            </a:r>
+            <a:r>
+              <a:rPr lang="en-US" dirty="0" err="1" smtClean="0"/>
+              <a:t>Nanopore</a:t>
+            </a:r>
+            <a:r>
+              <a:rPr lang="en-US" dirty="0" smtClean="0"/>
+              <a:t> Technology </a:t>
+            </a:r>
+          </a:p>
+          <a:p>
+            <a:pPr eaLnBrk="1" fontAlgn="auto" hangingPunct="1">
+              <a:spcAft>
+                <a:spcPts val="0"/>
+              </a:spcAft>
+            </a:pPr>
+            <a:r>
+              <a:rPr lang="en-US" dirty="0" smtClean="0"/>
+              <a:t>Utilizes electrical </a:t>
+            </a:r>
+          </a:p>
+          <a:p>
+            <a:pPr marL="514350" marR="0" lvl="0" indent="-514350" defTabSz="914400" eaLnBrk="1" fontAlgn="auto" latinLnBrk="0" hangingPunct="1">
+              <a:lnSpc>
+                <a:spcPct val="100000"/>
+              </a:lnSpc>
+              <a:spcBef>
+                <a:spcPts val="0"/>
+              </a:spcBef>
+              <a:spcAft>
+                <a:spcPts val="0"/>
+              </a:spcAft>
+              <a:buClrTx/>
+              <a:buSzTx/>
+              <a:buFont typeface="+mj-lt"/>
+              <a:buNone/>
+              <a:tabLst/>
+              <a:defRPr/>
+            </a:pPr>
+            <a:endParaRPr lang="en-US" dirty="0" smtClean="0"/>
+          </a:p>
+        </p:txBody>
+      </p:sp>
     </p:spTree>
     <p:extLst>
       <p:ext uri="{BB962C8B-B14F-4D97-AF65-F5344CB8AC3E}">
-        <p14:creationId xmlns:p14="http://schemas.microsoft.com/office/powerpoint/2010/main" val="1519944508"/>
+        <p14:creationId xmlns:p14="http://schemas.microsoft.com/office/powerpoint/2010/main" val="144934499"/>
       </p:ext>
     </p:extLst>
   </p:cSld>
@@ -4516,177 +10107,33 @@
             <p:ph type="title"/>
           </p:nvPr>
         </p:nvSpPr>
-        <p:spPr/>
+        <p:spPr>
+          <a:xfrm>
+            <a:off x="2071688" y="404664"/>
+            <a:ext cx="3941762" cy="673249"/>
+          </a:xfrm>
+        </p:spPr>
         <p:txBody>
           <a:bodyPr/>
           <a:lstStyle/>
           <a:p>
             <a:r>
-              <a:rPr lang="en-US" dirty="0" smtClean="0"/>
-              <a:t>Constructing a new mapper</a:t>
+              <a:rPr lang="en-US" dirty="0" err="1"/>
+              <a:t>Nanopore</a:t>
+            </a:r>
+            <a:r>
+              <a:rPr lang="en-US" dirty="0"/>
+              <a:t> Sequencing </a:t>
+            </a:r>
+            <a:r>
+              <a:rPr lang="mr-IN" dirty="0"/>
+              <a:t>–</a:t>
+            </a:r>
+            <a:r>
+              <a:rPr lang="en-US" dirty="0"/>
+              <a:t> How it works</a:t>
             </a:r>
             <a:endParaRPr lang="en-US" dirty="0"/>
-          </a:p>
-        </p:txBody>
-      </p:sp>
-      <p:sp>
-        <p:nvSpPr>
-          <p:cNvPr id="3" name="Inhaltsplatzhalter 2"/>
-          <p:cNvSpPr>
-            <a:spLocks noGrp="1"/>
-          </p:cNvSpPr>
-          <p:nvPr>
-            <p:ph idx="1"/>
-          </p:nvPr>
-        </p:nvSpPr>
-        <p:spPr/>
-        <p:txBody>
-          <a:bodyPr/>
-          <a:lstStyle/>
-          <a:p>
-            <a:pPr marL="514350" indent="-514350">
-              <a:buFont typeface="+mj-lt"/>
-              <a:buAutoNum type="romanUcPeriod"/>
-            </a:pPr>
-            <a:r>
-              <a:rPr lang="en-US" dirty="0" err="1" smtClean="0"/>
-              <a:t>Nanopore</a:t>
-            </a:r>
-            <a:r>
-              <a:rPr lang="en-US" dirty="0" smtClean="0"/>
-              <a:t> sequencing</a:t>
-            </a:r>
-          </a:p>
-          <a:p>
-            <a:pPr marL="914400" lvl="1" indent="-514350">
-              <a:buFont typeface="+mj-lt"/>
-              <a:buAutoNum type="romanLcPeriod"/>
-            </a:pPr>
-            <a:r>
-              <a:rPr lang="en-US" dirty="0" smtClean="0"/>
-              <a:t>How it works</a:t>
-            </a:r>
-          </a:p>
-          <a:p>
-            <a:pPr marL="914400" lvl="1" indent="-514350">
-              <a:buFont typeface="+mj-lt"/>
-              <a:buAutoNum type="romanLcPeriod"/>
-            </a:pPr>
-            <a:r>
-              <a:rPr lang="en-US" dirty="0" smtClean="0"/>
-              <a:t>Structure of reads</a:t>
-            </a:r>
-          </a:p>
-          <a:p>
-            <a:pPr marL="914400" lvl="1" indent="-514350">
-              <a:buFont typeface="+mj-lt"/>
-              <a:buAutoNum type="romanLcPeriod"/>
-            </a:pPr>
-            <a:r>
-              <a:rPr lang="en-US" dirty="0" smtClean="0"/>
-              <a:t>Defining the problem</a:t>
-            </a:r>
-          </a:p>
-          <a:p>
-            <a:pPr marL="514350" indent="-514350">
-              <a:lnSpc>
-                <a:spcPct val="150000"/>
-              </a:lnSpc>
-              <a:buFont typeface="+mj-lt"/>
-              <a:buAutoNum type="romanUcPeriod"/>
-            </a:pPr>
-            <a:r>
-              <a:rPr lang="en-US" dirty="0" smtClean="0"/>
-              <a:t>Currently available mappers</a:t>
-            </a:r>
-          </a:p>
-          <a:p>
-            <a:pPr marL="914400" lvl="1" indent="-514350">
-              <a:buFont typeface="+mj-lt"/>
-              <a:buAutoNum type="romanLcPeriod"/>
-            </a:pPr>
-            <a:r>
-              <a:rPr lang="en-US" dirty="0" smtClean="0"/>
-              <a:t>BWA, Last, </a:t>
-            </a:r>
-            <a:r>
-              <a:rPr lang="en-US" dirty="0" err="1" smtClean="0"/>
-              <a:t>GraphMap</a:t>
-            </a:r>
-            <a:endParaRPr lang="en-US" dirty="0" smtClean="0"/>
-          </a:p>
-          <a:p>
-            <a:pPr marL="514350" indent="-514350">
-              <a:lnSpc>
-                <a:spcPct val="150000"/>
-              </a:lnSpc>
-              <a:buFont typeface="+mj-lt"/>
-              <a:buAutoNum type="romanUcPeriod"/>
-            </a:pPr>
-            <a:r>
-              <a:rPr lang="en-US" dirty="0" smtClean="0"/>
-              <a:t>Constructing a new mapper</a:t>
-            </a:r>
-          </a:p>
-          <a:p>
-            <a:pPr marL="914400" lvl="1" indent="-514350">
-              <a:buFont typeface="+mj-lt"/>
-              <a:buAutoNum type="romanLcPeriod"/>
-            </a:pPr>
-            <a:r>
-              <a:rPr lang="en-US" dirty="0" smtClean="0"/>
-              <a:t>Seeding</a:t>
-            </a:r>
-          </a:p>
-          <a:p>
-            <a:pPr marL="914400" lvl="1" indent="-514350">
-              <a:buFont typeface="+mj-lt"/>
-              <a:buAutoNum type="romanLcPeriod"/>
-            </a:pPr>
-            <a:r>
-              <a:rPr lang="en-US" dirty="0" smtClean="0"/>
-              <a:t>Chaining</a:t>
-            </a:r>
-          </a:p>
-          <a:p>
-            <a:pPr marL="914400" lvl="1" indent="-514350">
-              <a:buFont typeface="+mj-lt"/>
-              <a:buAutoNum type="romanLcPeriod"/>
-            </a:pPr>
-            <a:r>
-              <a:rPr lang="en-US" dirty="0" smtClean="0"/>
-              <a:t>Pathing</a:t>
-            </a:r>
-          </a:p>
-          <a:p>
-            <a:pPr marL="914400" lvl="1" indent="-514350">
-              <a:buFont typeface="+mj-lt"/>
-              <a:buAutoNum type="romanLcPeriod"/>
-            </a:pPr>
-            <a:r>
-              <a:rPr lang="en-US" dirty="0" smtClean="0"/>
-              <a:t>Aligning</a:t>
-            </a:r>
-            <a:endParaRPr lang="en-US" dirty="0"/>
-          </a:p>
-          <a:p>
-            <a:pPr marL="514350" indent="-514350">
-              <a:lnSpc>
-                <a:spcPct val="150000"/>
-              </a:lnSpc>
-              <a:buFont typeface="+mj-lt"/>
-              <a:buAutoNum type="romanUcPeriod"/>
-            </a:pPr>
-            <a:r>
-              <a:rPr lang="en-US" dirty="0" smtClean="0">
-                <a:solidFill>
-                  <a:schemeClr val="accent3">
-                    <a:lumMod val="65000"/>
-                  </a:schemeClr>
-                </a:solidFill>
-              </a:rPr>
-              <a:t>Results and comparisons</a:t>
-            </a:r>
           </a:p>
         </p:txBody>
       </p:sp>
@@ -4787,8 +10234,221 @@
         </p:blipFill>
         <p:spPr>
           <a:xfrm>
-            <a:off x="6120172" y="115323"/>
+            <a:off x="6120172" y="75190"/>
             <a:ext cx="2915878" cy="1010780"/>
+          </a:xfrm>
+          <a:prstGeom prst="rect">
+            <a:avLst/>
+          </a:prstGeom>
+        </p:spPr>
+      </p:pic>
+      <p:pic>
+        <p:nvPicPr>
+          <p:cNvPr id="15" name="Picture 2" descr="Risultati immagini per nanopore"/>
+          <p:cNvPicPr>
+            <a:picLocks noChangeAspect="1" noChangeArrowheads="1"/>
+          </p:cNvPicPr>
+          <p:nvPr/>
+        </p:nvPicPr>
+        <p:blipFill>
+          <a:blip r:embed="rId4">
+            <a:extLst>
+              <a:ext uri="{28A0092B-C50C-407E-A947-70E740481C1C}">
+                <a14:useLocalDpi xmlns:a14="http://schemas.microsoft.com/office/drawing/2010/main" val="0"/>
+              </a:ext>
+            </a:extLst>
+          </a:blip>
+          <a:srcRect/>
+          <a:stretch>
+            <a:fillRect/>
+          </a:stretch>
+        </p:blipFill>
+        <p:spPr bwMode="auto">
+          <a:xfrm>
+            <a:off x="818927" y="12966194"/>
+            <a:ext cx="4421726" cy="2677656"/>
+          </a:xfrm>
+          <a:prstGeom prst="rect">
+            <a:avLst/>
+          </a:prstGeom>
+          <a:noFill/>
+          <a:extLst>
+            <a:ext uri="{909E8E84-426E-40DD-AFC4-6F175D3DCCD1}">
+              <a14:hiddenFill xmlns:a14="http://schemas.microsoft.com/office/drawing/2010/main">
+                <a:solidFill>
+                  <a:srgbClr val="FFFFFF"/>
+                </a:solidFill>
+              </a14:hiddenFill>
+            </a:ext>
+          </a:extLst>
+        </p:spPr>
+      </p:pic>
+      <p:pic>
+        <p:nvPicPr>
+          <p:cNvPr id="16" name="Picture 2" descr="Risultati immagini per nanopore"/>
+          <p:cNvPicPr>
+            <a:picLocks noChangeAspect="1" noChangeArrowheads="1"/>
+          </p:cNvPicPr>
+          <p:nvPr/>
+        </p:nvPicPr>
+        <p:blipFill>
+          <a:blip r:embed="rId4">
+            <a:extLst>
+              <a:ext uri="{28A0092B-C50C-407E-A947-70E740481C1C}">
+                <a14:useLocalDpi xmlns:a14="http://schemas.microsoft.com/office/drawing/2010/main" val="0"/>
+              </a:ext>
+            </a:extLst>
+          </a:blip>
+          <a:srcRect/>
+          <a:stretch>
+            <a:fillRect/>
+          </a:stretch>
+        </p:blipFill>
+        <p:spPr bwMode="auto">
+          <a:xfrm>
+            <a:off x="971327" y="13118594"/>
+            <a:ext cx="4421726" cy="2677656"/>
+          </a:xfrm>
+          <a:prstGeom prst="rect">
+            <a:avLst/>
+          </a:prstGeom>
+          <a:noFill/>
+          <a:extLst>
+            <a:ext uri="{909E8E84-426E-40DD-AFC4-6F175D3DCCD1}">
+              <a14:hiddenFill xmlns:a14="http://schemas.microsoft.com/office/drawing/2010/main">
+                <a:solidFill>
+                  <a:srgbClr val="FFFFFF"/>
+                </a:solidFill>
+              </a14:hiddenFill>
+            </a:ext>
+          </a:extLst>
+        </p:spPr>
+      </p:pic>
+      <p:pic>
+        <p:nvPicPr>
+          <p:cNvPr id="18" name="Picture 2" descr="Risultati immagini per nanopore"/>
+          <p:cNvPicPr>
+            <a:picLocks noChangeAspect="1" noChangeArrowheads="1"/>
+          </p:cNvPicPr>
+          <p:nvPr/>
+        </p:nvPicPr>
+        <p:blipFill>
+          <a:blip r:embed="rId4">
+            <a:extLst>
+              <a:ext uri="{28A0092B-C50C-407E-A947-70E740481C1C}">
+                <a14:useLocalDpi xmlns:a14="http://schemas.microsoft.com/office/drawing/2010/main" val="0"/>
+              </a:ext>
+            </a:extLst>
+          </a:blip>
+          <a:srcRect/>
+          <a:stretch>
+            <a:fillRect/>
+          </a:stretch>
+        </p:blipFill>
+        <p:spPr bwMode="auto">
+          <a:xfrm>
+            <a:off x="1123727" y="13270994"/>
+            <a:ext cx="4421726" cy="2677656"/>
+          </a:xfrm>
+          <a:prstGeom prst="rect">
+            <a:avLst/>
+          </a:prstGeom>
+          <a:noFill/>
+          <a:extLst>
+            <a:ext uri="{909E8E84-426E-40DD-AFC4-6F175D3DCCD1}">
+              <a14:hiddenFill xmlns:a14="http://schemas.microsoft.com/office/drawing/2010/main">
+                <a:solidFill>
+                  <a:srgbClr val="FFFFFF"/>
+                </a:solidFill>
+              </a14:hiddenFill>
+            </a:ext>
+          </a:extLst>
+        </p:spPr>
+      </p:pic>
+      <p:pic>
+        <p:nvPicPr>
+          <p:cNvPr id="23" name="Bild 22"/>
+          <p:cNvPicPr>
+            <a:picLocks noChangeAspect="1"/>
+          </p:cNvPicPr>
+          <p:nvPr/>
+        </p:nvPicPr>
+        <p:blipFill>
+          <a:blip r:embed="rId5">
+            <a:extLst>
+              <a:ext uri="{28A0092B-C50C-407E-A947-70E740481C1C}">
+                <a14:useLocalDpi xmlns:a14="http://schemas.microsoft.com/office/drawing/2010/main" val="0"/>
+              </a:ext>
+            </a:extLst>
+          </a:blip>
+          <a:stretch>
+            <a:fillRect/>
+          </a:stretch>
+        </p:blipFill>
+        <p:spPr>
+          <a:xfrm>
+            <a:off x="1468537" y="4169613"/>
+            <a:ext cx="5148064" cy="3283268"/>
+          </a:xfrm>
+          <a:prstGeom prst="rect">
+            <a:avLst/>
+          </a:prstGeom>
+        </p:spPr>
+      </p:pic>
+      <p:pic>
+        <p:nvPicPr>
+          <p:cNvPr id="3" name="Bild 2"/>
+          <p:cNvPicPr>
+            <a:picLocks noChangeAspect="1"/>
+          </p:cNvPicPr>
+          <p:nvPr/>
+        </p:nvPicPr>
+        <p:blipFill>
+          <a:blip r:embed="rId6">
+            <a:extLst>
+              <a:ext uri="{28A0092B-C50C-407E-A947-70E740481C1C}">
+                <a14:useLocalDpi xmlns:a14="http://schemas.microsoft.com/office/drawing/2010/main" val="0"/>
+              </a:ext>
+            </a:extLst>
+          </a:blip>
+          <a:stretch>
+            <a:fillRect/>
+          </a:stretch>
+        </p:blipFill>
+        <p:spPr>
+          <a:xfrm>
+            <a:off x="4402293" y="1558180"/>
+            <a:ext cx="4428616" cy="1385362"/>
+          </a:xfrm>
+          <a:prstGeom prst="rect">
+            <a:avLst/>
+          </a:prstGeom>
+        </p:spPr>
+      </p:pic>
+      <p:pic>
+        <p:nvPicPr>
+          <p:cNvPr id="6" name="Bild 5"/>
+          <p:cNvPicPr>
+            <a:picLocks noChangeAspect="1"/>
+          </p:cNvPicPr>
+          <p:nvPr/>
+        </p:nvPicPr>
+        <p:blipFill>
+          <a:blip r:embed="rId7">
+            <a:extLst>
+              <a:ext uri="{28A0092B-C50C-407E-A947-70E740481C1C}">
+                <a14:useLocalDpi xmlns:a14="http://schemas.microsoft.com/office/drawing/2010/main" val="0"/>
+              </a:ext>
+            </a:extLst>
+          </a:blip>
+          <a:stretch>
+            <a:fillRect/>
+          </a:stretch>
+        </p:blipFill>
+        <p:spPr>
+          <a:xfrm>
+            <a:off x="-158752" y="1487167"/>
+            <a:ext cx="5695525" cy="1785328"/>
           </a:xfrm>
           <a:prstGeom prst="rect">
             <a:avLst/>
@@ -4798,7 +10458,7 @@
     </p:spTree>
     <p:extLst>
       <p:ext uri="{BB962C8B-B14F-4D97-AF65-F5344CB8AC3E}">
-        <p14:creationId xmlns:p14="http://schemas.microsoft.com/office/powerpoint/2010/main" val="1466029206"/>
+        <p14:creationId xmlns:p14="http://schemas.microsoft.com/office/powerpoint/2010/main" val="1590895102"/>
       </p:ext>
     </p:extLst>
   </p:cSld>
@@ -4843,187 +10503,31 @@
             <p:ph type="title"/>
           </p:nvPr>
         </p:nvSpPr>
-        <p:spPr/>
+        <p:spPr>
+          <a:xfrm>
+            <a:off x="2071688" y="404664"/>
+            <a:ext cx="3941762" cy="673249"/>
+          </a:xfrm>
+        </p:spPr>
         <p:txBody>
           <a:bodyPr/>
           <a:lstStyle/>
           <a:p>
             <a:r>
-              <a:rPr lang="en-US" dirty="0" smtClean="0"/>
-              <a:t>Constructing </a:t>
-            </a:r>
-            <a:r>
-              <a:rPr lang="mr-IN" dirty="0" smtClean="0"/>
+              <a:rPr lang="en-US" dirty="0" err="1"/>
+              <a:t>Nanopore</a:t>
+            </a:r>
+            <a:r>
+              <a:rPr lang="en-US" dirty="0"/>
+              <a:t> Sequencing </a:t>
+            </a:r>
+            <a:r>
+              <a:rPr lang="mr-IN" dirty="0"/>
               <a:t>–</a:t>
             </a:r>
             <a:r>
-              <a:rPr lang="en-US" dirty="0" smtClean="0"/>
-              <a:t> Seeding [Jonas]</a:t>
-            </a:r>
-            <a:endParaRPr lang="en-US" dirty="0"/>
-          </a:p>
-        </p:txBody>
-      </p:sp>
-      <p:sp>
-        <p:nvSpPr>
-          <p:cNvPr id="3" name="Inhaltsplatzhalter 2"/>
-          <p:cNvSpPr>
-            <a:spLocks noGrp="1"/>
-          </p:cNvSpPr>
-          <p:nvPr>
-            <p:ph idx="1"/>
-          </p:nvPr>
-        </p:nvSpPr>
-        <p:spPr/>
-        <p:txBody>
-          <a:bodyPr/>
-          <a:lstStyle/>
-          <a:p>
-            <a:pPr marR="0" lvl="0" defTabSz="914400" eaLnBrk="1" fontAlgn="auto" latinLnBrk="0" hangingPunct="1">
-              <a:lnSpc>
-                <a:spcPct val="100000"/>
-              </a:lnSpc>
-              <a:spcBef>
-                <a:spcPts val="0"/>
-              </a:spcBef>
-              <a:spcAft>
-                <a:spcPts val="0"/>
-              </a:spcAft>
-              <a:buClrTx/>
-              <a:buSzTx/>
-              <a:buFontTx/>
-              <a:buChar char="-"/>
-              <a:tabLst/>
-              <a:defRPr/>
-            </a:pPr>
-            <a:r>
-              <a:rPr lang="en-US" dirty="0" smtClean="0"/>
-              <a:t>Seeding</a:t>
-            </a:r>
-          </a:p>
-          <a:p>
-            <a:pPr lvl="1" eaLnBrk="1" fontAlgn="auto" hangingPunct="1">
-              <a:spcAft>
-                <a:spcPts val="0"/>
-              </a:spcAft>
-              <a:buFontTx/>
-              <a:buChar char="-"/>
-            </a:pPr>
-            <a:r>
-              <a:rPr lang="en-US" dirty="0" smtClean="0"/>
-              <a:t>Theory</a:t>
-            </a:r>
-          </a:p>
-          <a:p>
-            <a:pPr lvl="2" eaLnBrk="1" fontAlgn="auto" hangingPunct="1">
-              <a:spcAft>
-                <a:spcPts val="0"/>
-              </a:spcAft>
-              <a:buFontTx/>
-              <a:buChar char="-"/>
-            </a:pPr>
-            <a:r>
-              <a:rPr lang="en-US" dirty="0" smtClean="0"/>
-              <a:t>Reads are too long to be aligned in one run</a:t>
-            </a:r>
-          </a:p>
-          <a:p>
-            <a:pPr lvl="2" eaLnBrk="1" fontAlgn="auto" hangingPunct="1">
-              <a:spcAft>
-                <a:spcPts val="0"/>
-              </a:spcAft>
-              <a:buFontTx/>
-              <a:buChar char="-"/>
-            </a:pPr>
-            <a:r>
-              <a:rPr lang="en-US" dirty="0" smtClean="0"/>
-              <a:t>Splitting into many small seeds</a:t>
-            </a:r>
-          </a:p>
-          <a:p>
-            <a:pPr lvl="2" eaLnBrk="1" fontAlgn="auto" hangingPunct="1">
-              <a:spcAft>
-                <a:spcPts val="0"/>
-              </a:spcAft>
-              <a:buFontTx/>
-              <a:buChar char="-"/>
-            </a:pPr>
-            <a:r>
-              <a:rPr lang="en-US" dirty="0" smtClean="0"/>
-              <a:t>Mapping of seeds with close to no mismatches</a:t>
-            </a:r>
-          </a:p>
-          <a:p>
-            <a:pPr lvl="1" eaLnBrk="1" fontAlgn="auto" hangingPunct="1">
-              <a:spcAft>
-                <a:spcPts val="0"/>
-              </a:spcAft>
-              <a:buFontTx/>
-              <a:buChar char="-"/>
-            </a:pPr>
-            <a:r>
-              <a:rPr lang="en-US" dirty="0" smtClean="0"/>
-              <a:t>Implementation</a:t>
-            </a:r>
-          </a:p>
-          <a:p>
-            <a:pPr lvl="2" eaLnBrk="1" fontAlgn="auto" hangingPunct="1">
-              <a:spcAft>
-                <a:spcPts val="0"/>
-              </a:spcAft>
-              <a:buFontTx/>
-              <a:buChar char="-"/>
-            </a:pPr>
-            <a:r>
-              <a:rPr lang="en-US" dirty="0" smtClean="0"/>
-              <a:t>Seed of length (35 </a:t>
-            </a:r>
-            <a:r>
-              <a:rPr lang="en-US" dirty="0" err="1" smtClean="0"/>
-              <a:t>bp</a:t>
-            </a:r>
-            <a:r>
-              <a:rPr lang="en-US" dirty="0" smtClean="0"/>
-              <a:t>)</a:t>
-            </a:r>
-          </a:p>
-          <a:p>
-            <a:pPr lvl="2" eaLnBrk="1" fontAlgn="auto" hangingPunct="1">
-              <a:spcAft>
-                <a:spcPts val="0"/>
-              </a:spcAft>
-              <a:buFontTx/>
-              <a:buChar char="-"/>
-            </a:pPr>
-            <a:r>
-              <a:rPr lang="en-US" dirty="0" smtClean="0"/>
-              <a:t>MM max 1</a:t>
-            </a:r>
-          </a:p>
-          <a:p>
-            <a:pPr lvl="2" eaLnBrk="1" fontAlgn="auto" hangingPunct="1">
-              <a:spcAft>
-                <a:spcPts val="0"/>
-              </a:spcAft>
-              <a:buFontTx/>
-              <a:buChar char="-"/>
-            </a:pPr>
-            <a:r>
-              <a:rPr lang="en-US" dirty="0" smtClean="0"/>
-              <a:t>Mapping with Bowtie (End to End MM = 1)</a:t>
-            </a:r>
-          </a:p>
-          <a:p>
-            <a:pPr lvl="2" eaLnBrk="1" fontAlgn="auto" hangingPunct="1">
-              <a:spcAft>
-                <a:spcPts val="0"/>
-              </a:spcAft>
-              <a:buFontTx/>
-              <a:buChar char="-"/>
-            </a:pPr>
-            <a:r>
-              <a:rPr lang="en-US" dirty="0" smtClean="0"/>
-              <a:t>[PLOTS] Fancy plot with seed lengths</a:t>
+              <a:rPr lang="en-US" dirty="0"/>
+              <a:t> How it works</a:t>
             </a:r>
             <a:endParaRPr lang="en-US" dirty="0"/>
           </a:p>
@@ -5134,10 +10638,163 @@
           </a:prstGeom>
         </p:spPr>
       </p:pic>
+      <p:pic>
+        <p:nvPicPr>
+          <p:cNvPr id="15" name="Picture 2" descr="Risultati immagini per nanopore"/>
+          <p:cNvPicPr>
+            <a:picLocks noChangeAspect="1" noChangeArrowheads="1"/>
+          </p:cNvPicPr>
+          <p:nvPr/>
+        </p:nvPicPr>
+        <p:blipFill>
+          <a:blip r:embed="rId4">
+            <a:extLst>
+              <a:ext uri="{28A0092B-C50C-407E-A947-70E740481C1C}">
+                <a14:useLocalDpi xmlns:a14="http://schemas.microsoft.com/office/drawing/2010/main" val="0"/>
+              </a:ext>
+            </a:extLst>
+          </a:blip>
+          <a:srcRect/>
+          <a:stretch>
+            <a:fillRect/>
+          </a:stretch>
+        </p:blipFill>
+        <p:spPr bwMode="auto">
+          <a:xfrm>
+            <a:off x="818927" y="12966194"/>
+            <a:ext cx="4421726" cy="2677656"/>
+          </a:xfrm>
+          <a:prstGeom prst="rect">
+            <a:avLst/>
+          </a:prstGeom>
+          <a:noFill/>
+          <a:extLst>
+            <a:ext uri="{909E8E84-426E-40DD-AFC4-6F175D3DCCD1}">
+              <a14:hiddenFill xmlns:a14="http://schemas.microsoft.com/office/drawing/2010/main">
+                <a:solidFill>
+                  <a:srgbClr val="FFFFFF"/>
+                </a:solidFill>
+              </a14:hiddenFill>
+            </a:ext>
+          </a:extLst>
+        </p:spPr>
+      </p:pic>
+      <p:pic>
+        <p:nvPicPr>
+          <p:cNvPr id="16" name="Picture 2" descr="Risultati immagini per nanopore"/>
+          <p:cNvPicPr>
+            <a:picLocks noChangeAspect="1" noChangeArrowheads="1"/>
+          </p:cNvPicPr>
+          <p:nvPr/>
+        </p:nvPicPr>
+        <p:blipFill>
+          <a:blip r:embed="rId4">
+            <a:extLst>
+              <a:ext uri="{28A0092B-C50C-407E-A947-70E740481C1C}">
+                <a14:useLocalDpi xmlns:a14="http://schemas.microsoft.com/office/drawing/2010/main" val="0"/>
+              </a:ext>
+            </a:extLst>
+          </a:blip>
+          <a:srcRect/>
+          <a:stretch>
+            <a:fillRect/>
+          </a:stretch>
+        </p:blipFill>
+        <p:spPr bwMode="auto">
+          <a:xfrm>
+            <a:off x="971327" y="13118594"/>
+            <a:ext cx="4421726" cy="2677656"/>
+          </a:xfrm>
+          <a:prstGeom prst="rect">
+            <a:avLst/>
+          </a:prstGeom>
+          <a:noFill/>
+          <a:extLst>
+            <a:ext uri="{909E8E84-426E-40DD-AFC4-6F175D3DCCD1}">
+              <a14:hiddenFill xmlns:a14="http://schemas.microsoft.com/office/drawing/2010/main">
+                <a:solidFill>
+                  <a:srgbClr val="FFFFFF"/>
+                </a:solidFill>
+              </a14:hiddenFill>
+            </a:ext>
+          </a:extLst>
+        </p:spPr>
+      </p:pic>
+      <p:pic>
+        <p:nvPicPr>
+          <p:cNvPr id="18" name="Picture 2" descr="Risultati immagini per nanopore"/>
+          <p:cNvPicPr>
+            <a:picLocks noChangeAspect="1" noChangeArrowheads="1"/>
+          </p:cNvPicPr>
+          <p:nvPr/>
+        </p:nvPicPr>
+        <p:blipFill>
+          <a:blip r:embed="rId4">
+            <a:extLst>
+              <a:ext uri="{28A0092B-C50C-407E-A947-70E740481C1C}">
+                <a14:useLocalDpi xmlns:a14="http://schemas.microsoft.com/office/drawing/2010/main" val="0"/>
+              </a:ext>
+            </a:extLst>
+          </a:blip>
+          <a:srcRect/>
+          <a:stretch>
+            <a:fillRect/>
+          </a:stretch>
+        </p:blipFill>
+        <p:spPr bwMode="auto">
+          <a:xfrm>
+            <a:off x="1123727" y="13270994"/>
+            <a:ext cx="4421726" cy="2677656"/>
+          </a:xfrm>
+          <a:prstGeom prst="rect">
+            <a:avLst/>
+          </a:prstGeom>
+          <a:noFill/>
+          <a:extLst>
+            <a:ext uri="{909E8E84-426E-40DD-AFC4-6F175D3DCCD1}">
+              <a14:hiddenFill xmlns:a14="http://schemas.microsoft.com/office/drawing/2010/main">
+                <a:solidFill>
+                  <a:srgbClr val="FFFFFF"/>
+                </a:solidFill>
+              </a14:hiddenFill>
+            </a:ext>
+          </a:extLst>
+        </p:spPr>
+      </p:pic>
+      <p:pic>
+        <p:nvPicPr>
+          <p:cNvPr id="23" name="Bild 22"/>
+          <p:cNvPicPr>
+            <a:picLocks noChangeAspect="1"/>
+          </p:cNvPicPr>
+          <p:nvPr/>
+        </p:nvPicPr>
+        <p:blipFill>
+          <a:blip r:embed="rId5">
+            <a:extLst>
+              <a:ext uri="{28A0092B-C50C-407E-A947-70E740481C1C}">
+                <a14:useLocalDpi xmlns:a14="http://schemas.microsoft.com/office/drawing/2010/main" val="0"/>
+              </a:ext>
+            </a:extLst>
+          </a:blip>
+          <a:stretch>
+            <a:fillRect/>
+          </a:stretch>
+        </p:blipFill>
+        <p:spPr>
+          <a:xfrm>
+            <a:off x="4222943" y="1558290"/>
+            <a:ext cx="4921057" cy="3283268"/>
+          </a:xfrm>
+          <a:prstGeom prst="rect">
+            <a:avLst/>
+          </a:prstGeom>
+        </p:spPr>
+      </p:pic>
     </p:spTree>
     <p:extLst>
       <p:ext uri="{BB962C8B-B14F-4D97-AF65-F5344CB8AC3E}">
-        <p14:creationId xmlns:p14="http://schemas.microsoft.com/office/powerpoint/2010/main" val="470761010"/>
+        <p14:creationId xmlns:p14="http://schemas.microsoft.com/office/powerpoint/2010/main" val="838409679"/>
       </p:ext>
     </p:extLst>
   </p:cSld>
@@ -5182,14 +10839,23 @@
             <p:ph type="title"/>
           </p:nvPr>
         </p:nvSpPr>
-        <p:spPr/>
+        <p:spPr>
+          <a:xfrm>
+            <a:off x="2071688" y="332656"/>
+            <a:ext cx="3941762" cy="745257"/>
+          </a:xfrm>
+        </p:spPr>
         <p:txBody>
           <a:bodyPr/>
           <a:lstStyle/>
           <a:p>
             <a:r>
+              <a:rPr lang="en-US" dirty="0" err="1" smtClean="0"/>
+              <a:t>Nanopore</a:t>
+            </a:r>
+            <a:r>
               <a:rPr lang="en-US" dirty="0" smtClean="0"/>
-              <a:t>Constructing </a:t>
+              <a:t> Sequencing </a:t>
             </a:r>
             <a:r>
               <a:rPr lang="mr-IN" dirty="0" smtClean="0"/>
@@ -5197,187 +10863,9 @@
             </a:r>
             <a:r>
               <a:rPr lang="en-US" dirty="0" smtClean="0"/>
-              <a:t> Chaining [Jonas]</a:t>
+              <a:t> How it works</a:t>
             </a:r>
             <a:endParaRPr lang="en-US" dirty="0"/>
-          </a:p>
-        </p:txBody>
-      </p:sp>
-      <p:sp>
-        <p:nvSpPr>
-          <p:cNvPr id="3" name="Inhaltsplatzhalter 2"/>
-          <p:cNvSpPr>
-            <a:spLocks noGrp="1"/>
-          </p:cNvSpPr>
-          <p:nvPr>
-            <p:ph idx="1"/>
-          </p:nvPr>
-        </p:nvSpPr>
-        <p:spPr/>
-        <p:txBody>
-          <a:bodyPr/>
-          <a:lstStyle/>
-          <a:p>
-            <a:pPr marR="0" lvl="0" defTabSz="914400" eaLnBrk="1" fontAlgn="auto" latinLnBrk="0" hangingPunct="1">
-              <a:lnSpc>
-                <a:spcPct val="100000"/>
-              </a:lnSpc>
-              <a:spcBef>
-                <a:spcPts val="0"/>
-              </a:spcBef>
-              <a:spcAft>
-                <a:spcPts val="0"/>
-              </a:spcAft>
-              <a:buClrTx/>
-              <a:buSzTx/>
-              <a:buFontTx/>
-              <a:buChar char="-"/>
-              <a:tabLst/>
-              <a:defRPr/>
-            </a:pPr>
-            <a:r>
-              <a:rPr lang="en-US" dirty="0" smtClean="0"/>
-              <a:t>Chaining</a:t>
-            </a:r>
-          </a:p>
-          <a:p>
-            <a:pPr lvl="1" eaLnBrk="1" fontAlgn="auto" hangingPunct="1">
-              <a:spcAft>
-                <a:spcPts val="0"/>
-              </a:spcAft>
-              <a:buFontTx/>
-              <a:buChar char="-"/>
-            </a:pPr>
-            <a:r>
-              <a:rPr lang="en-US" dirty="0" smtClean="0"/>
-              <a:t>Theory</a:t>
-            </a:r>
-          </a:p>
-          <a:p>
-            <a:pPr lvl="2" eaLnBrk="1" fontAlgn="auto" hangingPunct="1">
-              <a:spcAft>
-                <a:spcPts val="0"/>
-              </a:spcAft>
-              <a:buFontTx/>
-              <a:buChar char="-"/>
-            </a:pPr>
-            <a:r>
-              <a:rPr lang="en-US" dirty="0" smtClean="0"/>
-              <a:t>Mapping of single seeds don</a:t>
-            </a:r>
-            <a:r>
-              <a:rPr lang="mr-IN" dirty="0" smtClean="0"/>
-              <a:t>’</a:t>
-            </a:r>
-            <a:r>
-              <a:rPr lang="en-US" dirty="0" smtClean="0"/>
-              <a:t>t have much meaning (random)</a:t>
-            </a:r>
-          </a:p>
-          <a:p>
-            <a:pPr lvl="2" eaLnBrk="1" fontAlgn="auto" hangingPunct="1">
-              <a:spcAft>
-                <a:spcPts val="0"/>
-              </a:spcAft>
-              <a:buFontTx/>
-              <a:buChar char="-"/>
-            </a:pPr>
-            <a:r>
-              <a:rPr lang="en-US" dirty="0" smtClean="0"/>
-              <a:t>Seed-groups indicate mapped regions</a:t>
-            </a:r>
-          </a:p>
-          <a:p>
-            <a:pPr lvl="2" eaLnBrk="1" fontAlgn="auto" hangingPunct="1">
-              <a:spcAft>
-                <a:spcPts val="0"/>
-              </a:spcAft>
-              <a:buFontTx/>
-              <a:buChar char="-"/>
-            </a:pPr>
-            <a:r>
-              <a:rPr lang="en-US" dirty="0"/>
-              <a:t>Filtering of </a:t>
-            </a:r>
-            <a:r>
-              <a:rPr lang="en-US" dirty="0" smtClean="0"/>
-              <a:t>misplaced seeds </a:t>
-            </a:r>
-          </a:p>
-          <a:p>
-            <a:pPr lvl="1" eaLnBrk="1" fontAlgn="auto" hangingPunct="1">
-              <a:spcAft>
-                <a:spcPts val="0"/>
-              </a:spcAft>
-              <a:buFontTx/>
-              <a:buChar char="-"/>
-            </a:pPr>
-            <a:r>
-              <a:rPr lang="en-US" dirty="0" smtClean="0"/>
-              <a:t>Implementation</a:t>
-            </a:r>
-          </a:p>
-          <a:p>
-            <a:pPr lvl="2" eaLnBrk="1" fontAlgn="auto" hangingPunct="1">
-              <a:spcAft>
-                <a:spcPts val="0"/>
-              </a:spcAft>
-              <a:buFontTx/>
-              <a:buChar char="-"/>
-            </a:pPr>
-            <a:r>
-              <a:rPr lang="en-US" dirty="0" smtClean="0"/>
-              <a:t>Detection of overlapping seeds</a:t>
-            </a:r>
-          </a:p>
-          <a:p>
-            <a:pPr lvl="2" eaLnBrk="1" fontAlgn="auto" hangingPunct="1">
-              <a:spcAft>
-                <a:spcPts val="0"/>
-              </a:spcAft>
-              <a:buFontTx/>
-              <a:buChar char="-"/>
-            </a:pPr>
-            <a:r>
-              <a:rPr lang="en-US" dirty="0" smtClean="0"/>
-              <a:t>Stitching to larger seed-chains</a:t>
-            </a:r>
-          </a:p>
-          <a:p>
-            <a:pPr lvl="2" eaLnBrk="1" fontAlgn="auto" hangingPunct="1">
-              <a:spcAft>
-                <a:spcPts val="0"/>
-              </a:spcAft>
-              <a:buFontTx/>
-              <a:buChar char="-"/>
-            </a:pPr>
-            <a:r>
-              <a:rPr lang="en-US" dirty="0" smtClean="0"/>
-              <a:t>Grouping of seeds with fitting transcriptomic and genomic coordinates</a:t>
-            </a:r>
-          </a:p>
-          <a:p>
-            <a:pPr lvl="2" eaLnBrk="1" fontAlgn="auto" hangingPunct="1">
-              <a:spcAft>
-                <a:spcPts val="0"/>
-              </a:spcAft>
-              <a:buFontTx/>
-              <a:buChar char="-"/>
-            </a:pPr>
-            <a:r>
-              <a:rPr lang="en-US" dirty="0" smtClean="0"/>
-              <a:t>[PLOTS] Length of seed-chains </a:t>
-            </a:r>
-          </a:p>
-          <a:p>
-            <a:pPr lvl="2" eaLnBrk="1" fontAlgn="auto" hangingPunct="1">
-              <a:spcAft>
-                <a:spcPts val="0"/>
-              </a:spcAft>
-              <a:buFontTx/>
-              <a:buChar char="-"/>
-            </a:pPr>
-            <a:endParaRPr lang="en-US" dirty="0" smtClean="0"/>
           </a:p>
         </p:txBody>
       </p:sp>
@@ -5486,10 +10974,40 @@
           </a:prstGeom>
         </p:spPr>
       </p:pic>
+      <p:pic>
+        <p:nvPicPr>
+          <p:cNvPr id="8" name="Bild 7"/>
+          <p:cNvPicPr>
+            <a:picLocks noChangeAspect="1"/>
+          </p:cNvPicPr>
+          <p:nvPr/>
+        </p:nvPicPr>
+        <p:blipFill>
+          <a:blip r:embed="rId4">
+            <a:extLst>
+              <a:ext uri="{28A0092B-C50C-407E-A947-70E740481C1C}">
+                <a14:useLocalDpi xmlns:a14="http://schemas.microsoft.com/office/drawing/2010/main" val="0"/>
+              </a:ext>
+            </a:extLst>
+          </a:blip>
+          <a:stretch>
+            <a:fillRect/>
+          </a:stretch>
+        </p:blipFill>
+        <p:spPr>
+          <a:xfrm>
+            <a:off x="4608004" y="1576249"/>
+            <a:ext cx="4158102" cy="4401108"/>
+          </a:xfrm>
+          <a:prstGeom prst="rect">
+            <a:avLst/>
+          </a:prstGeom>
+        </p:spPr>
+      </p:pic>
     </p:spTree>
     <p:extLst>
       <p:ext uri="{BB962C8B-B14F-4D97-AF65-F5344CB8AC3E}">
-        <p14:creationId xmlns:p14="http://schemas.microsoft.com/office/powerpoint/2010/main" val="2139537077"/>
+        <p14:creationId xmlns:p14="http://schemas.microsoft.com/office/powerpoint/2010/main" val="1422544952"/>
       </p:ext>
     </p:extLst>
   </p:cSld>
@@ -5540,8 +11058,12 @@
           <a:lstStyle/>
           <a:p>
             <a:r>
+              <a:rPr lang="en-US" dirty="0" err="1" smtClean="0"/>
+              <a:t>Nanopore</a:t>
+            </a:r>
+            <a:r>
               <a:rPr lang="en-US" dirty="0" smtClean="0"/>
-              <a:t>Constructing </a:t>
+              <a:t> Sequencing </a:t>
             </a:r>
             <a:r>
               <a:rPr lang="mr-IN" dirty="0" smtClean="0"/>
@@ -5549,221 +11071,9 @@
             </a:r>
             <a:r>
               <a:rPr lang="en-US" dirty="0" smtClean="0"/>
-              <a:t> Pathing [Flo]</a:t>
+              <a:t> Structure of reads</a:t>
             </a:r>
             <a:endParaRPr lang="en-US" dirty="0"/>
-          </a:p>
-        </p:txBody>
-      </p:sp>
-      <p:sp>
-        <p:nvSpPr>
-          <p:cNvPr id="3" name="Inhaltsplatzhalter 2"/>
-          <p:cNvSpPr>
-            <a:spLocks noGrp="1"/>
-          </p:cNvSpPr>
-          <p:nvPr>
-            <p:ph idx="1"/>
-          </p:nvPr>
-        </p:nvSpPr>
-        <p:spPr/>
-        <p:txBody>
-          <a:bodyPr/>
-          <a:lstStyle/>
-          <a:p>
-            <a:pPr marR="0" lvl="0" defTabSz="914400" eaLnBrk="1" fontAlgn="auto" latinLnBrk="0" hangingPunct="1">
-              <a:lnSpc>
-                <a:spcPct val="100000"/>
-              </a:lnSpc>
-              <a:spcBef>
-                <a:spcPts val="0"/>
-              </a:spcBef>
-              <a:spcAft>
-                <a:spcPts val="0"/>
-              </a:spcAft>
-              <a:buClrTx/>
-              <a:buSzTx/>
-              <a:buFontTx/>
-              <a:buChar char="-"/>
-              <a:tabLst/>
-              <a:defRPr/>
-            </a:pPr>
-            <a:r>
-              <a:rPr lang="en-US" dirty="0" smtClean="0"/>
-              <a:t>Pathing</a:t>
-            </a:r>
-          </a:p>
-          <a:p>
-            <a:pPr lvl="1" eaLnBrk="1" fontAlgn="auto" hangingPunct="1">
-              <a:spcAft>
-                <a:spcPts val="0"/>
-              </a:spcAft>
-              <a:buFontTx/>
-              <a:buChar char="-"/>
-            </a:pPr>
-            <a:r>
-              <a:rPr lang="en-US" dirty="0" smtClean="0"/>
-              <a:t>Theory</a:t>
-            </a:r>
-          </a:p>
-          <a:p>
-            <a:pPr lvl="2" eaLnBrk="1" fontAlgn="auto" hangingPunct="1">
-              <a:spcAft>
-                <a:spcPts val="0"/>
-              </a:spcAft>
-              <a:buFontTx/>
-              <a:buChar char="-"/>
-            </a:pPr>
-            <a:r>
-              <a:rPr lang="de-DE" dirty="0" err="1" smtClean="0"/>
-              <a:t>Alignments</a:t>
-            </a:r>
-            <a:r>
-              <a:rPr lang="de-DE" dirty="0" smtClean="0"/>
-              <a:t> </a:t>
-            </a:r>
-            <a:r>
-              <a:rPr lang="de-DE" dirty="0" err="1" smtClean="0"/>
-              <a:t>between</a:t>
-            </a:r>
-            <a:r>
-              <a:rPr lang="de-DE" dirty="0" smtClean="0"/>
-              <a:t> </a:t>
-            </a:r>
-            <a:r>
-              <a:rPr lang="de-DE" dirty="0" err="1" smtClean="0"/>
-              <a:t>seeds</a:t>
-            </a:r>
-            <a:r>
-              <a:rPr lang="de-DE" dirty="0" smtClean="0"/>
-              <a:t> </a:t>
-            </a:r>
-            <a:r>
-              <a:rPr lang="de-DE" dirty="0" err="1" smtClean="0"/>
-              <a:t>are</a:t>
-            </a:r>
-            <a:r>
-              <a:rPr lang="de-DE" dirty="0" smtClean="0"/>
-              <a:t> still </a:t>
-            </a:r>
-            <a:r>
-              <a:rPr lang="de-DE" dirty="0" err="1" smtClean="0"/>
-              <a:t>too</a:t>
-            </a:r>
-            <a:r>
-              <a:rPr lang="de-DE" dirty="0" smtClean="0"/>
-              <a:t> large -&gt; </a:t>
-            </a:r>
-            <a:r>
-              <a:rPr lang="de-DE" dirty="0" err="1" smtClean="0"/>
-              <a:t>need</a:t>
-            </a:r>
-            <a:r>
-              <a:rPr lang="de-DE" dirty="0" smtClean="0"/>
-              <a:t> </a:t>
-            </a:r>
-            <a:r>
-              <a:rPr lang="de-DE" dirty="0" err="1" smtClean="0"/>
-              <a:t>to</a:t>
-            </a:r>
-            <a:r>
-              <a:rPr lang="de-DE" dirty="0" smtClean="0"/>
-              <a:t> </a:t>
-            </a:r>
-            <a:r>
-              <a:rPr lang="de-DE" dirty="0" err="1" smtClean="0"/>
-              <a:t>reduce</a:t>
-            </a:r>
-            <a:r>
-              <a:rPr lang="de-DE" dirty="0" smtClean="0"/>
-              <a:t> </a:t>
-            </a:r>
-            <a:r>
-              <a:rPr lang="de-DE" dirty="0" err="1" smtClean="0"/>
-              <a:t>alignment</a:t>
-            </a:r>
-            <a:r>
-              <a:rPr lang="de-DE" dirty="0" smtClean="0"/>
-              <a:t> </a:t>
-            </a:r>
-            <a:r>
-              <a:rPr lang="de-DE" dirty="0" err="1" smtClean="0"/>
-              <a:t>size</a:t>
-            </a:r>
-            <a:endParaRPr lang="en-US" dirty="0" smtClean="0"/>
-          </a:p>
-          <a:p>
-            <a:pPr lvl="2" eaLnBrk="1" fontAlgn="auto" hangingPunct="1">
-              <a:spcAft>
-                <a:spcPts val="0"/>
-              </a:spcAft>
-              <a:buFontTx/>
-              <a:buChar char="-"/>
-            </a:pPr>
-            <a:r>
-              <a:rPr lang="en-US" dirty="0" smtClean="0"/>
-              <a:t>Difference between transcriptomic and genomic length = sum of introns -&gt; find intron combinations filling this gap</a:t>
-            </a:r>
-          </a:p>
-          <a:p>
-            <a:pPr lvl="1" eaLnBrk="1" fontAlgn="auto" hangingPunct="1">
-              <a:spcAft>
-                <a:spcPts val="0"/>
-              </a:spcAft>
-              <a:buFontTx/>
-              <a:buChar char="-"/>
-            </a:pPr>
-            <a:r>
-              <a:rPr lang="en-US" dirty="0" smtClean="0"/>
-              <a:t>Implementation</a:t>
-            </a:r>
-          </a:p>
-          <a:p>
-            <a:pPr lvl="2" eaLnBrk="1" fontAlgn="auto" hangingPunct="1">
-              <a:spcAft>
-                <a:spcPts val="0"/>
-              </a:spcAft>
-              <a:buFontTx/>
-              <a:buChar char="-"/>
-            </a:pPr>
-            <a:r>
-              <a:rPr lang="en-US" dirty="0" smtClean="0"/>
-              <a:t>Pathing creates all exon / intron combinations in area between seeds fitting into the gaps with a tolerance of </a:t>
-            </a:r>
-            <a:r>
-              <a:rPr lang="en-US" dirty="0" smtClean="0"/>
-              <a:t>5 </a:t>
-            </a:r>
-            <a:r>
-              <a:rPr lang="en-US" dirty="0" smtClean="0"/>
-              <a:t>percent</a:t>
-            </a:r>
-          </a:p>
-          <a:p>
-            <a:pPr lvl="2" eaLnBrk="1" fontAlgn="auto" hangingPunct="1">
-              <a:spcAft>
-                <a:spcPts val="0"/>
-              </a:spcAft>
-              <a:buFontTx/>
-              <a:buChar char="-"/>
-            </a:pPr>
-            <a:r>
-              <a:rPr lang="en-US" dirty="0" smtClean="0"/>
-              <a:t>[</a:t>
-            </a:r>
-            <a:r>
-              <a:rPr lang="en-US" dirty="0" smtClean="0"/>
-              <a:t>PLOTS] Transcriptomic length of chained reads vs genomic length</a:t>
-            </a:r>
-          </a:p>
-          <a:p>
-            <a:pPr lvl="2" eaLnBrk="1" fontAlgn="auto" hangingPunct="1">
-              <a:spcAft>
-                <a:spcPts val="0"/>
-              </a:spcAft>
-              <a:buFontTx/>
-              <a:buChar char="-"/>
-            </a:pPr>
-            <a:endParaRPr lang="en-US" dirty="0" smtClean="0"/>
           </a:p>
         </p:txBody>
       </p:sp>
@@ -5872,10 +11182,294 @@
           </a:prstGeom>
         </p:spPr>
       </p:pic>
+      <p:pic>
+        <p:nvPicPr>
+          <p:cNvPr id="9" name="Grafik 18"/>
+          <p:cNvPicPr>
+            <a:picLocks noChangeAspect="1"/>
+          </p:cNvPicPr>
+          <p:nvPr/>
+        </p:nvPicPr>
+        <p:blipFill>
+          <a:blip r:embed="rId4">
+            <a:extLst>
+              <a:ext uri="{28A0092B-C50C-407E-A947-70E740481C1C}">
+                <a14:useLocalDpi xmlns:a14="http://schemas.microsoft.com/office/drawing/2010/main" val="0"/>
+              </a:ext>
+            </a:extLst>
+          </a:blip>
+          <a:stretch>
+            <a:fillRect/>
+          </a:stretch>
+        </p:blipFill>
+        <p:spPr>
+          <a:xfrm>
+            <a:off x="19402742" y="10382085"/>
+            <a:ext cx="4900069" cy="3920056"/>
+          </a:xfrm>
+          <a:prstGeom prst="rect">
+            <a:avLst/>
+          </a:prstGeom>
+        </p:spPr>
+      </p:pic>
+      <p:pic>
+        <p:nvPicPr>
+          <p:cNvPr id="10" name="Grafik 18"/>
+          <p:cNvPicPr>
+            <a:picLocks noChangeAspect="1"/>
+          </p:cNvPicPr>
+          <p:nvPr/>
+        </p:nvPicPr>
+        <p:blipFill>
+          <a:blip r:embed="rId4">
+            <a:extLst>
+              <a:ext uri="{28A0092B-C50C-407E-A947-70E740481C1C}">
+                <a14:useLocalDpi xmlns:a14="http://schemas.microsoft.com/office/drawing/2010/main" val="0"/>
+              </a:ext>
+            </a:extLst>
+          </a:blip>
+          <a:stretch>
+            <a:fillRect/>
+          </a:stretch>
+        </p:blipFill>
+        <p:spPr>
+          <a:xfrm>
+            <a:off x="19555142" y="10534485"/>
+            <a:ext cx="4900069" cy="3920056"/>
+          </a:xfrm>
+          <a:prstGeom prst="rect">
+            <a:avLst/>
+          </a:prstGeom>
+        </p:spPr>
+      </p:pic>
+      <p:pic>
+        <p:nvPicPr>
+          <p:cNvPr id="11" name="Grafik 18"/>
+          <p:cNvPicPr>
+            <a:picLocks noChangeAspect="1"/>
+          </p:cNvPicPr>
+          <p:nvPr/>
+        </p:nvPicPr>
+        <p:blipFill>
+          <a:blip r:embed="rId4">
+            <a:extLst>
+              <a:ext uri="{28A0092B-C50C-407E-A947-70E740481C1C}">
+                <a14:useLocalDpi xmlns:a14="http://schemas.microsoft.com/office/drawing/2010/main" val="0"/>
+              </a:ext>
+            </a:extLst>
+          </a:blip>
+          <a:stretch>
+            <a:fillRect/>
+          </a:stretch>
+        </p:blipFill>
+        <p:spPr>
+          <a:xfrm>
+            <a:off x="19707542" y="10686885"/>
+            <a:ext cx="4900069" cy="3920056"/>
+          </a:xfrm>
+          <a:prstGeom prst="rect">
+            <a:avLst/>
+          </a:prstGeom>
+        </p:spPr>
+      </p:pic>
+      <p:pic>
+        <p:nvPicPr>
+          <p:cNvPr id="12" name="Grafik 18"/>
+          <p:cNvPicPr>
+            <a:picLocks noChangeAspect="1"/>
+          </p:cNvPicPr>
+          <p:nvPr/>
+        </p:nvPicPr>
+        <p:blipFill>
+          <a:blip r:embed="rId4">
+            <a:extLst>
+              <a:ext uri="{28A0092B-C50C-407E-A947-70E740481C1C}">
+                <a14:useLocalDpi xmlns:a14="http://schemas.microsoft.com/office/drawing/2010/main" val="0"/>
+              </a:ext>
+            </a:extLst>
+          </a:blip>
+          <a:stretch>
+            <a:fillRect/>
+          </a:stretch>
+        </p:blipFill>
+        <p:spPr>
+          <a:xfrm>
+            <a:off x="19859942" y="10839285"/>
+            <a:ext cx="4900069" cy="3920056"/>
+          </a:xfrm>
+          <a:prstGeom prst="rect">
+            <a:avLst/>
+          </a:prstGeom>
+        </p:spPr>
+      </p:pic>
+      <p:pic>
+        <p:nvPicPr>
+          <p:cNvPr id="13" name="Grafik 18"/>
+          <p:cNvPicPr>
+            <a:picLocks noChangeAspect="1"/>
+          </p:cNvPicPr>
+          <p:nvPr/>
+        </p:nvPicPr>
+        <p:blipFill>
+          <a:blip r:embed="rId4">
+            <a:extLst>
+              <a:ext uri="{28A0092B-C50C-407E-A947-70E740481C1C}">
+                <a14:useLocalDpi xmlns:a14="http://schemas.microsoft.com/office/drawing/2010/main" val="0"/>
+              </a:ext>
+            </a:extLst>
+          </a:blip>
+          <a:stretch>
+            <a:fillRect/>
+          </a:stretch>
+        </p:blipFill>
+        <p:spPr>
+          <a:xfrm>
+            <a:off x="20012342" y="10991685"/>
+            <a:ext cx="4900069" cy="3920056"/>
+          </a:xfrm>
+          <a:prstGeom prst="rect">
+            <a:avLst/>
+          </a:prstGeom>
+        </p:spPr>
+      </p:pic>
+      <p:pic>
+        <p:nvPicPr>
+          <p:cNvPr id="14" name="Grafik 19"/>
+          <p:cNvPicPr>
+            <a:picLocks noChangeAspect="1"/>
+          </p:cNvPicPr>
+          <p:nvPr/>
+        </p:nvPicPr>
+        <p:blipFill>
+          <a:blip r:embed="rId5">
+            <a:extLst>
+              <a:ext uri="{28A0092B-C50C-407E-A947-70E740481C1C}">
+                <a14:useLocalDpi xmlns:a14="http://schemas.microsoft.com/office/drawing/2010/main" val="0"/>
+              </a:ext>
+            </a:extLst>
+          </a:blip>
+          <a:stretch>
+            <a:fillRect/>
+          </a:stretch>
+        </p:blipFill>
+        <p:spPr>
+          <a:xfrm>
+            <a:off x="14394349" y="10335225"/>
+            <a:ext cx="4900069" cy="3920056"/>
+          </a:xfrm>
+          <a:prstGeom prst="rect">
+            <a:avLst/>
+          </a:prstGeom>
+        </p:spPr>
+      </p:pic>
+      <p:pic>
+        <p:nvPicPr>
+          <p:cNvPr id="15" name="Grafik 18"/>
+          <p:cNvPicPr>
+            <a:picLocks noChangeAspect="1"/>
+          </p:cNvPicPr>
+          <p:nvPr/>
+        </p:nvPicPr>
+        <p:blipFill>
+          <a:blip r:embed="rId4">
+            <a:extLst>
+              <a:ext uri="{28A0092B-C50C-407E-A947-70E740481C1C}">
+                <a14:useLocalDpi xmlns:a14="http://schemas.microsoft.com/office/drawing/2010/main" val="0"/>
+              </a:ext>
+            </a:extLst>
+          </a:blip>
+          <a:stretch>
+            <a:fillRect/>
+          </a:stretch>
+        </p:blipFill>
+        <p:spPr bwMode="auto">
+          <a:xfrm>
+            <a:off x="5986607" y="2060917"/>
+            <a:ext cx="4254307" cy="3403446"/>
+          </a:xfrm>
+          <a:prstGeom prst="rect">
+            <a:avLst/>
+          </a:prstGeom>
+          <a:noFill/>
+          <a:ln w="9525">
+            <a:noFill/>
+            <a:miter lim="800000"/>
+            <a:headEnd/>
+            <a:tailEnd/>
+          </a:ln>
+        </p:spPr>
+      </p:pic>
+      <p:pic>
+        <p:nvPicPr>
+          <p:cNvPr id="16" name="Grafik 19"/>
+          <p:cNvPicPr>
+            <a:picLocks noChangeAspect="1"/>
+          </p:cNvPicPr>
+          <p:nvPr/>
+        </p:nvPicPr>
+        <p:blipFill>
+          <a:blip r:embed="rId5">
+            <a:extLst>
+              <a:ext uri="{28A0092B-C50C-407E-A947-70E740481C1C}">
+                <a14:useLocalDpi xmlns:a14="http://schemas.microsoft.com/office/drawing/2010/main" val="0"/>
+              </a:ext>
+            </a:extLst>
+          </a:blip>
+          <a:stretch>
+            <a:fillRect/>
+          </a:stretch>
+        </p:blipFill>
+        <p:spPr>
+          <a:xfrm>
+            <a:off x="14546749" y="10487625"/>
+            <a:ext cx="4900069" cy="3920056"/>
+          </a:xfrm>
+          <a:prstGeom prst="rect">
+            <a:avLst/>
+          </a:prstGeom>
+        </p:spPr>
+      </p:pic>
+      <p:pic>
+        <p:nvPicPr>
+          <p:cNvPr id="19" name="Grafik 19"/>
+          <p:cNvPicPr>
+            <a:picLocks noChangeAspect="1"/>
+          </p:cNvPicPr>
+          <p:nvPr/>
+        </p:nvPicPr>
+        <p:blipFill>
+          <a:blip r:embed="rId5">
+            <a:extLst>
+              <a:ext uri="{28A0092B-C50C-407E-A947-70E740481C1C}">
+                <a14:useLocalDpi xmlns:a14="http://schemas.microsoft.com/office/drawing/2010/main" val="0"/>
+              </a:ext>
+            </a:extLst>
+          </a:blip>
+          <a:stretch>
+            <a:fillRect/>
+          </a:stretch>
+        </p:blipFill>
+        <p:spPr bwMode="auto">
+          <a:xfrm>
+            <a:off x="179388" y="1659390"/>
+            <a:ext cx="5273388" cy="4218711"/>
+          </a:xfrm>
+          <a:prstGeom prst="rect">
+            <a:avLst/>
+          </a:prstGeom>
+          <a:noFill/>
+          <a:ln w="9525">
+            <a:noFill/>
+            <a:miter lim="800000"/>
+            <a:headEnd/>
+            <a:tailEnd/>
+          </a:ln>
+        </p:spPr>
+      </p:pic>
     </p:spTree>
     <p:extLst>
       <p:ext uri="{BB962C8B-B14F-4D97-AF65-F5344CB8AC3E}">
-        <p14:creationId xmlns:p14="http://schemas.microsoft.com/office/powerpoint/2010/main" val="271121580"/>
+        <p14:creationId xmlns:p14="http://schemas.microsoft.com/office/powerpoint/2010/main" val="2001812629"/>
       </p:ext>
     </p:extLst>
   </p:cSld>
@@ -5926,8 +11520,12 @@
           <a:lstStyle/>
           <a:p>
             <a:r>
+              <a:rPr lang="en-US" dirty="0" err="1" smtClean="0"/>
+              <a:t>Nanopore</a:t>
+            </a:r>
+            <a:r>
               <a:rPr lang="en-US" dirty="0" smtClean="0"/>
-              <a:t>Constructing </a:t>
+              <a:t> Sequencing </a:t>
             </a:r>
             <a:r>
               <a:rPr lang="mr-IN" dirty="0" smtClean="0"/>
@@ -5935,178 +11533,9 @@
             </a:r>
             <a:r>
               <a:rPr lang="en-US" dirty="0" smtClean="0"/>
-              <a:t> Aligning [Flo]</a:t>
+              <a:t> Structure of reads</a:t>
             </a:r>
             <a:endParaRPr lang="en-US" dirty="0"/>
-          </a:p>
-        </p:txBody>
-      </p:sp>
-      <p:sp>
-        <p:nvSpPr>
-          <p:cNvPr id="3" name="Inhaltsplatzhalter 2"/>
-          <p:cNvSpPr>
-            <a:spLocks noGrp="1"/>
-          </p:cNvSpPr>
-          <p:nvPr>
-            <p:ph idx="1"/>
-          </p:nvPr>
-        </p:nvSpPr>
-        <p:spPr/>
-        <p:txBody>
-          <a:bodyPr/>
-          <a:lstStyle/>
-          <a:p>
-            <a:pPr marR="0" lvl="0" defTabSz="914400" eaLnBrk="1" fontAlgn="auto" latinLnBrk="0" hangingPunct="1">
-              <a:lnSpc>
-                <a:spcPct val="100000"/>
-              </a:lnSpc>
-              <a:spcBef>
-                <a:spcPts val="0"/>
-              </a:spcBef>
-              <a:spcAft>
-                <a:spcPts val="0"/>
-              </a:spcAft>
-              <a:buClrTx/>
-              <a:buSzTx/>
-              <a:buFontTx/>
-              <a:buChar char="-"/>
-              <a:tabLst/>
-              <a:defRPr/>
-            </a:pPr>
-            <a:r>
-              <a:rPr lang="en-US" dirty="0" smtClean="0"/>
-              <a:t>Aligning</a:t>
-            </a:r>
-          </a:p>
-          <a:p>
-            <a:pPr lvl="1" eaLnBrk="1" fontAlgn="auto" hangingPunct="1">
-              <a:spcAft>
-                <a:spcPts val="0"/>
-              </a:spcAft>
-              <a:buFontTx/>
-              <a:buChar char="-"/>
-            </a:pPr>
-            <a:r>
-              <a:rPr lang="en-US" dirty="0" smtClean="0"/>
-              <a:t>Theory</a:t>
-            </a:r>
-          </a:p>
-          <a:p>
-            <a:pPr lvl="2" eaLnBrk="1" fontAlgn="auto" hangingPunct="1">
-              <a:spcAft>
-                <a:spcPts val="0"/>
-              </a:spcAft>
-              <a:buFontTx/>
-              <a:buChar char="-"/>
-            </a:pPr>
-            <a:r>
-              <a:rPr lang="en-US" dirty="0" smtClean="0"/>
-              <a:t>High mismatch rate / low </a:t>
-            </a:r>
-            <a:r>
-              <a:rPr lang="en-US" dirty="0" err="1" smtClean="0"/>
-              <a:t>inDel</a:t>
-            </a:r>
-            <a:r>
-              <a:rPr lang="en-US" dirty="0" smtClean="0"/>
-              <a:t> rate  </a:t>
-            </a:r>
-          </a:p>
-          <a:p>
-            <a:pPr lvl="2" eaLnBrk="1" fontAlgn="auto" hangingPunct="1">
-              <a:spcAft>
-                <a:spcPts val="0"/>
-              </a:spcAft>
-              <a:buFontTx/>
-              <a:buChar char="-"/>
-            </a:pPr>
-            <a:r>
-              <a:rPr lang="en-US" dirty="0" smtClean="0"/>
-              <a:t>Aligning all possible paths</a:t>
-            </a:r>
-          </a:p>
-          <a:p>
-            <a:pPr lvl="2" eaLnBrk="1" fontAlgn="auto" hangingPunct="1">
-              <a:spcAft>
-                <a:spcPts val="0"/>
-              </a:spcAft>
-              <a:buFontTx/>
-              <a:buChar char="-"/>
-            </a:pPr>
-            <a:r>
-              <a:rPr lang="en-US" dirty="0" smtClean="0"/>
-              <a:t>Picking the best solution for each seed gap</a:t>
-            </a:r>
-          </a:p>
-          <a:p>
-            <a:pPr lvl="2" eaLnBrk="1" fontAlgn="auto" hangingPunct="1">
-              <a:spcAft>
-                <a:spcPts val="0"/>
-              </a:spcAft>
-              <a:buFontTx/>
-              <a:buChar char="-"/>
-            </a:pPr>
-            <a:r>
-              <a:rPr lang="en-US" dirty="0" smtClean="0"/>
-              <a:t>Stitching partial alignments </a:t>
-            </a:r>
-          </a:p>
-          <a:p>
-            <a:pPr lvl="1" eaLnBrk="1" fontAlgn="auto" hangingPunct="1">
-              <a:spcAft>
-                <a:spcPts val="0"/>
-              </a:spcAft>
-              <a:buFontTx/>
-              <a:buChar char="-"/>
-            </a:pPr>
-            <a:r>
-              <a:rPr lang="en-US" dirty="0" smtClean="0"/>
-              <a:t>Implementation</a:t>
-            </a:r>
-          </a:p>
-          <a:p>
-            <a:pPr lvl="2" eaLnBrk="1" fontAlgn="auto" hangingPunct="1">
-              <a:spcAft>
-                <a:spcPts val="0"/>
-              </a:spcAft>
-              <a:buFontTx/>
-              <a:buChar char="-"/>
-            </a:pPr>
-            <a:r>
-              <a:rPr lang="en-US" dirty="0" smtClean="0"/>
-              <a:t>GOTOH approach with optimized parameters</a:t>
-            </a:r>
-          </a:p>
-          <a:p>
-            <a:pPr lvl="2" eaLnBrk="1" fontAlgn="auto" hangingPunct="1">
-              <a:spcAft>
-                <a:spcPts val="0"/>
-              </a:spcAft>
-              <a:buFontTx/>
-              <a:buChar char="-"/>
-            </a:pPr>
-            <a:r>
-              <a:rPr lang="en-US" dirty="0" smtClean="0"/>
-              <a:t>[PLOTS] </a:t>
-            </a:r>
-            <a:r>
-              <a:rPr lang="en-US" dirty="0" err="1" smtClean="0"/>
-              <a:t>Heatmap</a:t>
-            </a:r>
-            <a:r>
-              <a:rPr lang="en-US" dirty="0" smtClean="0"/>
-              <a:t> of parameter tuning</a:t>
-            </a:r>
-          </a:p>
-          <a:p>
-            <a:pPr lvl="2" eaLnBrk="1" fontAlgn="auto" hangingPunct="1">
-              <a:spcAft>
-                <a:spcPts val="0"/>
-              </a:spcAft>
-              <a:buFontTx/>
-              <a:buChar char="-"/>
-            </a:pPr>
-            <a:endParaRPr lang="en-US" dirty="0" smtClean="0"/>
           </a:p>
         </p:txBody>
       </p:sp>
@@ -6215,10 +11644,289 @@
           </a:prstGeom>
         </p:spPr>
       </p:pic>
+      <p:pic>
+        <p:nvPicPr>
+          <p:cNvPr id="8" name="Grafik 11"/>
+          <p:cNvPicPr>
+            <a:picLocks noGrp="1" noChangeAspect="1"/>
+          </p:cNvPicPr>
+          <p:nvPr>
+            <p:ph idx="1"/>
+          </p:nvPr>
+        </p:nvPicPr>
+        <p:blipFill>
+          <a:blip r:embed="rId4">
+            <a:extLst>
+              <a:ext uri="{28A0092B-C50C-407E-A947-70E740481C1C}">
+                <a14:useLocalDpi xmlns:a14="http://schemas.microsoft.com/office/drawing/2010/main" val="0"/>
+              </a:ext>
+            </a:extLst>
+          </a:blip>
+          <a:stretch>
+            <a:fillRect/>
+          </a:stretch>
+        </p:blipFill>
+        <p:spPr>
+          <a:xfrm>
+            <a:off x="4247380" y="1412776"/>
+            <a:ext cx="4960904" cy="3968723"/>
+          </a:xfrm>
+          <a:prstGeom prst="rect">
+            <a:avLst/>
+          </a:prstGeom>
+        </p:spPr>
+      </p:pic>
+      <p:pic>
+        <p:nvPicPr>
+          <p:cNvPr id="9" name="Grafik 18"/>
+          <p:cNvPicPr>
+            <a:picLocks noChangeAspect="1"/>
+          </p:cNvPicPr>
+          <p:nvPr/>
+        </p:nvPicPr>
+        <p:blipFill>
+          <a:blip r:embed="rId5">
+            <a:extLst>
+              <a:ext uri="{28A0092B-C50C-407E-A947-70E740481C1C}">
+                <a14:useLocalDpi xmlns:a14="http://schemas.microsoft.com/office/drawing/2010/main" val="0"/>
+              </a:ext>
+            </a:extLst>
+          </a:blip>
+          <a:stretch>
+            <a:fillRect/>
+          </a:stretch>
+        </p:blipFill>
+        <p:spPr>
+          <a:xfrm>
+            <a:off x="19402742" y="10382085"/>
+            <a:ext cx="4900069" cy="3920056"/>
+          </a:xfrm>
+          <a:prstGeom prst="rect">
+            <a:avLst/>
+          </a:prstGeom>
+        </p:spPr>
+      </p:pic>
+      <p:pic>
+        <p:nvPicPr>
+          <p:cNvPr id="10" name="Grafik 18"/>
+          <p:cNvPicPr>
+            <a:picLocks noChangeAspect="1"/>
+          </p:cNvPicPr>
+          <p:nvPr/>
+        </p:nvPicPr>
+        <p:blipFill>
+          <a:blip r:embed="rId5">
+            <a:extLst>
+              <a:ext uri="{28A0092B-C50C-407E-A947-70E740481C1C}">
+                <a14:useLocalDpi xmlns:a14="http://schemas.microsoft.com/office/drawing/2010/main" val="0"/>
+              </a:ext>
+            </a:extLst>
+          </a:blip>
+          <a:stretch>
+            <a:fillRect/>
+          </a:stretch>
+        </p:blipFill>
+        <p:spPr>
+          <a:xfrm>
+            <a:off x="19555142" y="10534485"/>
+            <a:ext cx="4900069" cy="3920056"/>
+          </a:xfrm>
+          <a:prstGeom prst="rect">
+            <a:avLst/>
+          </a:prstGeom>
+        </p:spPr>
+      </p:pic>
+      <p:pic>
+        <p:nvPicPr>
+          <p:cNvPr id="11" name="Grafik 18"/>
+          <p:cNvPicPr>
+            <a:picLocks noChangeAspect="1"/>
+          </p:cNvPicPr>
+          <p:nvPr/>
+        </p:nvPicPr>
+        <p:blipFill>
+          <a:blip r:embed="rId5">
+            <a:extLst>
+              <a:ext uri="{28A0092B-C50C-407E-A947-70E740481C1C}">
+                <a14:useLocalDpi xmlns:a14="http://schemas.microsoft.com/office/drawing/2010/main" val="0"/>
+              </a:ext>
+            </a:extLst>
+          </a:blip>
+          <a:stretch>
+            <a:fillRect/>
+          </a:stretch>
+        </p:blipFill>
+        <p:spPr>
+          <a:xfrm>
+            <a:off x="19707542" y="10686885"/>
+            <a:ext cx="4900069" cy="3920056"/>
+          </a:xfrm>
+          <a:prstGeom prst="rect">
+            <a:avLst/>
+          </a:prstGeom>
+        </p:spPr>
+      </p:pic>
+      <p:pic>
+        <p:nvPicPr>
+          <p:cNvPr id="12" name="Grafik 18"/>
+          <p:cNvPicPr>
+            <a:picLocks noChangeAspect="1"/>
+          </p:cNvPicPr>
+          <p:nvPr/>
+        </p:nvPicPr>
+        <p:blipFill>
+          <a:blip r:embed="rId5">
+            <a:extLst>
+              <a:ext uri="{28A0092B-C50C-407E-A947-70E740481C1C}">
+                <a14:useLocalDpi xmlns:a14="http://schemas.microsoft.com/office/drawing/2010/main" val="0"/>
+              </a:ext>
+            </a:extLst>
+          </a:blip>
+          <a:stretch>
+            <a:fillRect/>
+          </a:stretch>
+        </p:blipFill>
+        <p:spPr>
+          <a:xfrm>
+            <a:off x="19859942" y="10839285"/>
+            <a:ext cx="4900069" cy="3920056"/>
+          </a:xfrm>
+          <a:prstGeom prst="rect">
+            <a:avLst/>
+          </a:prstGeom>
+        </p:spPr>
+      </p:pic>
+      <p:pic>
+        <p:nvPicPr>
+          <p:cNvPr id="13" name="Grafik 18"/>
+          <p:cNvPicPr>
+            <a:picLocks noChangeAspect="1"/>
+          </p:cNvPicPr>
+          <p:nvPr/>
+        </p:nvPicPr>
+        <p:blipFill>
+          <a:blip r:embed="rId5">
+            <a:extLst>
+              <a:ext uri="{28A0092B-C50C-407E-A947-70E740481C1C}">
+                <a14:useLocalDpi xmlns:a14="http://schemas.microsoft.com/office/drawing/2010/main" val="0"/>
+              </a:ext>
+            </a:extLst>
+          </a:blip>
+          <a:stretch>
+            <a:fillRect/>
+          </a:stretch>
+        </p:blipFill>
+        <p:spPr>
+          <a:xfrm>
+            <a:off x="20012342" y="10991685"/>
+            <a:ext cx="4900069" cy="3920056"/>
+          </a:xfrm>
+          <a:prstGeom prst="rect">
+            <a:avLst/>
+          </a:prstGeom>
+        </p:spPr>
+      </p:pic>
+      <p:pic>
+        <p:nvPicPr>
+          <p:cNvPr id="14" name="Grafik 19"/>
+          <p:cNvPicPr>
+            <a:picLocks noChangeAspect="1"/>
+          </p:cNvPicPr>
+          <p:nvPr/>
+        </p:nvPicPr>
+        <p:blipFill>
+          <a:blip r:embed="rId6">
+            <a:extLst>
+              <a:ext uri="{28A0092B-C50C-407E-A947-70E740481C1C}">
+                <a14:useLocalDpi xmlns:a14="http://schemas.microsoft.com/office/drawing/2010/main" val="0"/>
+              </a:ext>
+            </a:extLst>
+          </a:blip>
+          <a:stretch>
+            <a:fillRect/>
+          </a:stretch>
+        </p:blipFill>
+        <p:spPr>
+          <a:xfrm>
+            <a:off x="14394349" y="10335225"/>
+            <a:ext cx="4900069" cy="3920056"/>
+          </a:xfrm>
+          <a:prstGeom prst="rect">
+            <a:avLst/>
+          </a:prstGeom>
+        </p:spPr>
+      </p:pic>
+      <p:pic>
+        <p:nvPicPr>
+          <p:cNvPr id="16" name="Grafik 19"/>
+          <p:cNvPicPr>
+            <a:picLocks noChangeAspect="1"/>
+          </p:cNvPicPr>
+          <p:nvPr/>
+        </p:nvPicPr>
+        <p:blipFill>
+          <a:blip r:embed="rId6">
+            <a:extLst>
+              <a:ext uri="{28A0092B-C50C-407E-A947-70E740481C1C}">
+                <a14:useLocalDpi xmlns:a14="http://schemas.microsoft.com/office/drawing/2010/main" val="0"/>
+              </a:ext>
+            </a:extLst>
+          </a:blip>
+          <a:stretch>
+            <a:fillRect/>
+          </a:stretch>
+        </p:blipFill>
+        <p:spPr>
+          <a:xfrm>
+            <a:off x="14546749" y="10487625"/>
+            <a:ext cx="4900069" cy="3920056"/>
+          </a:xfrm>
+          <a:prstGeom prst="rect">
+            <a:avLst/>
+          </a:prstGeom>
+        </p:spPr>
+      </p:pic>
+      <p:pic>
+        <p:nvPicPr>
+          <p:cNvPr id="20" name="Grafik 17"/>
+          <p:cNvPicPr>
+            <a:picLocks noChangeAspect="1"/>
+          </p:cNvPicPr>
+          <p:nvPr/>
+        </p:nvPicPr>
+        <p:blipFill>
+          <a:blip r:embed="rId7">
+            <a:extLst>
+              <a:ext uri="{28A0092B-C50C-407E-A947-70E740481C1C}">
+                <a14:useLocalDpi xmlns:a14="http://schemas.microsoft.com/office/drawing/2010/main" val="0"/>
+              </a:ext>
+            </a:extLst>
+          </a:blip>
+          <a:stretch>
+            <a:fillRect/>
+          </a:stretch>
+        </p:blipFill>
+        <p:spPr bwMode="auto">
+          <a:xfrm>
+            <a:off x="971600" y="1939014"/>
+            <a:ext cx="4309245" cy="3447396"/>
+          </a:xfrm>
+          <a:prstGeom prst="rect">
+            <a:avLst/>
+          </a:prstGeom>
+          <a:noFill/>
+          <a:ln w="9525">
+            <a:noFill/>
+            <a:miter lim="800000"/>
+            <a:headEnd/>
+            <a:tailEnd/>
+          </a:ln>
+        </p:spPr>
+      </p:pic>
     </p:spTree>
     <p:extLst>
       <p:ext uri="{BB962C8B-B14F-4D97-AF65-F5344CB8AC3E}">
-        <p14:creationId xmlns:p14="http://schemas.microsoft.com/office/powerpoint/2010/main" val="913813503"/>
+        <p14:creationId xmlns:p14="http://schemas.microsoft.com/office/powerpoint/2010/main" val="1064543386"/>
       </p:ext>
     </p:extLst>
   </p:cSld>
